--- a/Project_NovintFalcon/documents/Project_sz53_pw15.pptx
+++ b/Project_NovintFalcon/documents/Project_sz53_pw15.pptx
@@ -4,6 +4,9 @@
   <p:sldMasterIdLst>
     <p:sldMasterId id="2147483660" r:id="rId1"/>
   </p:sldMasterIdLst>
+  <p:notesMasterIdLst>
+    <p:notesMasterId r:id="rId3"/>
+  </p:notesMasterIdLst>
   <p:sldIdLst>
     <p:sldId id="256" r:id="rId2"/>
   </p:sldIdLst>
@@ -116,13 +119,13 @@
 <pc:chgInfo xmlns:a="http://schemas.openxmlformats.org/drawingml/2006/main" xmlns:r="http://schemas.openxmlformats.org/officeDocument/2006/relationships" xmlns:ac="http://schemas.microsoft.com/office/drawing/2013/main/command" xmlns:pc="http://schemas.microsoft.com/office/powerpoint/2013/main/command">
   <pc:docChgLst>
     <pc:chgData name="Sichao Zhang" userId="baca463c2301c347" providerId="LiveId" clId="{622E9CC1-E596-473A-B18B-B6B99A7CFAA5}"/>
-    <pc:docChg chg="undo custSel addSld modSld">
-      <pc:chgData name="Sichao Zhang" userId="baca463c2301c347" providerId="LiveId" clId="{622E9CC1-E596-473A-B18B-B6B99A7CFAA5}" dt="2018-04-17T03:56:38.094" v="3599" actId="1076"/>
+    <pc:docChg chg="undo custSel addSld delSld modSld">
+      <pc:chgData name="Sichao Zhang" userId="baca463c2301c347" providerId="LiveId" clId="{622E9CC1-E596-473A-B18B-B6B99A7CFAA5}" dt="2018-04-19T05:01:06.642" v="4412" actId="1076"/>
       <pc:docMkLst>
         <pc:docMk/>
       </pc:docMkLst>
       <pc:sldChg chg="addSp delSp modSp add">
-        <pc:chgData name="Sichao Zhang" userId="baca463c2301c347" providerId="LiveId" clId="{622E9CC1-E596-473A-B18B-B6B99A7CFAA5}" dt="2018-04-17T03:56:38.094" v="3599" actId="1076"/>
+        <pc:chgData name="Sichao Zhang" userId="baca463c2301c347" providerId="LiveId" clId="{622E9CC1-E596-473A-B18B-B6B99A7CFAA5}" dt="2018-04-19T05:01:06.642" v="4412" actId="1076"/>
         <pc:sldMkLst>
           <pc:docMk/>
           <pc:sldMk cId="813722133" sldId="256"/>
@@ -192,7 +195,7 @@
           </ac:spMkLst>
         </pc:spChg>
         <pc:spChg chg="add mod">
-          <ac:chgData name="Sichao Zhang" userId="baca463c2301c347" providerId="LiveId" clId="{622E9CC1-E596-473A-B18B-B6B99A7CFAA5}" dt="2018-04-17T02:19:58.994" v="1302" actId="1076"/>
+          <ac:chgData name="Sichao Zhang" userId="baca463c2301c347" providerId="LiveId" clId="{622E9CC1-E596-473A-B18B-B6B99A7CFAA5}" dt="2018-04-19T02:08:07.476" v="4079" actId="1035"/>
           <ac:spMkLst>
             <pc:docMk/>
             <pc:sldMk cId="813722133" sldId="256"/>
@@ -200,7 +203,7 @@
           </ac:spMkLst>
         </pc:spChg>
         <pc:spChg chg="add mod">
-          <ac:chgData name="Sichao Zhang" userId="baca463c2301c347" providerId="LiveId" clId="{622E9CC1-E596-473A-B18B-B6B99A7CFAA5}" dt="2018-04-17T02:53:20.252" v="1709" actId="1076"/>
+          <ac:chgData name="Sichao Zhang" userId="baca463c2301c347" providerId="LiveId" clId="{622E9CC1-E596-473A-B18B-B6B99A7CFAA5}" dt="2018-04-19T02:07:57.552" v="4071" actId="1035"/>
           <ac:spMkLst>
             <pc:docMk/>
             <pc:sldMk cId="813722133" sldId="256"/>
@@ -208,7 +211,7 @@
           </ac:spMkLst>
         </pc:spChg>
         <pc:spChg chg="add mod">
-          <ac:chgData name="Sichao Zhang" userId="baca463c2301c347" providerId="LiveId" clId="{622E9CC1-E596-473A-B18B-B6B99A7CFAA5}" dt="2018-04-17T01:57:43.166" v="1145" actId="1076"/>
+          <ac:chgData name="Sichao Zhang" userId="baca463c2301c347" providerId="LiveId" clId="{622E9CC1-E596-473A-B18B-B6B99A7CFAA5}" dt="2018-04-19T02:08:07.476" v="4079" actId="1035"/>
           <ac:spMkLst>
             <pc:docMk/>
             <pc:sldMk cId="813722133" sldId="256"/>
@@ -224,7 +227,7 @@
           </ac:spMkLst>
         </pc:spChg>
         <pc:spChg chg="add mod">
-          <ac:chgData name="Sichao Zhang" userId="baca463c2301c347" providerId="LiveId" clId="{622E9CC1-E596-473A-B18B-B6B99A7CFAA5}" dt="2018-04-17T02:19:58.994" v="1302" actId="1076"/>
+          <ac:chgData name="Sichao Zhang" userId="baca463c2301c347" providerId="LiveId" clId="{622E9CC1-E596-473A-B18B-B6B99A7CFAA5}" dt="2018-04-19T02:13:37.222" v="4130" actId="20577"/>
           <ac:spMkLst>
             <pc:docMk/>
             <pc:sldMk cId="813722133" sldId="256"/>
@@ -248,6 +251,14 @@
           </ac:spMkLst>
         </pc:spChg>
         <pc:spChg chg="add del mod">
+          <ac:chgData name="Sichao Zhang" userId="baca463c2301c347" providerId="LiveId" clId="{622E9CC1-E596-473A-B18B-B6B99A7CFAA5}" dt="2018-04-17T00:48:23.429" v="190" actId="478"/>
+          <ac:spMkLst>
+            <pc:docMk/>
+            <pc:sldMk cId="813722133" sldId="256"/>
+            <ac:spMk id="15" creationId="{080EC340-B66F-4FB5-9A50-5AC6CB844AAA}"/>
+          </ac:spMkLst>
+        </pc:spChg>
+        <pc:spChg chg="add del mod">
           <ac:chgData name="Sichao Zhang" userId="baca463c2301c347" providerId="LiveId" clId="{622E9CC1-E596-473A-B18B-B6B99A7CFAA5}" dt="2018-04-17T02:26:32.665" v="1413" actId="478"/>
           <ac:spMkLst>
             <pc:docMk/>
@@ -260,14 +271,6 @@
           <ac:spMkLst>
             <pc:docMk/>
             <pc:sldMk cId="813722133" sldId="256"/>
-            <ac:spMk id="15" creationId="{080EC340-B66F-4FB5-9A50-5AC6CB844AAA}"/>
-          </ac:spMkLst>
-        </pc:spChg>
-        <pc:spChg chg="add del mod">
-          <ac:chgData name="Sichao Zhang" userId="baca463c2301c347" providerId="LiveId" clId="{622E9CC1-E596-473A-B18B-B6B99A7CFAA5}" dt="2018-04-17T00:48:23.429" v="190" actId="478"/>
-          <ac:spMkLst>
-            <pc:docMk/>
-            <pc:sldMk cId="813722133" sldId="256"/>
             <ac:spMk id="16" creationId="{3C63620C-9B2A-4A45-9794-32ED61F42551}"/>
           </ac:spMkLst>
         </pc:spChg>
@@ -280,7 +283,7 @@
           </ac:spMkLst>
         </pc:spChg>
         <pc:spChg chg="add del">
-          <ac:chgData name="Sichao Zhang" userId="baca463c2301c347" providerId="LiveId" clId="{622E9CC1-E596-473A-B18B-B6B99A7CFAA5}" dt="2018-04-17T01:54:23.745" v="1117"/>
+          <ac:chgData name="Sichao Zhang" userId="baca463c2301c347" providerId="LiveId" clId="{622E9CC1-E596-473A-B18B-B6B99A7CFAA5}" dt="2018-04-17T01:54:23.745" v="1117" actId="1076"/>
           <ac:spMkLst>
             <pc:docMk/>
             <pc:sldMk cId="813722133" sldId="256"/>
@@ -368,7 +371,7 @@
           </ac:spMkLst>
         </pc:spChg>
         <pc:spChg chg="add mod">
-          <ac:chgData name="Sichao Zhang" userId="baca463c2301c347" providerId="LiveId" clId="{622E9CC1-E596-473A-B18B-B6B99A7CFAA5}" dt="2018-04-17T01:12:37.908" v="679" actId="1076"/>
+          <ac:chgData name="Sichao Zhang" userId="baca463c2301c347" providerId="LiveId" clId="{622E9CC1-E596-473A-B18B-B6B99A7CFAA5}" dt="2018-04-19T01:57:17.081" v="3931" actId="20577"/>
           <ac:spMkLst>
             <pc:docMk/>
             <pc:sldMk cId="813722133" sldId="256"/>
@@ -407,20 +410,20 @@
             <ac:spMk id="30" creationId="{698CDC5E-CB1D-4996-81E2-3705B77B4924}"/>
           </ac:spMkLst>
         </pc:spChg>
-        <pc:spChg chg="add mod">
-          <ac:chgData name="Sichao Zhang" userId="baca463c2301c347" providerId="LiveId" clId="{622E9CC1-E596-473A-B18B-B6B99A7CFAA5}" dt="2018-04-17T02:19:38.010" v="1297" actId="1076"/>
-          <ac:spMkLst>
-            <pc:docMk/>
-            <pc:sldMk cId="813722133" sldId="256"/>
-            <ac:spMk id="31" creationId="{A63C35BC-EB62-4F0E-BE22-01D4E4770FA2}"/>
-          </ac:spMkLst>
-        </pc:spChg>
         <pc:spChg chg="add del">
           <ac:chgData name="Sichao Zhang" userId="baca463c2301c347" providerId="LiveId" clId="{622E9CC1-E596-473A-B18B-B6B99A7CFAA5}" dt="2018-04-17T01:00:57.747" v="463" actId="478"/>
           <ac:spMkLst>
             <pc:docMk/>
             <pc:sldMk cId="813722133" sldId="256"/>
             <ac:spMk id="31" creationId="{E410E441-9C8C-4DD4-A2AE-A73CD43A28EC}"/>
+          </ac:spMkLst>
+        </pc:spChg>
+        <pc:spChg chg="add mod">
+          <ac:chgData name="Sichao Zhang" userId="baca463c2301c347" providerId="LiveId" clId="{622E9CC1-E596-473A-B18B-B6B99A7CFAA5}" dt="2018-04-19T02:17:36.492" v="4179" actId="20577"/>
+          <ac:spMkLst>
+            <pc:docMk/>
+            <pc:sldMk cId="813722133" sldId="256"/>
+            <ac:spMk id="31" creationId="{A63C35BC-EB62-4F0E-BE22-01D4E4770FA2}"/>
           </ac:spMkLst>
         </pc:spChg>
         <pc:spChg chg="add del mod">
@@ -432,7 +435,7 @@
           </ac:spMkLst>
         </pc:spChg>
         <pc:spChg chg="add mod">
-          <ac:chgData name="Sichao Zhang" userId="baca463c2301c347" providerId="LiveId" clId="{622E9CC1-E596-473A-B18B-B6B99A7CFAA5}" dt="2018-04-17T02:19:58.994" v="1302" actId="1076"/>
+          <ac:chgData name="Sichao Zhang" userId="baca463c2301c347" providerId="LiveId" clId="{622E9CC1-E596-473A-B18B-B6B99A7CFAA5}" dt="2018-04-19T02:08:07.476" v="4079" actId="1035"/>
           <ac:spMkLst>
             <pc:docMk/>
             <pc:sldMk cId="813722133" sldId="256"/>
@@ -456,7 +459,7 @@
           </ac:spMkLst>
         </pc:spChg>
         <pc:spChg chg="add mod">
-          <ac:chgData name="Sichao Zhang" userId="baca463c2301c347" providerId="LiveId" clId="{622E9CC1-E596-473A-B18B-B6B99A7CFAA5}" dt="2018-04-17T02:59:44.751" v="2040" actId="1076"/>
+          <ac:chgData name="Sichao Zhang" userId="baca463c2301c347" providerId="LiveId" clId="{622E9CC1-E596-473A-B18B-B6B99A7CFAA5}" dt="2018-04-19T02:08:07.476" v="4079" actId="1035"/>
           <ac:spMkLst>
             <pc:docMk/>
             <pc:sldMk cId="813722133" sldId="256"/>
@@ -464,15 +467,15 @@
           </ac:spMkLst>
         </pc:spChg>
         <pc:spChg chg="add mod">
-          <ac:chgData name="Sichao Zhang" userId="baca463c2301c347" providerId="LiveId" clId="{622E9CC1-E596-473A-B18B-B6B99A7CFAA5}" dt="2018-04-17T03:56:38.094" v="3599" actId="1076"/>
+          <ac:chgData name="Sichao Zhang" userId="baca463c2301c347" providerId="LiveId" clId="{622E9CC1-E596-473A-B18B-B6B99A7CFAA5}" dt="2018-04-19T05:01:06.642" v="4412" actId="1076"/>
           <ac:spMkLst>
             <pc:docMk/>
             <pc:sldMk cId="813722133" sldId="256"/>
             <ac:spMk id="37" creationId="{34210467-0DD4-461F-B6FE-32161F38FDAE}"/>
           </ac:spMkLst>
         </pc:spChg>
-        <pc:spChg chg="add mod">
-          <ac:chgData name="Sichao Zhang" userId="baca463c2301c347" providerId="LiveId" clId="{622E9CC1-E596-473A-B18B-B6B99A7CFAA5}" dt="2018-04-17T02:29:41.114" v="1473" actId="207"/>
+        <pc:spChg chg="add del mod">
+          <ac:chgData name="Sichao Zhang" userId="baca463c2301c347" providerId="LiveId" clId="{622E9CC1-E596-473A-B18B-B6B99A7CFAA5}" dt="2018-04-19T02:00:00.859" v="3967" actId="478"/>
           <ac:spMkLst>
             <pc:docMk/>
             <pc:sldMk cId="813722133" sldId="256"/>
@@ -480,23 +483,23 @@
           </ac:spMkLst>
         </pc:spChg>
         <pc:spChg chg="add mod">
-          <ac:chgData name="Sichao Zhang" userId="baca463c2301c347" providerId="LiveId" clId="{622E9CC1-E596-473A-B18B-B6B99A7CFAA5}" dt="2018-04-17T02:59:30.468" v="2039" actId="20577"/>
+          <ac:chgData name="Sichao Zhang" userId="baca463c2301c347" providerId="LiveId" clId="{622E9CC1-E596-473A-B18B-B6B99A7CFAA5}" dt="2018-04-19T02:08:07.476" v="4079" actId="1035"/>
           <ac:spMkLst>
             <pc:docMk/>
             <pc:sldMk cId="813722133" sldId="256"/>
             <ac:spMk id="39" creationId="{7FE8D13F-5845-439D-861D-C6C86D898FAD}"/>
           </ac:spMkLst>
         </pc:spChg>
-        <pc:spChg chg="add mod">
-          <ac:chgData name="Sichao Zhang" userId="baca463c2301c347" providerId="LiveId" clId="{622E9CC1-E596-473A-B18B-B6B99A7CFAA5}" dt="2018-04-17T02:22:01.713" v="1314" actId="20577"/>
+        <pc:spChg chg="add del mod">
+          <ac:chgData name="Sichao Zhang" userId="baca463c2301c347" providerId="LiveId" clId="{622E9CC1-E596-473A-B18B-B6B99A7CFAA5}" dt="2018-04-19T02:00:00.859" v="3967" actId="478"/>
           <ac:spMkLst>
             <pc:docMk/>
             <pc:sldMk cId="813722133" sldId="256"/>
             <ac:spMk id="40" creationId="{40D1E258-4996-4BC8-94EB-3DDE9968B534}"/>
           </ac:spMkLst>
         </pc:spChg>
-        <pc:spChg chg="add mod">
-          <ac:chgData name="Sichao Zhang" userId="baca463c2301c347" providerId="LiveId" clId="{622E9CC1-E596-473A-B18B-B6B99A7CFAA5}" dt="2018-04-17T03:25:30.302" v="2210" actId="1076"/>
+        <pc:spChg chg="add del mod">
+          <ac:chgData name="Sichao Zhang" userId="baca463c2301c347" providerId="LiveId" clId="{622E9CC1-E596-473A-B18B-B6B99A7CFAA5}" dt="2018-04-19T02:04:18.794" v="4019" actId="478"/>
           <ac:spMkLst>
             <pc:docMk/>
             <pc:sldMk cId="813722133" sldId="256"/>
@@ -504,23 +507,23 @@
           </ac:spMkLst>
         </pc:spChg>
         <pc:spChg chg="add mod">
-          <ac:chgData name="Sichao Zhang" userId="baca463c2301c347" providerId="LiveId" clId="{622E9CC1-E596-473A-B18B-B6B99A7CFAA5}" dt="2018-04-17T03:37:47.060" v="2861" actId="20577"/>
+          <ac:chgData name="Sichao Zhang" userId="baca463c2301c347" providerId="LiveId" clId="{622E9CC1-E596-473A-B18B-B6B99A7CFAA5}" dt="2018-04-19T05:00:52.236" v="4411" actId="20577"/>
           <ac:spMkLst>
             <pc:docMk/>
             <pc:sldMk cId="813722133" sldId="256"/>
             <ac:spMk id="42" creationId="{04136672-059A-40B0-B369-DC009DDA5919}"/>
           </ac:spMkLst>
         </pc:spChg>
-        <pc:spChg chg="add mod">
-          <ac:chgData name="Sichao Zhang" userId="baca463c2301c347" providerId="LiveId" clId="{622E9CC1-E596-473A-B18B-B6B99A7CFAA5}" dt="2018-04-17T03:25:30.302" v="2210" actId="1076"/>
+        <pc:spChg chg="add del mod">
+          <ac:chgData name="Sichao Zhang" userId="baca463c2301c347" providerId="LiveId" clId="{622E9CC1-E596-473A-B18B-B6B99A7CFAA5}" dt="2018-04-19T02:04:17.243" v="4018" actId="478"/>
           <ac:spMkLst>
             <pc:docMk/>
             <pc:sldMk cId="813722133" sldId="256"/>
             <ac:spMk id="43" creationId="{A3B398EA-2FCF-439D-B5BD-57B40353DFB3}"/>
           </ac:spMkLst>
         </pc:spChg>
-        <pc:spChg chg="add mod">
-          <ac:chgData name="Sichao Zhang" userId="baca463c2301c347" providerId="LiveId" clId="{622E9CC1-E596-473A-B18B-B6B99A7CFAA5}" dt="2018-04-17T03:56:38.094" v="3599" actId="1076"/>
+        <pc:spChg chg="add del mod">
+          <ac:chgData name="Sichao Zhang" userId="baca463c2301c347" providerId="LiveId" clId="{622E9CC1-E596-473A-B18B-B6B99A7CFAA5}" dt="2018-04-19T02:06:37.332" v="4044" actId="478"/>
           <ac:spMkLst>
             <pc:docMk/>
             <pc:sldMk cId="813722133" sldId="256"/>
@@ -528,23 +531,23 @@
           </ac:spMkLst>
         </pc:spChg>
         <pc:spChg chg="add mod">
-          <ac:chgData name="Sichao Zhang" userId="baca463c2301c347" providerId="LiveId" clId="{622E9CC1-E596-473A-B18B-B6B99A7CFAA5}" dt="2018-04-17T03:56:38.094" v="3599" actId="1076"/>
+          <ac:chgData name="Sichao Zhang" userId="baca463c2301c347" providerId="LiveId" clId="{622E9CC1-E596-473A-B18B-B6B99A7CFAA5}" dt="2018-04-19T04:59:19.683" v="4376" actId="1076"/>
           <ac:spMkLst>
             <pc:docMk/>
             <pc:sldMk cId="813722133" sldId="256"/>
             <ac:spMk id="45" creationId="{E9BF2389-8C6A-4BEF-942D-93F23C884F87}"/>
           </ac:spMkLst>
         </pc:spChg>
-        <pc:spChg chg="add mod">
-          <ac:chgData name="Sichao Zhang" userId="baca463c2301c347" providerId="LiveId" clId="{622E9CC1-E596-473A-B18B-B6B99A7CFAA5}" dt="2018-04-17T03:56:38.094" v="3599" actId="1076"/>
+        <pc:spChg chg="add del mod">
+          <ac:chgData name="Sichao Zhang" userId="baca463c2301c347" providerId="LiveId" clId="{622E9CC1-E596-473A-B18B-B6B99A7CFAA5}" dt="2018-04-19T02:06:43.307" v="4046" actId="478"/>
           <ac:spMkLst>
             <pc:docMk/>
             <pc:sldMk cId="813722133" sldId="256"/>
             <ac:spMk id="46" creationId="{4270F1B2-9214-4DAE-A8D5-11AC832427FC}"/>
           </ac:spMkLst>
         </pc:spChg>
-        <pc:spChg chg="add mod">
-          <ac:chgData name="Sichao Zhang" userId="baca463c2301c347" providerId="LiveId" clId="{622E9CC1-E596-473A-B18B-B6B99A7CFAA5}" dt="2018-04-17T03:56:38.094" v="3599" actId="1076"/>
+        <pc:spChg chg="add del mod">
+          <ac:chgData name="Sichao Zhang" userId="baca463c2301c347" providerId="LiveId" clId="{622E9CC1-E596-473A-B18B-B6B99A7CFAA5}" dt="2018-04-19T02:07:17.667" v="4061" actId="478"/>
           <ac:spMkLst>
             <pc:docMk/>
             <pc:sldMk cId="813722133" sldId="256"/>
@@ -552,15 +555,15 @@
           </ac:spMkLst>
         </pc:spChg>
         <pc:spChg chg="add mod">
-          <ac:chgData name="Sichao Zhang" userId="baca463c2301c347" providerId="LiveId" clId="{622E9CC1-E596-473A-B18B-B6B99A7CFAA5}" dt="2018-04-17T03:56:38.094" v="3599" actId="1076"/>
+          <ac:chgData name="Sichao Zhang" userId="baca463c2301c347" providerId="LiveId" clId="{622E9CC1-E596-473A-B18B-B6B99A7CFAA5}" dt="2018-04-19T04:59:19.683" v="4376" actId="1076"/>
           <ac:spMkLst>
             <pc:docMk/>
             <pc:sldMk cId="813722133" sldId="256"/>
             <ac:spMk id="48" creationId="{5AB1ABAD-99A8-4A36-8BC6-1656089AE6A9}"/>
           </ac:spMkLst>
         </pc:spChg>
-        <pc:spChg chg="add mod">
-          <ac:chgData name="Sichao Zhang" userId="baca463c2301c347" providerId="LiveId" clId="{622E9CC1-E596-473A-B18B-B6B99A7CFAA5}" dt="2018-04-17T03:56:38.094" v="3599" actId="1076"/>
+        <pc:spChg chg="add del mod">
+          <ac:chgData name="Sichao Zhang" userId="baca463c2301c347" providerId="LiveId" clId="{622E9CC1-E596-473A-B18B-B6B99A7CFAA5}" dt="2018-04-19T02:07:17.667" v="4061" actId="478"/>
           <ac:spMkLst>
             <pc:docMk/>
             <pc:sldMk cId="813722133" sldId="256"/>
@@ -592,15 +595,15 @@
           </ac:spMkLst>
         </pc:spChg>
         <pc:spChg chg="add mod">
-          <ac:chgData name="Sichao Zhang" userId="baca463c2301c347" providerId="LiveId" clId="{622E9CC1-E596-473A-B18B-B6B99A7CFAA5}" dt="2018-04-17T03:38:06.702" v="2863" actId="20577"/>
+          <ac:chgData name="Sichao Zhang" userId="baca463c2301c347" providerId="LiveId" clId="{622E9CC1-E596-473A-B18B-B6B99A7CFAA5}" dt="2018-04-19T02:22:24.037" v="4185" actId="20577"/>
           <ac:spMkLst>
             <pc:docMk/>
             <pc:sldMk cId="813722133" sldId="256"/>
             <ac:spMk id="53" creationId="{9EC5EA9F-39D3-4A3F-9C55-0A778B1DB0E2}"/>
           </ac:spMkLst>
         </pc:spChg>
-        <pc:spChg chg="add mod">
-          <ac:chgData name="Sichao Zhang" userId="baca463c2301c347" providerId="LiveId" clId="{622E9CC1-E596-473A-B18B-B6B99A7CFAA5}" dt="2018-04-17T03:26:18.990" v="2214" actId="207"/>
+        <pc:spChg chg="add del mod">
+          <ac:chgData name="Sichao Zhang" userId="baca463c2301c347" providerId="LiveId" clId="{622E9CC1-E596-473A-B18B-B6B99A7CFAA5}" dt="2018-04-19T02:03:32.250" v="4005" actId="478"/>
           <ac:spMkLst>
             <pc:docMk/>
             <pc:sldMk cId="813722133" sldId="256"/>
@@ -608,27 +611,131 @@
           </ac:spMkLst>
         </pc:spChg>
         <pc:spChg chg="add mod">
-          <ac:chgData name="Sichao Zhang" userId="baca463c2301c347" providerId="LiveId" clId="{622E9CC1-E596-473A-B18B-B6B99A7CFAA5}" dt="2018-04-17T03:38:11.412" v="2864" actId="20577"/>
+          <ac:chgData name="Sichao Zhang" userId="baca463c2301c347" providerId="LiveId" clId="{622E9CC1-E596-473A-B18B-B6B99A7CFAA5}" dt="2018-04-19T02:23:03.308" v="4224" actId="20577"/>
           <ac:spMkLst>
             <pc:docMk/>
             <pc:sldMk cId="813722133" sldId="256"/>
             <ac:spMk id="55" creationId="{13F42DD6-BA8F-4031-9263-9D0A01A515D8}"/>
           </ac:spMkLst>
         </pc:spChg>
-        <pc:spChg chg="add mod">
-          <ac:chgData name="Sichao Zhang" userId="baca463c2301c347" providerId="LiveId" clId="{622E9CC1-E596-473A-B18B-B6B99A7CFAA5}" dt="2018-04-17T03:26:29.926" v="2230" actId="20577"/>
+        <pc:spChg chg="add del mod">
+          <ac:chgData name="Sichao Zhang" userId="baca463c2301c347" providerId="LiveId" clId="{622E9CC1-E596-473A-B18B-B6B99A7CFAA5}" dt="2018-04-19T02:03:32.250" v="4005" actId="478"/>
           <ac:spMkLst>
             <pc:docMk/>
             <pc:sldMk cId="813722133" sldId="256"/>
             <ac:spMk id="56" creationId="{E34BA8E9-F094-4EC8-A9FB-7D2915471E00}"/>
           </ac:spMkLst>
         </pc:spChg>
+        <pc:spChg chg="add mod">
+          <ac:chgData name="Sichao Zhang" userId="baca463c2301c347" providerId="LiveId" clId="{622E9CC1-E596-473A-B18B-B6B99A7CFAA5}" dt="2018-04-19T02:08:07.476" v="4079" actId="1035"/>
+          <ac:spMkLst>
+            <pc:docMk/>
+            <pc:sldMk cId="813722133" sldId="256"/>
+            <ac:spMk id="57" creationId="{B47C747F-9ED4-43D7-B2AE-4C48B4C35923}"/>
+          </ac:spMkLst>
+        </pc:spChg>
+        <pc:spChg chg="add mod">
+          <ac:chgData name="Sichao Zhang" userId="baca463c2301c347" providerId="LiveId" clId="{622E9CC1-E596-473A-B18B-B6B99A7CFAA5}" dt="2018-04-19T02:08:07.476" v="4079" actId="1035"/>
+          <ac:spMkLst>
+            <pc:docMk/>
+            <pc:sldMk cId="813722133" sldId="256"/>
+            <ac:spMk id="58" creationId="{4EAAC4D2-FE76-4BB8-933F-4B3D5468148F}"/>
+          </ac:spMkLst>
+        </pc:spChg>
+        <pc:spChg chg="add mod">
+          <ac:chgData name="Sichao Zhang" userId="baca463c2301c347" providerId="LiveId" clId="{622E9CC1-E596-473A-B18B-B6B99A7CFAA5}" dt="2018-04-19T02:08:07.476" v="4079" actId="1035"/>
+          <ac:spMkLst>
+            <pc:docMk/>
+            <pc:sldMk cId="813722133" sldId="256"/>
+            <ac:spMk id="59" creationId="{C452CDF2-CD49-4170-9A3E-EEA35208F2E4}"/>
+          </ac:spMkLst>
+        </pc:spChg>
+        <pc:spChg chg="add mod">
+          <ac:chgData name="Sichao Zhang" userId="baca463c2301c347" providerId="LiveId" clId="{622E9CC1-E596-473A-B18B-B6B99A7CFAA5}" dt="2018-04-19T02:08:07.476" v="4079" actId="1035"/>
+          <ac:spMkLst>
+            <pc:docMk/>
+            <pc:sldMk cId="813722133" sldId="256"/>
+            <ac:spMk id="60" creationId="{CA5D0AE5-2080-4A39-A27F-B7BA2B6A60F1}"/>
+          </ac:spMkLst>
+        </pc:spChg>
+        <pc:spChg chg="add mod">
+          <ac:chgData name="Sichao Zhang" userId="baca463c2301c347" providerId="LiveId" clId="{622E9CC1-E596-473A-B18B-B6B99A7CFAA5}" dt="2018-04-19T02:08:07.476" v="4079" actId="1035"/>
+          <ac:spMkLst>
+            <pc:docMk/>
+            <pc:sldMk cId="813722133" sldId="256"/>
+            <ac:spMk id="61" creationId="{8CC620E6-4D48-4714-BB9E-D7869FCA3D74}"/>
+          </ac:spMkLst>
+        </pc:spChg>
+        <pc:spChg chg="add mod">
+          <ac:chgData name="Sichao Zhang" userId="baca463c2301c347" providerId="LiveId" clId="{622E9CC1-E596-473A-B18B-B6B99A7CFAA5}" dt="2018-04-19T02:08:07.476" v="4079" actId="1035"/>
+          <ac:spMkLst>
+            <pc:docMk/>
+            <pc:sldMk cId="813722133" sldId="256"/>
+            <ac:spMk id="62" creationId="{7A916B14-DD39-4CEA-BD16-6793F965AC24}"/>
+          </ac:spMkLst>
+        </pc:spChg>
+        <pc:spChg chg="add mod">
+          <ac:chgData name="Sichao Zhang" userId="baca463c2301c347" providerId="LiveId" clId="{622E9CC1-E596-473A-B18B-B6B99A7CFAA5}" dt="2018-04-19T04:59:19.683" v="4376" actId="1076"/>
+          <ac:spMkLst>
+            <pc:docMk/>
+            <pc:sldMk cId="813722133" sldId="256"/>
+            <ac:spMk id="63" creationId="{54022A73-D74E-436E-8CA6-E4C29B7B71C7}"/>
+          </ac:spMkLst>
+        </pc:spChg>
+        <pc:spChg chg="add mod">
+          <ac:chgData name="Sichao Zhang" userId="baca463c2301c347" providerId="LiveId" clId="{622E9CC1-E596-473A-B18B-B6B99A7CFAA5}" dt="2018-04-19T04:59:19.683" v="4376" actId="1076"/>
+          <ac:spMkLst>
+            <pc:docMk/>
+            <pc:sldMk cId="813722133" sldId="256"/>
+            <ac:spMk id="64" creationId="{5FE3DE60-4ACB-497D-B6B7-A9C7CFE8A0A6}"/>
+          </ac:spMkLst>
+        </pc:spChg>
+        <pc:spChg chg="add mod">
+          <ac:chgData name="Sichao Zhang" userId="baca463c2301c347" providerId="LiveId" clId="{622E9CC1-E596-473A-B18B-B6B99A7CFAA5}" dt="2018-04-19T04:59:19.683" v="4376" actId="1076"/>
+          <ac:spMkLst>
+            <pc:docMk/>
+            <pc:sldMk cId="813722133" sldId="256"/>
+            <ac:spMk id="65" creationId="{1A5D0813-9A92-4F7B-BAD4-2239BD4A4113}"/>
+          </ac:spMkLst>
+        </pc:spChg>
+        <pc:spChg chg="add mod">
+          <ac:chgData name="Sichao Zhang" userId="baca463c2301c347" providerId="LiveId" clId="{622E9CC1-E596-473A-B18B-B6B99A7CFAA5}" dt="2018-04-19T04:59:19.683" v="4376" actId="1076"/>
+          <ac:spMkLst>
+            <pc:docMk/>
+            <pc:sldMk cId="813722133" sldId="256"/>
+            <ac:spMk id="66" creationId="{1CD9B51F-2C8D-46F9-880A-324572AAECE9}"/>
+          </ac:spMkLst>
+        </pc:spChg>
+        <pc:spChg chg="add mod">
+          <ac:chgData name="Sichao Zhang" userId="baca463c2301c347" providerId="LiveId" clId="{622E9CC1-E596-473A-B18B-B6B99A7CFAA5}" dt="2018-04-19T04:59:51.353" v="4410" actId="20577"/>
+          <ac:spMkLst>
+            <pc:docMk/>
+            <pc:sldMk cId="813722133" sldId="256"/>
+            <ac:spMk id="67" creationId="{9720B53C-8CB7-4313-AC07-A8CD4E8F81D3}"/>
+          </ac:spMkLst>
+        </pc:spChg>
+        <pc:graphicFrameChg chg="add mod modGraphic">
+          <ac:chgData name="Sichao Zhang" userId="baca463c2301c347" providerId="LiveId" clId="{622E9CC1-E596-473A-B18B-B6B99A7CFAA5}" dt="2018-04-19T02:08:07.476" v="4079" actId="1035"/>
+          <ac:graphicFrameMkLst>
+            <pc:docMk/>
+            <pc:sldMk cId="813722133" sldId="256"/>
+            <ac:graphicFrameMk id="4" creationId="{48138163-CC8B-4A82-847C-6C104B8C4C3A}"/>
+          </ac:graphicFrameMkLst>
+        </pc:graphicFrameChg>
         <pc:picChg chg="add mod">
-          <ac:chgData name="Sichao Zhang" userId="baca463c2301c347" providerId="LiveId" clId="{622E9CC1-E596-473A-B18B-B6B99A7CFAA5}" dt="2018-04-17T02:18:52.038" v="1295" actId="1076"/>
+          <ac:chgData name="Sichao Zhang" userId="baca463c2301c347" providerId="LiveId" clId="{622E9CC1-E596-473A-B18B-B6B99A7CFAA5}" dt="2018-04-19T01:57:33.662" v="3934" actId="1076"/>
           <ac:picMkLst>
             <pc:docMk/>
             <pc:sldMk cId="813722133" sldId="256"/>
             <ac:picMk id="2" creationId="{47F2A2A0-5375-4B65-A658-8455DFE27023}"/>
+          </ac:picMkLst>
+        </pc:picChg>
+        <pc:picChg chg="add mod">
+          <ac:chgData name="Sichao Zhang" userId="baca463c2301c347" providerId="LiveId" clId="{622E9CC1-E596-473A-B18B-B6B99A7CFAA5}" dt="2018-04-19T01:22:13.644" v="3608"/>
+          <ac:picMkLst>
+            <pc:docMk/>
+            <pc:sldMk cId="813722133" sldId="256"/>
+            <ac:picMk id="3" creationId="{4F1CEE3B-E839-4955-86AE-66228E31C779}"/>
           </ac:picMkLst>
         </pc:picChg>
         <pc:picChg chg="add del mod">
@@ -639,16 +746,24 @@
             <ac:picMk id="4" creationId="{FAAAD083-23CC-42C3-BE00-7B057F0A015A}"/>
           </ac:picMkLst>
         </pc:picChg>
-        <pc:picChg chg="add mod ord">
-          <ac:chgData name="Sichao Zhang" userId="baca463c2301c347" providerId="LiveId" clId="{622E9CC1-E596-473A-B18B-B6B99A7CFAA5}" dt="2018-04-17T03:56:27.855" v="3598" actId="1076"/>
+        <pc:picChg chg="add del mod modCrop">
+          <ac:chgData name="Sichao Zhang" userId="baca463c2301c347" providerId="LiveId" clId="{622E9CC1-E596-473A-B18B-B6B99A7CFAA5}" dt="2018-04-19T01:57:21.806" v="3933" actId="478"/>
+          <ac:picMkLst>
+            <pc:docMk/>
+            <pc:sldMk cId="813722133" sldId="256"/>
+            <ac:picMk id="5" creationId="{A92A00A0-67A7-4447-B514-D11B75A7173E}"/>
+          </ac:picMkLst>
+        </pc:picChg>
+        <pc:picChg chg="add del mod ord">
+          <ac:chgData name="Sichao Zhang" userId="baca463c2301c347" providerId="LiveId" clId="{622E9CC1-E596-473A-B18B-B6B99A7CFAA5}" dt="2018-04-19T01:42:46.722" v="3844" actId="478"/>
           <ac:picMkLst>
             <pc:docMk/>
             <pc:sldMk cId="813722133" sldId="256"/>
             <ac:picMk id="6" creationId="{B7BF1F3D-0FC2-4707-9E7E-E9674202BD55}"/>
           </ac:picMkLst>
         </pc:picChg>
-        <pc:picChg chg="add mod">
-          <ac:chgData name="Sichao Zhang" userId="baca463c2301c347" providerId="LiveId" clId="{622E9CC1-E596-473A-B18B-B6B99A7CFAA5}" dt="2018-04-17T02:59:44.751" v="2040" actId="1076"/>
+        <pc:picChg chg="add del mod">
+          <ac:chgData name="Sichao Zhang" userId="baca463c2301c347" providerId="LiveId" clId="{622E9CC1-E596-473A-B18B-B6B99A7CFAA5}" dt="2018-04-19T01:22:41.139" v="3610" actId="478"/>
           <ac:picMkLst>
             <pc:docMk/>
             <pc:sldMk cId="813722133" sldId="256"/>
@@ -656,7 +771,31 @@
           </ac:picMkLst>
         </pc:picChg>
         <pc:picChg chg="add mod">
-          <ac:chgData name="Sichao Zhang" userId="baca463c2301c347" providerId="LiveId" clId="{622E9CC1-E596-473A-B18B-B6B99A7CFAA5}" dt="2018-04-17T02:59:44.751" v="2040" actId="1076"/>
+          <ac:chgData name="Sichao Zhang" userId="baca463c2301c347" providerId="LiveId" clId="{622E9CC1-E596-473A-B18B-B6B99A7CFAA5}" dt="2018-04-19T02:16:57.089" v="4138" actId="1076"/>
+          <ac:picMkLst>
+            <pc:docMk/>
+            <pc:sldMk cId="813722133" sldId="256"/>
+            <ac:picMk id="8" creationId="{B28E4337-D869-4515-8565-E71EB8E9D04C}"/>
+          </ac:picMkLst>
+        </pc:picChg>
+        <pc:picChg chg="add del mod">
+          <ac:chgData name="Sichao Zhang" userId="baca463c2301c347" providerId="LiveId" clId="{622E9CC1-E596-473A-B18B-B6B99A7CFAA5}" dt="2018-04-19T04:57:33.065" v="4366" actId="478"/>
+          <ac:picMkLst>
+            <pc:docMk/>
+            <pc:sldMk cId="813722133" sldId="256"/>
+            <ac:picMk id="9" creationId="{BE09EA7E-AA09-4CEE-8125-F23E42336723}"/>
+          </ac:picMkLst>
+        </pc:picChg>
+        <pc:picChg chg="add mod">
+          <ac:chgData name="Sichao Zhang" userId="baca463c2301c347" providerId="LiveId" clId="{622E9CC1-E596-473A-B18B-B6B99A7CFAA5}" dt="2018-04-19T04:59:00.984" v="4374" actId="1076"/>
+          <ac:picMkLst>
+            <pc:docMk/>
+            <pc:sldMk cId="813722133" sldId="256"/>
+            <ac:picMk id="14" creationId="{FE4C321F-0839-4FAD-B36D-11DE28F1D075}"/>
+          </ac:picMkLst>
+        </pc:picChg>
+        <pc:picChg chg="add mod">
+          <ac:chgData name="Sichao Zhang" userId="baca463c2301c347" providerId="LiveId" clId="{622E9CC1-E596-473A-B18B-B6B99A7CFAA5}" dt="2018-04-19T02:08:07.476" v="4079" actId="1035"/>
           <ac:picMkLst>
             <pc:docMk/>
             <pc:sldMk cId="813722133" sldId="256"/>
@@ -671,8 +810,8 @@
             <ac:picMk id="21" creationId="{C4EE8022-C437-44CC-A75A-3B0D8FF9C475}"/>
           </ac:picMkLst>
         </pc:picChg>
-        <pc:picChg chg="add mod">
-          <ac:chgData name="Sichao Zhang" userId="baca463c2301c347" providerId="LiveId" clId="{622E9CC1-E596-473A-B18B-B6B99A7CFAA5}" dt="2018-04-17T01:57:21.236" v="1144" actId="14100"/>
+        <pc:picChg chg="add del mod">
+          <ac:chgData name="Sichao Zhang" userId="baca463c2301c347" providerId="LiveId" clId="{622E9CC1-E596-473A-B18B-B6B99A7CFAA5}" dt="2018-04-19T01:56:56.568" v="3928" actId="478"/>
           <ac:picMkLst>
             <pc:docMk/>
             <pc:sldMk cId="813722133" sldId="256"/>
@@ -727,10 +866,729 @@
             <ac:picMk id="35" creationId="{C8867C5A-6FF7-489C-AB11-24B320EC24ED}"/>
           </ac:picMkLst>
         </pc:picChg>
+        <pc:picChg chg="add mod">
+          <ac:chgData name="Sichao Zhang" userId="baca463c2301c347" providerId="LiveId" clId="{622E9CC1-E596-473A-B18B-B6B99A7CFAA5}" dt="2018-04-19T02:24:05.773" v="4346" actId="1076"/>
+          <ac:picMkLst>
+            <pc:docMk/>
+            <pc:sldMk cId="813722133" sldId="256"/>
+            <ac:picMk id="50" creationId="{6C869121-9BA9-4CEB-BF2C-4C9B8B641513}"/>
+          </ac:picMkLst>
+        </pc:picChg>
+        <pc:picChg chg="add mod">
+          <ac:chgData name="Sichao Zhang" userId="baca463c2301c347" providerId="LiveId" clId="{622E9CC1-E596-473A-B18B-B6B99A7CFAA5}" dt="2018-04-19T02:17:05.089" v="4140" actId="14100"/>
+          <ac:picMkLst>
+            <pc:docMk/>
+            <pc:sldMk cId="813722133" sldId="256"/>
+            <ac:picMk id="51" creationId="{2C4AEAF4-4A0F-419E-A67E-D4B696131C60}"/>
+          </ac:picMkLst>
+        </pc:picChg>
+        <pc:picChg chg="add del mod">
+          <ac:chgData name="Sichao Zhang" userId="baca463c2301c347" providerId="LiveId" clId="{622E9CC1-E596-473A-B18B-B6B99A7CFAA5}" dt="2018-04-19T02:16:43.713" v="4131" actId="478"/>
+          <ac:picMkLst>
+            <pc:docMk/>
+            <pc:sldMk cId="813722133" sldId="256"/>
+            <ac:picMk id="52" creationId="{8EEBE82A-3237-448D-B764-531E080E042D}"/>
+          </ac:picMkLst>
+        </pc:picChg>
+      </pc:sldChg>
+      <pc:sldChg chg="addSp delSp modSp add del">
+        <pc:chgData name="Sichao Zhang" userId="baca463c2301c347" providerId="LiveId" clId="{622E9CC1-E596-473A-B18B-B6B99A7CFAA5}" dt="2018-04-19T02:05:58.451" v="4025" actId="2696"/>
+        <pc:sldMkLst>
+          <pc:docMk/>
+          <pc:sldMk cId="3589529364" sldId="257"/>
+        </pc:sldMkLst>
+        <pc:spChg chg="del">
+          <ac:chgData name="Sichao Zhang" userId="baca463c2301c347" providerId="LiveId" clId="{622E9CC1-E596-473A-B18B-B6B99A7CFAA5}" dt="2018-04-19T01:39:54.069" v="3839" actId="478"/>
+          <ac:spMkLst>
+            <pc:docMk/>
+            <pc:sldMk cId="3589529364" sldId="257"/>
+            <ac:spMk id="10" creationId="{A7B29FB8-0F51-404D-A196-6E2028F461E8}"/>
+          </ac:spMkLst>
+        </pc:spChg>
+        <pc:spChg chg="del">
+          <ac:chgData name="Sichao Zhang" userId="baca463c2301c347" providerId="LiveId" clId="{622E9CC1-E596-473A-B18B-B6B99A7CFAA5}" dt="2018-04-19T01:39:54.069" v="3839" actId="478"/>
+          <ac:spMkLst>
+            <pc:docMk/>
+            <pc:sldMk cId="3589529364" sldId="257"/>
+            <ac:spMk id="12" creationId="{18695731-027D-492D-8047-4F25D1F63E32}"/>
+          </ac:spMkLst>
+        </pc:spChg>
+        <pc:spChg chg="del">
+          <ac:chgData name="Sichao Zhang" userId="baca463c2301c347" providerId="LiveId" clId="{622E9CC1-E596-473A-B18B-B6B99A7CFAA5}" dt="2018-04-19T01:39:54.069" v="3839" actId="478"/>
+          <ac:spMkLst>
+            <pc:docMk/>
+            <pc:sldMk cId="3589529364" sldId="257"/>
+            <ac:spMk id="13" creationId="{C278AB0F-5279-4372-9863-5FE4E070E97D}"/>
+          </ac:spMkLst>
+        </pc:spChg>
+        <pc:spChg chg="del">
+          <ac:chgData name="Sichao Zhang" userId="baca463c2301c347" providerId="LiveId" clId="{622E9CC1-E596-473A-B18B-B6B99A7CFAA5}" dt="2018-04-19T01:39:54.069" v="3839" actId="478"/>
+          <ac:spMkLst>
+            <pc:docMk/>
+            <pc:sldMk cId="3589529364" sldId="257"/>
+            <ac:spMk id="31" creationId="{A63C35BC-EB62-4F0E-BE22-01D4E4770FA2}"/>
+          </ac:spMkLst>
+        </pc:spChg>
+        <pc:spChg chg="del">
+          <ac:chgData name="Sichao Zhang" userId="baca463c2301c347" providerId="LiveId" clId="{622E9CC1-E596-473A-B18B-B6B99A7CFAA5}" dt="2018-04-19T01:39:54.069" v="3839" actId="478"/>
+          <ac:spMkLst>
+            <pc:docMk/>
+            <pc:sldMk cId="3589529364" sldId="257"/>
+            <ac:spMk id="33" creationId="{4F0DAD31-5916-40DB-B9E1-C8E00E3B10FB}"/>
+          </ac:spMkLst>
+        </pc:spChg>
+        <pc:spChg chg="del">
+          <ac:chgData name="Sichao Zhang" userId="baca463c2301c347" providerId="LiveId" clId="{622E9CC1-E596-473A-B18B-B6B99A7CFAA5}" dt="2018-04-19T01:39:54.069" v="3839" actId="478"/>
+          <ac:spMkLst>
+            <pc:docMk/>
+            <pc:sldMk cId="3589529364" sldId="257"/>
+            <ac:spMk id="36" creationId="{DAFC66D4-679D-48F4-903B-DCA34E06D7F7}"/>
+          </ac:spMkLst>
+        </pc:spChg>
+        <pc:spChg chg="del">
+          <ac:chgData name="Sichao Zhang" userId="baca463c2301c347" providerId="LiveId" clId="{622E9CC1-E596-473A-B18B-B6B99A7CFAA5}" dt="2018-04-19T01:39:54.069" v="3839" actId="478"/>
+          <ac:spMkLst>
+            <pc:docMk/>
+            <pc:sldMk cId="3589529364" sldId="257"/>
+            <ac:spMk id="37" creationId="{34210467-0DD4-461F-B6FE-32161F38FDAE}"/>
+          </ac:spMkLst>
+        </pc:spChg>
+        <pc:spChg chg="del">
+          <ac:chgData name="Sichao Zhang" userId="baca463c2301c347" providerId="LiveId" clId="{622E9CC1-E596-473A-B18B-B6B99A7CFAA5}" dt="2018-04-19T01:39:54.069" v="3839" actId="478"/>
+          <ac:spMkLst>
+            <pc:docMk/>
+            <pc:sldMk cId="3589529364" sldId="257"/>
+            <ac:spMk id="38" creationId="{33E76B78-6A40-400B-AACD-3CCFDADB1534}"/>
+          </ac:spMkLst>
+        </pc:spChg>
+        <pc:spChg chg="del">
+          <ac:chgData name="Sichao Zhang" userId="baca463c2301c347" providerId="LiveId" clId="{622E9CC1-E596-473A-B18B-B6B99A7CFAA5}" dt="2018-04-19T01:39:54.069" v="3839" actId="478"/>
+          <ac:spMkLst>
+            <pc:docMk/>
+            <pc:sldMk cId="3589529364" sldId="257"/>
+            <ac:spMk id="39" creationId="{7FE8D13F-5845-439D-861D-C6C86D898FAD}"/>
+          </ac:spMkLst>
+        </pc:spChg>
+        <pc:spChg chg="del">
+          <ac:chgData name="Sichao Zhang" userId="baca463c2301c347" providerId="LiveId" clId="{622E9CC1-E596-473A-B18B-B6B99A7CFAA5}" dt="2018-04-19T01:39:54.069" v="3839" actId="478"/>
+          <ac:spMkLst>
+            <pc:docMk/>
+            <pc:sldMk cId="3589529364" sldId="257"/>
+            <ac:spMk id="40" creationId="{40D1E258-4996-4BC8-94EB-3DDE9968B534}"/>
+          </ac:spMkLst>
+        </pc:spChg>
+        <pc:spChg chg="del">
+          <ac:chgData name="Sichao Zhang" userId="baca463c2301c347" providerId="LiveId" clId="{622E9CC1-E596-473A-B18B-B6B99A7CFAA5}" dt="2018-04-19T01:39:54.069" v="3839" actId="478"/>
+          <ac:spMkLst>
+            <pc:docMk/>
+            <pc:sldMk cId="3589529364" sldId="257"/>
+            <ac:spMk id="41" creationId="{72CEE249-DCA1-4890-9967-8C1D53CE6AA3}"/>
+          </ac:spMkLst>
+        </pc:spChg>
+        <pc:spChg chg="del">
+          <ac:chgData name="Sichao Zhang" userId="baca463c2301c347" providerId="LiveId" clId="{622E9CC1-E596-473A-B18B-B6B99A7CFAA5}" dt="2018-04-19T01:39:54.069" v="3839" actId="478"/>
+          <ac:spMkLst>
+            <pc:docMk/>
+            <pc:sldMk cId="3589529364" sldId="257"/>
+            <ac:spMk id="42" creationId="{04136672-059A-40B0-B369-DC009DDA5919}"/>
+          </ac:spMkLst>
+        </pc:spChg>
+        <pc:spChg chg="del">
+          <ac:chgData name="Sichao Zhang" userId="baca463c2301c347" providerId="LiveId" clId="{622E9CC1-E596-473A-B18B-B6B99A7CFAA5}" dt="2018-04-19T01:39:54.069" v="3839" actId="478"/>
+          <ac:spMkLst>
+            <pc:docMk/>
+            <pc:sldMk cId="3589529364" sldId="257"/>
+            <ac:spMk id="43" creationId="{A3B398EA-2FCF-439D-B5BD-57B40353DFB3}"/>
+          </ac:spMkLst>
+        </pc:spChg>
+        <pc:spChg chg="del">
+          <ac:chgData name="Sichao Zhang" userId="baca463c2301c347" providerId="LiveId" clId="{622E9CC1-E596-473A-B18B-B6B99A7CFAA5}" dt="2018-04-19T01:39:54.069" v="3839" actId="478"/>
+          <ac:spMkLst>
+            <pc:docMk/>
+            <pc:sldMk cId="3589529364" sldId="257"/>
+            <ac:spMk id="44" creationId="{2BC23074-CE0F-4CAE-8775-A338D4515D04}"/>
+          </ac:spMkLst>
+        </pc:spChg>
+        <pc:spChg chg="del">
+          <ac:chgData name="Sichao Zhang" userId="baca463c2301c347" providerId="LiveId" clId="{622E9CC1-E596-473A-B18B-B6B99A7CFAA5}" dt="2018-04-19T01:39:54.069" v="3839" actId="478"/>
+          <ac:spMkLst>
+            <pc:docMk/>
+            <pc:sldMk cId="3589529364" sldId="257"/>
+            <ac:spMk id="45" creationId="{E9BF2389-8C6A-4BEF-942D-93F23C884F87}"/>
+          </ac:spMkLst>
+        </pc:spChg>
+        <pc:spChg chg="del">
+          <ac:chgData name="Sichao Zhang" userId="baca463c2301c347" providerId="LiveId" clId="{622E9CC1-E596-473A-B18B-B6B99A7CFAA5}" dt="2018-04-19T01:39:54.069" v="3839" actId="478"/>
+          <ac:spMkLst>
+            <pc:docMk/>
+            <pc:sldMk cId="3589529364" sldId="257"/>
+            <ac:spMk id="46" creationId="{4270F1B2-9214-4DAE-A8D5-11AC832427FC}"/>
+          </ac:spMkLst>
+        </pc:spChg>
+        <pc:spChg chg="del">
+          <ac:chgData name="Sichao Zhang" userId="baca463c2301c347" providerId="LiveId" clId="{622E9CC1-E596-473A-B18B-B6B99A7CFAA5}" dt="2018-04-19T01:39:54.069" v="3839" actId="478"/>
+          <ac:spMkLst>
+            <pc:docMk/>
+            <pc:sldMk cId="3589529364" sldId="257"/>
+            <ac:spMk id="47" creationId="{0AEDF62F-2221-4758-B2AA-2E53E46C60D2}"/>
+          </ac:spMkLst>
+        </pc:spChg>
+        <pc:spChg chg="del">
+          <ac:chgData name="Sichao Zhang" userId="baca463c2301c347" providerId="LiveId" clId="{622E9CC1-E596-473A-B18B-B6B99A7CFAA5}" dt="2018-04-19T01:39:54.069" v="3839" actId="478"/>
+          <ac:spMkLst>
+            <pc:docMk/>
+            <pc:sldMk cId="3589529364" sldId="257"/>
+            <ac:spMk id="48" creationId="{5AB1ABAD-99A8-4A36-8BC6-1656089AE6A9}"/>
+          </ac:spMkLst>
+        </pc:spChg>
+        <pc:spChg chg="del">
+          <ac:chgData name="Sichao Zhang" userId="baca463c2301c347" providerId="LiveId" clId="{622E9CC1-E596-473A-B18B-B6B99A7CFAA5}" dt="2018-04-19T01:39:54.069" v="3839" actId="478"/>
+          <ac:spMkLst>
+            <pc:docMk/>
+            <pc:sldMk cId="3589529364" sldId="257"/>
+            <ac:spMk id="49" creationId="{C1341959-EAB8-4B0B-8559-D496845179BD}"/>
+          </ac:spMkLst>
+        </pc:spChg>
+        <pc:spChg chg="del">
+          <ac:chgData name="Sichao Zhang" userId="baca463c2301c347" providerId="LiveId" clId="{622E9CC1-E596-473A-B18B-B6B99A7CFAA5}" dt="2018-04-19T01:39:54.069" v="3839" actId="478"/>
+          <ac:spMkLst>
+            <pc:docMk/>
+            <pc:sldMk cId="3589529364" sldId="257"/>
+            <ac:spMk id="53" creationId="{9EC5EA9F-39D3-4A3F-9C55-0A778B1DB0E2}"/>
+          </ac:spMkLst>
+        </pc:spChg>
+        <pc:spChg chg="del">
+          <ac:chgData name="Sichao Zhang" userId="baca463c2301c347" providerId="LiveId" clId="{622E9CC1-E596-473A-B18B-B6B99A7CFAA5}" dt="2018-04-19T01:39:54.069" v="3839" actId="478"/>
+          <ac:spMkLst>
+            <pc:docMk/>
+            <pc:sldMk cId="3589529364" sldId="257"/>
+            <ac:spMk id="54" creationId="{C0BECD87-59A5-460C-879B-ACB5CB134595}"/>
+          </ac:spMkLst>
+        </pc:spChg>
+        <pc:spChg chg="del">
+          <ac:chgData name="Sichao Zhang" userId="baca463c2301c347" providerId="LiveId" clId="{622E9CC1-E596-473A-B18B-B6B99A7CFAA5}" dt="2018-04-19T01:39:54.069" v="3839" actId="478"/>
+          <ac:spMkLst>
+            <pc:docMk/>
+            <pc:sldMk cId="3589529364" sldId="257"/>
+            <ac:spMk id="55" creationId="{13F42DD6-BA8F-4031-9263-9D0A01A515D8}"/>
+          </ac:spMkLst>
+        </pc:spChg>
+        <pc:spChg chg="del">
+          <ac:chgData name="Sichao Zhang" userId="baca463c2301c347" providerId="LiveId" clId="{622E9CC1-E596-473A-B18B-B6B99A7CFAA5}" dt="2018-04-19T01:39:54.069" v="3839" actId="478"/>
+          <ac:spMkLst>
+            <pc:docMk/>
+            <pc:sldMk cId="3589529364" sldId="257"/>
+            <ac:spMk id="56" creationId="{E34BA8E9-F094-4EC8-A9FB-7D2915471E00}"/>
+          </ac:spMkLst>
+        </pc:spChg>
+        <pc:graphicFrameChg chg="del">
+          <ac:chgData name="Sichao Zhang" userId="baca463c2301c347" providerId="LiveId" clId="{622E9CC1-E596-473A-B18B-B6B99A7CFAA5}" dt="2018-04-19T01:39:54.069" v="3839" actId="478"/>
+          <ac:graphicFrameMkLst>
+            <pc:docMk/>
+            <pc:sldMk cId="3589529364" sldId="257"/>
+            <ac:graphicFrameMk id="4" creationId="{48138163-CC8B-4A82-847C-6C104B8C4C3A}"/>
+          </ac:graphicFrameMkLst>
+        </pc:graphicFrameChg>
+        <pc:picChg chg="del">
+          <ac:chgData name="Sichao Zhang" userId="baca463c2301c347" providerId="LiveId" clId="{622E9CC1-E596-473A-B18B-B6B99A7CFAA5}" dt="2018-04-19T01:39:54.069" v="3839" actId="478"/>
+          <ac:picMkLst>
+            <pc:docMk/>
+            <pc:sldMk cId="3589529364" sldId="257"/>
+            <ac:picMk id="2" creationId="{47F2A2A0-5375-4B65-A658-8455DFE27023}"/>
+          </ac:picMkLst>
+        </pc:picChg>
+        <pc:picChg chg="add del mod">
+          <ac:chgData name="Sichao Zhang" userId="baca463c2301c347" providerId="LiveId" clId="{622E9CC1-E596-473A-B18B-B6B99A7CFAA5}" dt="2018-04-19T01:42:43.057" v="3843" actId="478"/>
+          <ac:picMkLst>
+            <pc:docMk/>
+            <pc:sldMk cId="3589529364" sldId="257"/>
+            <ac:picMk id="3" creationId="{C570B057-3599-4C14-9B94-D2A3268AA488}"/>
+          </ac:picMkLst>
+        </pc:picChg>
+        <pc:picChg chg="del">
+          <ac:chgData name="Sichao Zhang" userId="baca463c2301c347" providerId="LiveId" clId="{622E9CC1-E596-473A-B18B-B6B99A7CFAA5}" dt="2018-04-19T01:39:54.069" v="3839" actId="478"/>
+          <ac:picMkLst>
+            <pc:docMk/>
+            <pc:sldMk cId="3589529364" sldId="257"/>
+            <ac:picMk id="5" creationId="{A92A00A0-67A7-4447-B514-D11B75A7173E}"/>
+          </ac:picMkLst>
+        </pc:picChg>
+        <pc:picChg chg="del">
+          <ac:chgData name="Sichao Zhang" userId="baca463c2301c347" providerId="LiveId" clId="{622E9CC1-E596-473A-B18B-B6B99A7CFAA5}" dt="2018-04-19T01:39:54.069" v="3839" actId="478"/>
+          <ac:picMkLst>
+            <pc:docMk/>
+            <pc:sldMk cId="3589529364" sldId="257"/>
+            <ac:picMk id="6" creationId="{B7BF1F3D-0FC2-4707-9E7E-E9674202BD55}"/>
+          </ac:picMkLst>
+        </pc:picChg>
+        <pc:picChg chg="del">
+          <ac:chgData name="Sichao Zhang" userId="baca463c2301c347" providerId="LiveId" clId="{622E9CC1-E596-473A-B18B-B6B99A7CFAA5}" dt="2018-04-19T01:39:54.069" v="3839" actId="478"/>
+          <ac:picMkLst>
+            <pc:docMk/>
+            <pc:sldMk cId="3589529364" sldId="257"/>
+            <ac:picMk id="16" creationId="{363F15E8-9499-4B2C-AE6A-9D133D10C43C}"/>
+          </ac:picMkLst>
+        </pc:picChg>
+        <pc:picChg chg="add mod">
+          <ac:chgData name="Sichao Zhang" userId="baca463c2301c347" providerId="LiveId" clId="{622E9CC1-E596-473A-B18B-B6B99A7CFAA5}" dt="2018-04-19T01:51:44.589" v="3910" actId="1035"/>
+          <ac:picMkLst>
+            <pc:docMk/>
+            <pc:sldMk cId="3589529364" sldId="257"/>
+            <ac:picMk id="50" creationId="{3EF5CCDC-0815-4EAC-A55D-D8ADD260DB0D}"/>
+          </ac:picMkLst>
+        </pc:picChg>
+        <pc:picChg chg="add mod">
+          <ac:chgData name="Sichao Zhang" userId="baca463c2301c347" providerId="LiveId" clId="{622E9CC1-E596-473A-B18B-B6B99A7CFAA5}" dt="2018-04-19T01:51:44.589" v="3910" actId="1035"/>
+          <ac:picMkLst>
+            <pc:docMk/>
+            <pc:sldMk cId="3589529364" sldId="257"/>
+            <ac:picMk id="51" creationId="{2FB8B3F0-353B-4F27-B424-7C91C3CE08D8}"/>
+          </ac:picMkLst>
+        </pc:picChg>
+      </pc:sldChg>
+      <pc:sldChg chg="add del">
+        <pc:chgData name="Sichao Zhang" userId="baca463c2301c347" providerId="LiveId" clId="{622E9CC1-E596-473A-B18B-B6B99A7CFAA5}" dt="2018-04-19T01:47:10.985" v="3850" actId="2696"/>
+        <pc:sldMkLst>
+          <pc:docMk/>
+          <pc:sldMk cId="1215674060" sldId="258"/>
+        </pc:sldMkLst>
       </pc:sldChg>
     </pc:docChg>
   </pc:docChgLst>
 </pc:chgInfo>
+</file>
+
+<file path=ppt/notesMasters/notesMaster1.xml><?xml version="1.0" encoding="utf-8"?>
+<p:notesMaster xmlns:a="http://schemas.openxmlformats.org/drawingml/2006/main" xmlns:r="http://schemas.openxmlformats.org/officeDocument/2006/relationships" xmlns:p="http://schemas.openxmlformats.org/presentationml/2006/main">
+  <p:cSld>
+    <p:bg>
+      <p:bgRef idx="1001">
+        <a:schemeClr val="bg1"/>
+      </p:bgRef>
+    </p:bg>
+    <p:spTree>
+      <p:nvGrpSpPr>
+        <p:cNvPr id="1" name=""/>
+        <p:cNvGrpSpPr/>
+        <p:nvPr/>
+      </p:nvGrpSpPr>
+      <p:grpSpPr>
+        <a:xfrm>
+          <a:off x="0" y="0"/>
+          <a:ext cx="0" cy="0"/>
+          <a:chOff x="0" y="0"/>
+          <a:chExt cx="0" cy="0"/>
+        </a:xfrm>
+      </p:grpSpPr>
+      <p:sp>
+        <p:nvSpPr>
+          <p:cNvPr id="2" name="Header Placeholder 1"/>
+          <p:cNvSpPr>
+            <a:spLocks noGrp="1"/>
+          </p:cNvSpPr>
+          <p:nvPr>
+            <p:ph type="hdr" sz="quarter"/>
+          </p:nvPr>
+        </p:nvSpPr>
+        <p:spPr>
+          <a:xfrm>
+            <a:off x="0" y="0"/>
+            <a:ext cx="2971800" cy="458788"/>
+          </a:xfrm>
+          <a:prstGeom prst="rect">
+            <a:avLst/>
+          </a:prstGeom>
+        </p:spPr>
+        <p:txBody>
+          <a:bodyPr vert="horz" lIns="91440" tIns="45720" rIns="91440" bIns="45720" rtlCol="0"/>
+          <a:lstStyle>
+            <a:lvl1pPr algn="l">
+              <a:defRPr sz="1200"/>
+            </a:lvl1pPr>
+          </a:lstStyle>
+          <a:p>
+            <a:endParaRPr lang="en-US"/>
+          </a:p>
+        </p:txBody>
+      </p:sp>
+      <p:sp>
+        <p:nvSpPr>
+          <p:cNvPr id="3" name="Date Placeholder 2"/>
+          <p:cNvSpPr>
+            <a:spLocks noGrp="1"/>
+          </p:cNvSpPr>
+          <p:nvPr>
+            <p:ph type="dt" idx="1"/>
+          </p:nvPr>
+        </p:nvSpPr>
+        <p:spPr>
+          <a:xfrm>
+            <a:off x="3884613" y="0"/>
+            <a:ext cx="2971800" cy="458788"/>
+          </a:xfrm>
+          <a:prstGeom prst="rect">
+            <a:avLst/>
+          </a:prstGeom>
+        </p:spPr>
+        <p:txBody>
+          <a:bodyPr vert="horz" lIns="91440" tIns="45720" rIns="91440" bIns="45720" rtlCol="0"/>
+          <a:lstStyle>
+            <a:lvl1pPr algn="r">
+              <a:defRPr sz="1200"/>
+            </a:lvl1pPr>
+          </a:lstStyle>
+          <a:p>
+            <a:fld id="{4E98DEB1-FA8B-4BC6-A068-38EB55860351}" type="datetimeFigureOut">
+              <a:rPr lang="en-US" smtClean="0"/>
+              <a:t>4/18/2018</a:t>
+            </a:fld>
+            <a:endParaRPr lang="en-US"/>
+          </a:p>
+        </p:txBody>
+      </p:sp>
+      <p:sp>
+        <p:nvSpPr>
+          <p:cNvPr id="4" name="Slide Image Placeholder 3"/>
+          <p:cNvSpPr>
+            <a:spLocks noGrp="1" noRot="1" noChangeAspect="1"/>
+          </p:cNvSpPr>
+          <p:nvPr>
+            <p:ph type="sldImg" idx="2"/>
+          </p:nvPr>
+        </p:nvSpPr>
+        <p:spPr>
+          <a:xfrm>
+            <a:off x="2236788" y="1143000"/>
+            <a:ext cx="2384425" cy="3086100"/>
+          </a:xfrm>
+          <a:prstGeom prst="rect">
+            <a:avLst/>
+          </a:prstGeom>
+          <a:noFill/>
+          <a:ln w="12700">
+            <a:solidFill>
+              <a:prstClr val="black"/>
+            </a:solidFill>
+          </a:ln>
+        </p:spPr>
+        <p:txBody>
+          <a:bodyPr vert="horz" lIns="91440" tIns="45720" rIns="91440" bIns="45720" rtlCol="0" anchor="ctr"/>
+          <a:lstStyle/>
+          <a:p>
+            <a:endParaRPr lang="en-US"/>
+          </a:p>
+        </p:txBody>
+      </p:sp>
+      <p:sp>
+        <p:nvSpPr>
+          <p:cNvPr id="5" name="Notes Placeholder 4"/>
+          <p:cNvSpPr>
+            <a:spLocks noGrp="1"/>
+          </p:cNvSpPr>
+          <p:nvPr>
+            <p:ph type="body" sz="quarter" idx="3"/>
+          </p:nvPr>
+        </p:nvSpPr>
+        <p:spPr>
+          <a:xfrm>
+            <a:off x="685800" y="4400550"/>
+            <a:ext cx="5486400" cy="3600450"/>
+          </a:xfrm>
+          <a:prstGeom prst="rect">
+            <a:avLst/>
+          </a:prstGeom>
+        </p:spPr>
+        <p:txBody>
+          <a:bodyPr vert="horz" lIns="91440" tIns="45720" rIns="91440" bIns="45720" rtlCol="0"/>
+          <a:lstStyle/>
+          <a:p>
+            <a:pPr lvl="0"/>
+            <a:r>
+              <a:rPr lang="en-US"/>
+              <a:t>Edit Master text styles</a:t>
+            </a:r>
+          </a:p>
+          <a:p>
+            <a:pPr lvl="1"/>
+            <a:r>
+              <a:rPr lang="en-US"/>
+              <a:t>Second level</a:t>
+            </a:r>
+          </a:p>
+          <a:p>
+            <a:pPr lvl="2"/>
+            <a:r>
+              <a:rPr lang="en-US"/>
+              <a:t>Third level</a:t>
+            </a:r>
+          </a:p>
+          <a:p>
+            <a:pPr lvl="3"/>
+            <a:r>
+              <a:rPr lang="en-US"/>
+              <a:t>Fourth level</a:t>
+            </a:r>
+          </a:p>
+          <a:p>
+            <a:pPr lvl="4"/>
+            <a:r>
+              <a:rPr lang="en-US"/>
+              <a:t>Fifth level</a:t>
+            </a:r>
+          </a:p>
+        </p:txBody>
+      </p:sp>
+      <p:sp>
+        <p:nvSpPr>
+          <p:cNvPr id="6" name="Footer Placeholder 5"/>
+          <p:cNvSpPr>
+            <a:spLocks noGrp="1"/>
+          </p:cNvSpPr>
+          <p:nvPr>
+            <p:ph type="ftr" sz="quarter" idx="4"/>
+          </p:nvPr>
+        </p:nvSpPr>
+        <p:spPr>
+          <a:xfrm>
+            <a:off x="0" y="8685213"/>
+            <a:ext cx="2971800" cy="458787"/>
+          </a:xfrm>
+          <a:prstGeom prst="rect">
+            <a:avLst/>
+          </a:prstGeom>
+        </p:spPr>
+        <p:txBody>
+          <a:bodyPr vert="horz" lIns="91440" tIns="45720" rIns="91440" bIns="45720" rtlCol="0" anchor="b"/>
+          <a:lstStyle>
+            <a:lvl1pPr algn="l">
+              <a:defRPr sz="1200"/>
+            </a:lvl1pPr>
+          </a:lstStyle>
+          <a:p>
+            <a:endParaRPr lang="en-US"/>
+          </a:p>
+        </p:txBody>
+      </p:sp>
+      <p:sp>
+        <p:nvSpPr>
+          <p:cNvPr id="7" name="Slide Number Placeholder 6"/>
+          <p:cNvSpPr>
+            <a:spLocks noGrp="1"/>
+          </p:cNvSpPr>
+          <p:nvPr>
+            <p:ph type="sldNum" sz="quarter" idx="5"/>
+          </p:nvPr>
+        </p:nvSpPr>
+        <p:spPr>
+          <a:xfrm>
+            <a:off x="3884613" y="8685213"/>
+            <a:ext cx="2971800" cy="458787"/>
+          </a:xfrm>
+          <a:prstGeom prst="rect">
+            <a:avLst/>
+          </a:prstGeom>
+        </p:spPr>
+        <p:txBody>
+          <a:bodyPr vert="horz" lIns="91440" tIns="45720" rIns="91440" bIns="45720" rtlCol="0" anchor="b"/>
+          <a:lstStyle>
+            <a:lvl1pPr algn="r">
+              <a:defRPr sz="1200"/>
+            </a:lvl1pPr>
+          </a:lstStyle>
+          <a:p>
+            <a:fld id="{F045A015-E38A-4F31-A023-FA5E4D4F1A2D}" type="slidenum">
+              <a:rPr lang="en-US" smtClean="0"/>
+              <a:t>‹#›</a:t>
+            </a:fld>
+            <a:endParaRPr lang="en-US"/>
+          </a:p>
+        </p:txBody>
+      </p:sp>
+    </p:spTree>
+    <p:extLst>
+      <p:ext uri="{BB962C8B-B14F-4D97-AF65-F5344CB8AC3E}">
+        <p14:creationId xmlns:p14="http://schemas.microsoft.com/office/powerpoint/2010/main" val="3658163210"/>
+      </p:ext>
+    </p:extLst>
+  </p:cSld>
+  <p:clrMap bg1="lt1" tx1="dk1" bg2="lt2" tx2="dk2" accent1="accent1" accent2="accent2" accent3="accent3" accent4="accent4" accent5="accent5" accent6="accent6" hlink="hlink" folHlink="folHlink"/>
+  <p:notesStyle>
+    <a:lvl1pPr marL="0" algn="l" defTabSz="914400" rtl="0" eaLnBrk="1" latinLnBrk="0" hangingPunct="1">
+      <a:defRPr sz="1200" kern="1200">
+        <a:solidFill>
+          <a:schemeClr val="tx1"/>
+        </a:solidFill>
+        <a:latin typeface="+mn-lt"/>
+        <a:ea typeface="+mn-ea"/>
+        <a:cs typeface="+mn-cs"/>
+      </a:defRPr>
+    </a:lvl1pPr>
+    <a:lvl2pPr marL="457200" algn="l" defTabSz="914400" rtl="0" eaLnBrk="1" latinLnBrk="0" hangingPunct="1">
+      <a:defRPr sz="1200" kern="1200">
+        <a:solidFill>
+          <a:schemeClr val="tx1"/>
+        </a:solidFill>
+        <a:latin typeface="+mn-lt"/>
+        <a:ea typeface="+mn-ea"/>
+        <a:cs typeface="+mn-cs"/>
+      </a:defRPr>
+    </a:lvl2pPr>
+    <a:lvl3pPr marL="914400" algn="l" defTabSz="914400" rtl="0" eaLnBrk="1" latinLnBrk="0" hangingPunct="1">
+      <a:defRPr sz="1200" kern="1200">
+        <a:solidFill>
+          <a:schemeClr val="tx1"/>
+        </a:solidFill>
+        <a:latin typeface="+mn-lt"/>
+        <a:ea typeface="+mn-ea"/>
+        <a:cs typeface="+mn-cs"/>
+      </a:defRPr>
+    </a:lvl3pPr>
+    <a:lvl4pPr marL="1371600" algn="l" defTabSz="914400" rtl="0" eaLnBrk="1" latinLnBrk="0" hangingPunct="1">
+      <a:defRPr sz="1200" kern="1200">
+        <a:solidFill>
+          <a:schemeClr val="tx1"/>
+        </a:solidFill>
+        <a:latin typeface="+mn-lt"/>
+        <a:ea typeface="+mn-ea"/>
+        <a:cs typeface="+mn-cs"/>
+      </a:defRPr>
+    </a:lvl4pPr>
+    <a:lvl5pPr marL="1828800" algn="l" defTabSz="914400" rtl="0" eaLnBrk="1" latinLnBrk="0" hangingPunct="1">
+      <a:defRPr sz="1200" kern="1200">
+        <a:solidFill>
+          <a:schemeClr val="tx1"/>
+        </a:solidFill>
+        <a:latin typeface="+mn-lt"/>
+        <a:ea typeface="+mn-ea"/>
+        <a:cs typeface="+mn-cs"/>
+      </a:defRPr>
+    </a:lvl5pPr>
+    <a:lvl6pPr marL="2286000" algn="l" defTabSz="914400" rtl="0" eaLnBrk="1" latinLnBrk="0" hangingPunct="1">
+      <a:defRPr sz="1200" kern="1200">
+        <a:solidFill>
+          <a:schemeClr val="tx1"/>
+        </a:solidFill>
+        <a:latin typeface="+mn-lt"/>
+        <a:ea typeface="+mn-ea"/>
+        <a:cs typeface="+mn-cs"/>
+      </a:defRPr>
+    </a:lvl6pPr>
+    <a:lvl7pPr marL="2743200" algn="l" defTabSz="914400" rtl="0" eaLnBrk="1" latinLnBrk="0" hangingPunct="1">
+      <a:defRPr sz="1200" kern="1200">
+        <a:solidFill>
+          <a:schemeClr val="tx1"/>
+        </a:solidFill>
+        <a:latin typeface="+mn-lt"/>
+        <a:ea typeface="+mn-ea"/>
+        <a:cs typeface="+mn-cs"/>
+      </a:defRPr>
+    </a:lvl7pPr>
+    <a:lvl8pPr marL="3200400" algn="l" defTabSz="914400" rtl="0" eaLnBrk="1" latinLnBrk="0" hangingPunct="1">
+      <a:defRPr sz="1200" kern="1200">
+        <a:solidFill>
+          <a:schemeClr val="tx1"/>
+        </a:solidFill>
+        <a:latin typeface="+mn-lt"/>
+        <a:ea typeface="+mn-ea"/>
+        <a:cs typeface="+mn-cs"/>
+      </a:defRPr>
+    </a:lvl8pPr>
+    <a:lvl9pPr marL="3657600" algn="l" defTabSz="914400" rtl="0" eaLnBrk="1" latinLnBrk="0" hangingPunct="1">
+      <a:defRPr sz="1200" kern="1200">
+        <a:solidFill>
+          <a:schemeClr val="tx1"/>
+        </a:solidFill>
+        <a:latin typeface="+mn-lt"/>
+        <a:ea typeface="+mn-ea"/>
+        <a:cs typeface="+mn-cs"/>
+      </a:defRPr>
+    </a:lvl9pPr>
+  </p:notesStyle>
+</p:notesMaster>
+</file>
+
+<file path=ppt/notesSlides/notesSlide1.xml><?xml version="1.0" encoding="utf-8"?>
+<p:notes xmlns:a="http://schemas.openxmlformats.org/drawingml/2006/main" xmlns:r="http://schemas.openxmlformats.org/officeDocument/2006/relationships" xmlns:p="http://schemas.openxmlformats.org/presentationml/2006/main">
+  <p:cSld>
+    <p:spTree>
+      <p:nvGrpSpPr>
+        <p:cNvPr id="1" name=""/>
+        <p:cNvGrpSpPr/>
+        <p:nvPr/>
+      </p:nvGrpSpPr>
+      <p:grpSpPr>
+        <a:xfrm>
+          <a:off x="0" y="0"/>
+          <a:ext cx="0" cy="0"/>
+          <a:chOff x="0" y="0"/>
+          <a:chExt cx="0" cy="0"/>
+        </a:xfrm>
+      </p:grpSpPr>
+      <p:sp>
+        <p:nvSpPr>
+          <p:cNvPr id="2" name="Slide Image Placeholder 1"/>
+          <p:cNvSpPr>
+            <a:spLocks noGrp="1" noRot="1" noChangeAspect="1"/>
+          </p:cNvSpPr>
+          <p:nvPr>
+            <p:ph type="sldImg"/>
+          </p:nvPr>
+        </p:nvSpPr>
+        <p:spPr/>
+      </p:sp>
+      <p:sp>
+        <p:nvSpPr>
+          <p:cNvPr id="3" name="Notes Placeholder 2"/>
+          <p:cNvSpPr>
+            <a:spLocks noGrp="1"/>
+          </p:cNvSpPr>
+          <p:nvPr>
+            <p:ph type="body" idx="1"/>
+          </p:nvPr>
+        </p:nvSpPr>
+        <p:spPr/>
+        <p:txBody>
+          <a:bodyPr/>
+          <a:lstStyle/>
+          <a:p>
+            <a:endParaRPr lang="en-US" dirty="0"/>
+          </a:p>
+        </p:txBody>
+      </p:sp>
+      <p:sp>
+        <p:nvSpPr>
+          <p:cNvPr id="4" name="Slide Number Placeholder 3"/>
+          <p:cNvSpPr>
+            <a:spLocks noGrp="1"/>
+          </p:cNvSpPr>
+          <p:nvPr>
+            <p:ph type="sldNum" sz="quarter" idx="10"/>
+          </p:nvPr>
+        </p:nvSpPr>
+        <p:spPr/>
+        <p:txBody>
+          <a:bodyPr/>
+          <a:lstStyle/>
+          <a:p>
+            <a:fld id="{F045A015-E38A-4F31-A023-FA5E4D4F1A2D}" type="slidenum">
+              <a:rPr lang="en-US" smtClean="0"/>
+              <a:t>1</a:t>
+            </a:fld>
+            <a:endParaRPr lang="en-US"/>
+          </a:p>
+        </p:txBody>
+      </p:sp>
+    </p:spTree>
+    <p:extLst>
+      <p:ext uri="{BB962C8B-B14F-4D97-AF65-F5344CB8AC3E}">
+        <p14:creationId xmlns:p14="http://schemas.microsoft.com/office/powerpoint/2010/main" val="1392338558"/>
+      </p:ext>
+    </p:extLst>
+  </p:cSld>
+  <p:clrMapOvr>
+    <a:masterClrMapping/>
+  </p:clrMapOvr>
+</p:notes>
 </file>
 
 <file path=ppt/slideLayouts/slideLayout1.xml><?xml version="1.0" encoding="utf-8"?>
@@ -864,7 +1722,7 @@
           <a:p>
             <a:fld id="{6B3E8177-549A-4554-9693-B9FFEC10F922}" type="datetimeFigureOut">
               <a:rPr lang="en-US" smtClean="0"/>
-              <a:t>4/16/2018</a:t>
+              <a:t>4/18/2018</a:t>
             </a:fld>
             <a:endParaRPr lang="en-US"/>
           </a:p>
@@ -1034,7 +1892,7 @@
           <a:p>
             <a:fld id="{6B3E8177-549A-4554-9693-B9FFEC10F922}" type="datetimeFigureOut">
               <a:rPr lang="en-US" smtClean="0"/>
-              <a:t>4/16/2018</a:t>
+              <a:t>4/18/2018</a:t>
             </a:fld>
             <a:endParaRPr lang="en-US"/>
           </a:p>
@@ -1214,7 +2072,7 @@
           <a:p>
             <a:fld id="{6B3E8177-549A-4554-9693-B9FFEC10F922}" type="datetimeFigureOut">
               <a:rPr lang="en-US" smtClean="0"/>
-              <a:t>4/16/2018</a:t>
+              <a:t>4/18/2018</a:t>
             </a:fld>
             <a:endParaRPr lang="en-US"/>
           </a:p>
@@ -1384,7 +2242,7 @@
           <a:p>
             <a:fld id="{6B3E8177-549A-4554-9693-B9FFEC10F922}" type="datetimeFigureOut">
               <a:rPr lang="en-US" smtClean="0"/>
-              <a:t>4/16/2018</a:t>
+              <a:t>4/18/2018</a:t>
             </a:fld>
             <a:endParaRPr lang="en-US"/>
           </a:p>
@@ -1628,7 +2486,7 @@
           <a:p>
             <a:fld id="{6B3E8177-549A-4554-9693-B9FFEC10F922}" type="datetimeFigureOut">
               <a:rPr lang="en-US" smtClean="0"/>
-              <a:t>4/16/2018</a:t>
+              <a:t>4/18/2018</a:t>
             </a:fld>
             <a:endParaRPr lang="en-US"/>
           </a:p>
@@ -1860,7 +2718,7 @@
           <a:p>
             <a:fld id="{6B3E8177-549A-4554-9693-B9FFEC10F922}" type="datetimeFigureOut">
               <a:rPr lang="en-US" smtClean="0"/>
-              <a:t>4/16/2018</a:t>
+              <a:t>4/18/2018</a:t>
             </a:fld>
             <a:endParaRPr lang="en-US"/>
           </a:p>
@@ -2227,7 +3085,7 @@
           <a:p>
             <a:fld id="{6B3E8177-549A-4554-9693-B9FFEC10F922}" type="datetimeFigureOut">
               <a:rPr lang="en-US" smtClean="0"/>
-              <a:t>4/16/2018</a:t>
+              <a:t>4/18/2018</a:t>
             </a:fld>
             <a:endParaRPr lang="en-US"/>
           </a:p>
@@ -2345,7 +3203,7 @@
           <a:p>
             <a:fld id="{6B3E8177-549A-4554-9693-B9FFEC10F922}" type="datetimeFigureOut">
               <a:rPr lang="en-US" smtClean="0"/>
-              <a:t>4/16/2018</a:t>
+              <a:t>4/18/2018</a:t>
             </a:fld>
             <a:endParaRPr lang="en-US"/>
           </a:p>
@@ -2440,7 +3298,7 @@
           <a:p>
             <a:fld id="{6B3E8177-549A-4554-9693-B9FFEC10F922}" type="datetimeFigureOut">
               <a:rPr lang="en-US" smtClean="0"/>
-              <a:t>4/16/2018</a:t>
+              <a:t>4/18/2018</a:t>
             </a:fld>
             <a:endParaRPr lang="en-US"/>
           </a:p>
@@ -2717,7 +3575,7 @@
           <a:p>
             <a:fld id="{6B3E8177-549A-4554-9693-B9FFEC10F922}" type="datetimeFigureOut">
               <a:rPr lang="en-US" smtClean="0"/>
-              <a:t>4/16/2018</a:t>
+              <a:t>4/18/2018</a:t>
             </a:fld>
             <a:endParaRPr lang="en-US"/>
           </a:p>
@@ -2974,7 +3832,7 @@
           <a:p>
             <a:fld id="{6B3E8177-549A-4554-9693-B9FFEC10F922}" type="datetimeFigureOut">
               <a:rPr lang="en-US" smtClean="0"/>
-              <a:t>4/16/2018</a:t>
+              <a:t>4/18/2018</a:t>
             </a:fld>
             <a:endParaRPr lang="en-US"/>
           </a:p>
@@ -3187,7 +4045,7 @@
           <a:p>
             <a:fld id="{6B3E8177-549A-4554-9693-B9FFEC10F922}" type="datetimeFigureOut">
               <a:rPr lang="en-US" smtClean="0"/>
-              <a:t>4/16/2018</a:t>
+              <a:t>4/18/2018</a:t>
             </a:fld>
             <a:endParaRPr lang="en-US"/>
           </a:p>
@@ -3608,8 +4466,8 @@
         </p:nvSpPr>
         <p:spPr>
           <a:xfrm>
-            <a:off x="587181" y="3424627"/>
-            <a:ext cx="6534175" cy="710605"/>
+            <a:off x="224429" y="3198020"/>
+            <a:ext cx="7334611" cy="573940"/>
           </a:xfrm>
           <a:prstGeom prst="round1Rect">
             <a:avLst/>
@@ -3867,7 +4725,7 @@
         </p:nvSpPr>
         <p:spPr>
           <a:xfrm>
-            <a:off x="-1" y="2853648"/>
+            <a:off x="-1" y="2747323"/>
             <a:ext cx="15544800" cy="194946"/>
           </a:xfrm>
           <a:prstGeom prst="rect">
@@ -3921,8 +4779,8 @@
         </p:nvSpPr>
         <p:spPr>
           <a:xfrm>
-            <a:off x="587181" y="4196787"/>
-            <a:ext cx="6534175" cy="1569660"/>
+            <a:off x="224429" y="3831565"/>
+            <a:ext cx="7334611" cy="1569660"/>
           </a:xfrm>
           <a:prstGeom prst="rect">
             <a:avLst/>
@@ -4012,7 +4870,7 @@
                 <a:latin typeface="Times New Roman" panose="02020603050405020304" pitchFamily="18" charset="0"/>
                 <a:cs typeface="Times New Roman" panose="02020603050405020304" pitchFamily="18" charset="0"/>
               </a:rPr>
-              <a:t> Falcon as a 3-DOF manipulator to observe its kinematics and dynamics properties.</a:t>
+              <a:t> Falcon as a 3-DOF manipulator to solve the pinball maze problem.</a:t>
             </a:r>
           </a:p>
         </p:txBody>
@@ -4151,8 +5009,8 @@
         </p:nvSpPr>
         <p:spPr>
           <a:xfrm>
-            <a:off x="587181" y="3427346"/>
-            <a:ext cx="4532625" cy="646331"/>
+            <a:off x="224429" y="3200739"/>
+            <a:ext cx="4532625" cy="553998"/>
           </a:xfrm>
           <a:prstGeom prst="rect">
             <a:avLst/>
@@ -4166,7 +5024,7 @@
           <a:lstStyle/>
           <a:p>
             <a:r>
-              <a:rPr lang="en-US" altLang="zh-CN" sz="3600" dirty="0">
+              <a:rPr lang="en-US" altLang="zh-CN" sz="3000" dirty="0">
                 <a:solidFill>
                   <a:schemeClr val="bg1"/>
                 </a:solidFill>
@@ -4175,7 +5033,7 @@
               </a:rPr>
               <a:t>Motivation</a:t>
             </a:r>
-            <a:endParaRPr lang="en-US" sz="3600" dirty="0">
+            <a:endParaRPr lang="en-US" sz="3000" dirty="0">
               <a:solidFill>
                 <a:schemeClr val="bg1"/>
               </a:solidFill>
@@ -4199,8 +5057,8 @@
         </p:nvSpPr>
         <p:spPr>
           <a:xfrm>
-            <a:off x="587181" y="6922386"/>
-            <a:ext cx="4532625" cy="707886"/>
+            <a:off x="224429" y="6695779"/>
+            <a:ext cx="5133322" cy="707886"/>
           </a:xfrm>
           <a:prstGeom prst="rect">
             <a:avLst/>
@@ -4248,81 +5106,15 @@
           <p:nvPr/>
         </p:nvPicPr>
         <p:blipFill>
-          <a:blip r:embed="rId2"/>
+          <a:blip r:embed="rId5"/>
           <a:stretch>
             <a:fillRect/>
           </a:stretch>
         </p:blipFill>
         <p:spPr>
           <a:xfrm>
-            <a:off x="1286598" y="5802858"/>
-            <a:ext cx="5135339" cy="3251094"/>
-          </a:xfrm>
-          <a:prstGeom prst="rect">
-            <a:avLst/>
-          </a:prstGeom>
-        </p:spPr>
-      </p:pic>
-      <p:pic>
-        <p:nvPicPr>
-          <p:cNvPr id="6" name="Picture 5">
-            <a:extLst>
-              <a:ext uri="{FF2B5EF4-FFF2-40B4-BE49-F238E27FC236}">
-                <a16:creationId xmlns:a16="http://schemas.microsoft.com/office/drawing/2014/main" id="{B7BF1F3D-0FC2-4707-9E7E-E9674202BD55}"/>
-              </a:ext>
-            </a:extLst>
-          </p:cNvPr>
-          <p:cNvPicPr>
-            <a:picLocks noChangeAspect="1"/>
-          </p:cNvPicPr>
-          <p:nvPr/>
-        </p:nvPicPr>
-        <p:blipFill>
-          <a:blip r:embed="rId3">
-            <a:extLst>
-              <a:ext uri="{28A0092B-C50C-407E-A947-70E740481C1C}">
-                <a14:useLocalDpi xmlns:a14="http://schemas.microsoft.com/office/drawing/2010/main" val="0"/>
-              </a:ext>
-            </a:extLst>
-          </a:blip>
-          <a:stretch>
-            <a:fillRect/>
-          </a:stretch>
-        </p:blipFill>
-        <p:spPr>
-          <a:xfrm>
-            <a:off x="8976227" y="7912652"/>
-            <a:ext cx="5633366" cy="4225024"/>
-          </a:xfrm>
-          <a:prstGeom prst="rect">
-            <a:avLst/>
-          </a:prstGeom>
-        </p:spPr>
-      </p:pic>
-      <p:pic>
-        <p:nvPicPr>
-          <p:cNvPr id="7" name="Picture 6">
-            <a:extLst>
-              <a:ext uri="{FF2B5EF4-FFF2-40B4-BE49-F238E27FC236}">
-                <a16:creationId xmlns:a16="http://schemas.microsoft.com/office/drawing/2014/main" id="{2641B210-AA31-46F0-8933-6BDB118966D3}"/>
-              </a:ext>
-            </a:extLst>
-          </p:cNvPr>
-          <p:cNvPicPr>
-            <a:picLocks noChangeAspect="1"/>
-          </p:cNvPicPr>
-          <p:nvPr/>
-        </p:nvPicPr>
-        <p:blipFill>
-          <a:blip r:embed="rId4"/>
-          <a:stretch>
-            <a:fillRect/>
-          </a:stretch>
-        </p:blipFill>
-        <p:spPr>
-          <a:xfrm>
-            <a:off x="440877" y="13248115"/>
-            <a:ext cx="3714576" cy="2590034"/>
+            <a:off x="-1" y="265120"/>
+            <a:ext cx="3576577" cy="2264269"/>
           </a:xfrm>
           <a:prstGeom prst="rect">
             <a:avLst/>
@@ -4344,14 +5136,14 @@
           <p:nvPr/>
         </p:nvPicPr>
         <p:blipFill>
-          <a:blip r:embed="rId5"/>
+          <a:blip r:embed="rId6"/>
           <a:stretch>
             <a:fillRect/>
           </a:stretch>
         </p:blipFill>
         <p:spPr>
           <a:xfrm>
-            <a:off x="4155453" y="13251811"/>
+            <a:off x="519571" y="11961102"/>
             <a:ext cx="3134318" cy="2578939"/>
           </a:xfrm>
           <a:prstGeom prst="rect">
@@ -4374,7 +5166,7 @@
           <p:nvPr/>
         </p:nvPicPr>
         <p:blipFill rotWithShape="1">
-          <a:blip r:embed="rId6">
+          <a:blip r:embed="rId7">
             <a:extLst>
               <a:ext uri="{28A0092B-C50C-407E-A947-70E740481C1C}">
                 <a14:useLocalDpi xmlns:a14="http://schemas.microsoft.com/office/drawing/2010/main" val="0"/>
@@ -4388,42 +5180,6 @@
           <a:xfrm>
             <a:off x="12040086" y="388751"/>
             <a:ext cx="3200401" cy="2097157"/>
-          </a:xfrm>
-          <a:prstGeom prst="rect">
-            <a:avLst/>
-          </a:prstGeom>
-        </p:spPr>
-      </p:pic>
-      <p:pic>
-        <p:nvPicPr>
-          <p:cNvPr id="25" name="Picture 24">
-            <a:extLst>
-              <a:ext uri="{FF2B5EF4-FFF2-40B4-BE49-F238E27FC236}">
-                <a16:creationId xmlns:a16="http://schemas.microsoft.com/office/drawing/2014/main" id="{8108544D-8D46-4335-81E2-C5ED0B44ACA6}"/>
-              </a:ext>
-            </a:extLst>
-          </p:cNvPr>
-          <p:cNvPicPr>
-            <a:picLocks noChangeAspect="1"/>
-          </p:cNvPicPr>
-          <p:nvPr/>
-        </p:nvPicPr>
-        <p:blipFill>
-          <a:blip r:embed="rId7">
-            <a:extLst>
-              <a:ext uri="{28A0092B-C50C-407E-A947-70E740481C1C}">
-                <a14:useLocalDpi xmlns:a14="http://schemas.microsoft.com/office/drawing/2010/main" val="0"/>
-              </a:ext>
-            </a:extLst>
-          </a:blip>
-          <a:stretch>
-            <a:fillRect/>
-          </a:stretch>
-        </p:blipFill>
-        <p:spPr>
-          <a:xfrm>
-            <a:off x="181067" y="775956"/>
-            <a:ext cx="3435893" cy="1352506"/>
           </a:xfrm>
           <a:prstGeom prst="rect">
             <a:avLst/>
@@ -4444,7 +5200,7 @@
         </p:nvSpPr>
         <p:spPr>
           <a:xfrm>
-            <a:off x="587181" y="9160502"/>
+            <a:off x="224429" y="8073954"/>
             <a:ext cx="6534175" cy="461665"/>
           </a:xfrm>
           <a:prstGeom prst="rect">
@@ -4494,7 +5250,7 @@
                 <a:latin typeface="Times New Roman" panose="02020603050405020304" pitchFamily="18" charset="0"/>
                 <a:cs typeface="Times New Roman" panose="02020603050405020304" pitchFamily="18" charset="0"/>
               </a:rPr>
-              <a:t> Falcon Haptic Device [1]</a:t>
+              <a:t> Falcon [1] and Pinball Maze</a:t>
             </a:r>
             <a:endParaRPr lang="en-US" sz="2400" i="1" dirty="0">
               <a:latin typeface="Times New Roman" panose="02020603050405020304" pitchFamily="18" charset="0"/>
@@ -4517,7 +5273,7 @@
         </p:nvSpPr>
         <p:spPr>
           <a:xfrm>
-            <a:off x="587181" y="15836397"/>
+            <a:off x="745561" y="14545688"/>
             <a:ext cx="6415875" cy="461665"/>
           </a:xfrm>
           <a:prstGeom prst="rect">
@@ -4553,21 +5309,7 @@
                 <a:latin typeface="Times New Roman" panose="02020603050405020304" pitchFamily="18" charset="0"/>
                 <a:cs typeface="Times New Roman" panose="02020603050405020304" pitchFamily="18" charset="0"/>
               </a:rPr>
-              <a:t>Figure 2. Kinematics of </a:t>
-            </a:r>
-            <a:r>
-              <a:rPr lang="en-US" altLang="zh-CN" sz="2400" i="1" dirty="0" err="1">
-                <a:latin typeface="Times New Roman" panose="02020603050405020304" pitchFamily="18" charset="0"/>
-                <a:cs typeface="Times New Roman" panose="02020603050405020304" pitchFamily="18" charset="0"/>
-              </a:rPr>
-              <a:t>Novint</a:t>
-            </a:r>
-            <a:r>
-              <a:rPr lang="en-US" altLang="zh-CN" sz="2400" i="1" dirty="0">
-                <a:latin typeface="Times New Roman" panose="02020603050405020304" pitchFamily="18" charset="0"/>
-                <a:cs typeface="Times New Roman" panose="02020603050405020304" pitchFamily="18" charset="0"/>
-              </a:rPr>
-              <a:t> Falcon [2]</a:t>
+              <a:t>Figure 2. Kinematics [2] and DH Table</a:t>
             </a:r>
             <a:endParaRPr lang="en-US" sz="2400" i="1" dirty="0">
               <a:latin typeface="Times New Roman" panose="02020603050405020304" pitchFamily="18" charset="0"/>
@@ -4590,7 +5332,7 @@
         </p:nvSpPr>
         <p:spPr>
           <a:xfrm>
-            <a:off x="8390356" y="12137676"/>
+            <a:off x="8241501" y="8804568"/>
             <a:ext cx="6534175" cy="461665"/>
           </a:xfrm>
           <a:prstGeom prst="rect">
@@ -4626,269 +5368,25 @@
                 <a:latin typeface="Times New Roman" panose="02020603050405020304" pitchFamily="18" charset="0"/>
                 <a:cs typeface="Times New Roman" panose="02020603050405020304" pitchFamily="18" charset="0"/>
               </a:rPr>
-              <a:t>Figure 3. Normal Pose</a:t>
+              <a:t>Video 1. </a:t>
+            </a:r>
+            <a:r>
+              <a:rPr lang="en-US" altLang="zh-CN" sz="2400" i="1" dirty="0" err="1">
+                <a:latin typeface="Times New Roman" panose="02020603050405020304" pitchFamily="18" charset="0"/>
+                <a:cs typeface="Times New Roman" panose="02020603050405020304" pitchFamily="18" charset="0"/>
+              </a:rPr>
+              <a:t>Novint</a:t>
+            </a:r>
+            <a:r>
+              <a:rPr lang="en-US" altLang="zh-CN" sz="2400" i="1" dirty="0">
+                <a:latin typeface="Times New Roman" panose="02020603050405020304" pitchFamily="18" charset="0"/>
+                <a:cs typeface="Times New Roman" panose="02020603050405020304" pitchFamily="18" charset="0"/>
+              </a:rPr>
+              <a:t> Falcon Moves in Helix Line</a:t>
             </a:r>
             <a:endParaRPr lang="en-US" sz="2400" i="1" dirty="0">
               <a:latin typeface="Times New Roman" panose="02020603050405020304" pitchFamily="18" charset="0"/>
               <a:cs typeface="Times New Roman" panose="02020603050405020304" pitchFamily="18" charset="0"/>
-            </a:endParaRPr>
-          </a:p>
-        </p:txBody>
-      </p:sp>
-      <p:sp>
-        <p:nvSpPr>
-          <p:cNvPr id="38" name="Text Placeholder 4">
-            <a:extLst>
-              <a:ext uri="{FF2B5EF4-FFF2-40B4-BE49-F238E27FC236}">
-                <a16:creationId xmlns:a16="http://schemas.microsoft.com/office/drawing/2014/main" id="{33E76B78-6A40-400B-AACD-3CCFDADB1534}"/>
-              </a:ext>
-            </a:extLst>
-          </p:cNvPr>
-          <p:cNvSpPr txBox="1">
-            <a:spLocks/>
-          </p:cNvSpPr>
-          <p:nvPr/>
-        </p:nvSpPr>
-        <p:spPr>
-          <a:xfrm>
-            <a:off x="587181" y="9736744"/>
-            <a:ext cx="6534175" cy="710605"/>
-          </a:xfrm>
-          <a:prstGeom prst="round1Rect">
-            <a:avLst/>
-          </a:prstGeom>
-          <a:solidFill>
-            <a:srgbClr val="8CCBD4"/>
-          </a:solidFill>
-        </p:spPr>
-        <p:txBody>
-          <a:bodyPr vert="horz" lIns="365760" tIns="45720" rIns="91440" bIns="45720" rtlCol="0" anchor="ctr">
-            <a:noAutofit/>
-          </a:bodyPr>
-          <a:lstStyle>
-            <a:lvl1pPr marL="0" indent="0" algn="l" defTabSz="4389120" rtl="0" eaLnBrk="1" latinLnBrk="0" hangingPunct="1">
-              <a:lnSpc>
-                <a:spcPct val="100000"/>
-              </a:lnSpc>
-              <a:spcBef>
-                <a:spcPts val="0"/>
-              </a:spcBef>
-              <a:buClr>
-                <a:schemeClr val="accent2"/>
-              </a:buClr>
-              <a:buFont typeface="Arial" panose="020B0604020202020204" pitchFamily="34" charset="0"/>
-              <a:buNone/>
-              <a:defRPr sz="6000" kern="1200" cap="all" baseline="0">
-                <a:solidFill>
-                  <a:schemeClr val="bg1"/>
-                </a:solidFill>
-                <a:latin typeface="+mj-lt"/>
-                <a:ea typeface="+mn-ea"/>
-                <a:cs typeface="+mn-cs"/>
-              </a:defRPr>
-            </a:lvl1pPr>
-            <a:lvl2pPr marL="0" indent="0" algn="l" defTabSz="4389120" rtl="0" eaLnBrk="1" latinLnBrk="0" hangingPunct="1">
-              <a:lnSpc>
-                <a:spcPct val="100000"/>
-              </a:lnSpc>
-              <a:spcBef>
-                <a:spcPts val="0"/>
-              </a:spcBef>
-              <a:buClr>
-                <a:schemeClr val="accent2"/>
-              </a:buClr>
-              <a:buFont typeface="Arial" panose="020B0604020202020204" pitchFamily="34" charset="0"/>
-              <a:buNone/>
-              <a:defRPr sz="6000" kern="1200" cap="all" baseline="0">
-                <a:solidFill>
-                  <a:schemeClr val="bg1"/>
-                </a:solidFill>
-                <a:latin typeface="+mj-lt"/>
-                <a:ea typeface="+mn-ea"/>
-                <a:cs typeface="+mn-cs"/>
-              </a:defRPr>
-            </a:lvl2pPr>
-            <a:lvl3pPr marL="0" indent="0" algn="l" defTabSz="4389120" rtl="0" eaLnBrk="1" latinLnBrk="0" hangingPunct="1">
-              <a:lnSpc>
-                <a:spcPct val="100000"/>
-              </a:lnSpc>
-              <a:spcBef>
-                <a:spcPts val="0"/>
-              </a:spcBef>
-              <a:buClr>
-                <a:schemeClr val="accent2"/>
-              </a:buClr>
-              <a:buFont typeface="Arial" panose="020B0604020202020204" pitchFamily="34" charset="0"/>
-              <a:buNone/>
-              <a:defRPr sz="6000" kern="1200" cap="all" baseline="0">
-                <a:solidFill>
-                  <a:schemeClr val="bg1"/>
-                </a:solidFill>
-                <a:latin typeface="+mj-lt"/>
-                <a:ea typeface="+mn-ea"/>
-                <a:cs typeface="+mn-cs"/>
-              </a:defRPr>
-            </a:lvl3pPr>
-            <a:lvl4pPr marL="0" indent="0" algn="l" defTabSz="4389120" rtl="0" eaLnBrk="1" latinLnBrk="0" hangingPunct="1">
-              <a:lnSpc>
-                <a:spcPct val="100000"/>
-              </a:lnSpc>
-              <a:spcBef>
-                <a:spcPts val="0"/>
-              </a:spcBef>
-              <a:buClr>
-                <a:schemeClr val="accent2"/>
-              </a:buClr>
-              <a:buFont typeface="Arial" panose="020B0604020202020204" pitchFamily="34" charset="0"/>
-              <a:buNone/>
-              <a:defRPr sz="6000" kern="1200" cap="all" baseline="0">
-                <a:solidFill>
-                  <a:schemeClr val="bg1"/>
-                </a:solidFill>
-                <a:latin typeface="+mj-lt"/>
-                <a:ea typeface="+mn-ea"/>
-                <a:cs typeface="+mn-cs"/>
-              </a:defRPr>
-            </a:lvl4pPr>
-            <a:lvl5pPr marL="0" indent="0" algn="l" defTabSz="4389120" rtl="0" eaLnBrk="1" latinLnBrk="0" hangingPunct="1">
-              <a:lnSpc>
-                <a:spcPct val="100000"/>
-              </a:lnSpc>
-              <a:spcBef>
-                <a:spcPts val="0"/>
-              </a:spcBef>
-              <a:buClr>
-                <a:schemeClr val="accent2"/>
-              </a:buClr>
-              <a:buFont typeface="Arial" panose="020B0604020202020204" pitchFamily="34" charset="0"/>
-              <a:buNone/>
-              <a:defRPr sz="6000" kern="1200" cap="all" baseline="0">
-                <a:solidFill>
-                  <a:schemeClr val="bg1"/>
-                </a:solidFill>
-                <a:latin typeface="+mj-lt"/>
-                <a:ea typeface="+mn-ea"/>
-                <a:cs typeface="+mn-cs"/>
-              </a:defRPr>
-            </a:lvl5pPr>
-            <a:lvl6pPr marL="0" indent="0" algn="l" defTabSz="4389120" rtl="0" eaLnBrk="1" latinLnBrk="0" hangingPunct="1">
-              <a:lnSpc>
-                <a:spcPct val="100000"/>
-              </a:lnSpc>
-              <a:spcBef>
-                <a:spcPts val="0"/>
-              </a:spcBef>
-              <a:buClr>
-                <a:schemeClr val="accent2"/>
-              </a:buClr>
-              <a:buFont typeface="Arial" panose="020B0604020202020204" pitchFamily="34" charset="0"/>
-              <a:buNone/>
-              <a:defRPr sz="6000" kern="1200" cap="all" baseline="0">
-                <a:solidFill>
-                  <a:schemeClr val="bg1"/>
-                </a:solidFill>
-                <a:latin typeface="+mj-lt"/>
-                <a:ea typeface="+mn-ea"/>
-                <a:cs typeface="+mn-cs"/>
-              </a:defRPr>
-            </a:lvl6pPr>
-            <a:lvl7pPr marL="0" indent="0" algn="l" defTabSz="4389120" rtl="0" eaLnBrk="1" latinLnBrk="0" hangingPunct="1">
-              <a:lnSpc>
-                <a:spcPct val="100000"/>
-              </a:lnSpc>
-              <a:spcBef>
-                <a:spcPts val="0"/>
-              </a:spcBef>
-              <a:buClr>
-                <a:schemeClr val="accent2"/>
-              </a:buClr>
-              <a:buFont typeface="Arial" panose="020B0604020202020204" pitchFamily="34" charset="0"/>
-              <a:buNone/>
-              <a:defRPr sz="6000" kern="1200" cap="all" baseline="0">
-                <a:solidFill>
-                  <a:schemeClr val="bg1"/>
-                </a:solidFill>
-                <a:latin typeface="+mj-lt"/>
-                <a:ea typeface="+mn-ea"/>
-                <a:cs typeface="+mn-cs"/>
-              </a:defRPr>
-            </a:lvl7pPr>
-            <a:lvl8pPr marL="0" indent="0" algn="l" defTabSz="4389120" rtl="0" eaLnBrk="1" latinLnBrk="0" hangingPunct="1">
-              <a:lnSpc>
-                <a:spcPct val="100000"/>
-              </a:lnSpc>
-              <a:spcBef>
-                <a:spcPts val="0"/>
-              </a:spcBef>
-              <a:buClr>
-                <a:schemeClr val="accent2"/>
-              </a:buClr>
-              <a:buFont typeface="Arial" panose="020B0604020202020204" pitchFamily="34" charset="0"/>
-              <a:buNone/>
-              <a:defRPr sz="6000" kern="1200" cap="all" baseline="0">
-                <a:solidFill>
-                  <a:schemeClr val="bg1"/>
-                </a:solidFill>
-                <a:latin typeface="+mj-lt"/>
-                <a:ea typeface="+mn-ea"/>
-                <a:cs typeface="+mn-cs"/>
-              </a:defRPr>
-            </a:lvl8pPr>
-            <a:lvl9pPr marL="0" indent="0" algn="l" defTabSz="4389120" rtl="0" eaLnBrk="1" latinLnBrk="0" hangingPunct="1">
-              <a:lnSpc>
-                <a:spcPct val="100000"/>
-              </a:lnSpc>
-              <a:spcBef>
-                <a:spcPts val="0"/>
-              </a:spcBef>
-              <a:buClr>
-                <a:schemeClr val="accent2"/>
-              </a:buClr>
-              <a:buFont typeface="Arial" panose="020B0604020202020204" pitchFamily="34" charset="0"/>
-              <a:buNone/>
-              <a:defRPr sz="6000" kern="1200" cap="all" baseline="0">
-                <a:solidFill>
-                  <a:schemeClr val="bg1"/>
-                </a:solidFill>
-                <a:latin typeface="+mj-lt"/>
-                <a:ea typeface="+mn-ea"/>
-                <a:cs typeface="+mn-cs"/>
-              </a:defRPr>
-            </a:lvl9pPr>
-          </a:lstStyle>
-          <a:p>
-            <a:pPr marL="0" marR="0" lvl="0" indent="0" algn="l" defTabSz="4389120" rtl="0" eaLnBrk="1" fontAlgn="auto" latinLnBrk="0" hangingPunct="1">
-              <a:lnSpc>
-                <a:spcPct val="100000"/>
-              </a:lnSpc>
-              <a:spcBef>
-                <a:spcPts val="0"/>
-              </a:spcBef>
-              <a:spcAft>
-                <a:spcPts val="0"/>
-              </a:spcAft>
-              <a:buClr>
-                <a:srgbClr val="AD8F67"/>
-              </a:buClr>
-              <a:buSzTx/>
-              <a:buFont typeface="Arial" panose="020B0604020202020204" pitchFamily="34" charset="0"/>
-              <a:buNone/>
-              <a:tabLst/>
-              <a:defRPr/>
-            </a:pPr>
-            <a:endParaRPr kumimoji="0" lang="en-US" sz="6000" b="0" i="0" u="none" strike="noStrike" kern="1200" cap="all" spc="0" normalizeH="0" baseline="0" noProof="0" dirty="0">
-              <a:ln>
-                <a:noFill/>
-              </a:ln>
-              <a:solidFill>
-                <a:srgbClr val="FFFFFF"/>
-              </a:solidFill>
-              <a:effectLst/>
-              <a:uLnTx/>
-              <a:uFillTx/>
-              <a:latin typeface="Cambria" panose="02040503050406030204" pitchFamily="18" charset="0"/>
-              <a:ea typeface="+mn-ea"/>
-              <a:cs typeface="Arial" panose="020B0604020202020204" pitchFamily="34" charset="0"/>
             </a:endParaRPr>
           </a:p>
         </p:txBody>
@@ -4907,8 +5405,8 @@
         </p:nvSpPr>
         <p:spPr>
           <a:xfrm>
-            <a:off x="587181" y="10508904"/>
-            <a:ext cx="6534175" cy="2677656"/>
+            <a:off x="224429" y="9205908"/>
+            <a:ext cx="7334611" cy="2677656"/>
           </a:xfrm>
           <a:prstGeom prst="rect">
             <a:avLst/>
@@ -4988,312 +5486,6 @@
       </p:sp>
       <p:sp>
         <p:nvSpPr>
-          <p:cNvPr id="40" name="TextBox 39">
-            <a:extLst>
-              <a:ext uri="{FF2B5EF4-FFF2-40B4-BE49-F238E27FC236}">
-                <a16:creationId xmlns:a16="http://schemas.microsoft.com/office/drawing/2014/main" id="{40D1E258-4996-4BC8-94EB-3DDE9968B534}"/>
-              </a:ext>
-            </a:extLst>
-          </p:cNvPr>
-          <p:cNvSpPr txBox="1"/>
-          <p:nvPr/>
-        </p:nvSpPr>
-        <p:spPr>
-          <a:xfrm>
-            <a:off x="587181" y="9739463"/>
-            <a:ext cx="4532625" cy="646331"/>
-          </a:xfrm>
-          <a:prstGeom prst="rect">
-            <a:avLst/>
-          </a:prstGeom>
-          <a:noFill/>
-        </p:spPr>
-        <p:txBody>
-          <a:bodyPr wrap="square" rtlCol="0">
-            <a:spAutoFit/>
-          </a:bodyPr>
-          <a:lstStyle/>
-          <a:p>
-            <a:r>
-              <a:rPr lang="en-US" altLang="zh-CN" sz="3600" dirty="0">
-                <a:solidFill>
-                  <a:schemeClr val="bg1"/>
-                </a:solidFill>
-                <a:latin typeface="Times New Roman" panose="02020603050405020304" pitchFamily="18" charset="0"/>
-                <a:cs typeface="Times New Roman" panose="02020603050405020304" pitchFamily="18" charset="0"/>
-              </a:rPr>
-              <a:t>Approach</a:t>
-            </a:r>
-            <a:endParaRPr lang="en-US" sz="3600" dirty="0">
-              <a:solidFill>
-                <a:schemeClr val="bg1"/>
-              </a:solidFill>
-              <a:latin typeface="Times New Roman" panose="02020603050405020304" pitchFamily="18" charset="0"/>
-              <a:cs typeface="Times New Roman" panose="02020603050405020304" pitchFamily="18" charset="0"/>
-            </a:endParaRPr>
-          </a:p>
-        </p:txBody>
-      </p:sp>
-      <p:sp>
-        <p:nvSpPr>
-          <p:cNvPr id="41" name="Text Placeholder 4">
-            <a:extLst>
-              <a:ext uri="{FF2B5EF4-FFF2-40B4-BE49-F238E27FC236}">
-                <a16:creationId xmlns:a16="http://schemas.microsoft.com/office/drawing/2014/main" id="{72CEE249-DCA1-4890-9967-8C1D53CE6AA3}"/>
-              </a:ext>
-            </a:extLst>
-          </p:cNvPr>
-          <p:cNvSpPr txBox="1">
-            <a:spLocks/>
-          </p:cNvSpPr>
-          <p:nvPr/>
-        </p:nvSpPr>
-        <p:spPr>
-          <a:xfrm>
-            <a:off x="8427259" y="6666938"/>
-            <a:ext cx="6534175" cy="710605"/>
-          </a:xfrm>
-          <a:prstGeom prst="round1Rect">
-            <a:avLst/>
-          </a:prstGeom>
-          <a:solidFill>
-            <a:srgbClr val="DA8886"/>
-          </a:solidFill>
-        </p:spPr>
-        <p:txBody>
-          <a:bodyPr vert="horz" lIns="365760" tIns="45720" rIns="91440" bIns="45720" rtlCol="0" anchor="ctr">
-            <a:noAutofit/>
-          </a:bodyPr>
-          <a:lstStyle>
-            <a:lvl1pPr marL="0" indent="0" algn="l" defTabSz="4389120" rtl="0" eaLnBrk="1" latinLnBrk="0" hangingPunct="1">
-              <a:lnSpc>
-                <a:spcPct val="100000"/>
-              </a:lnSpc>
-              <a:spcBef>
-                <a:spcPts val="0"/>
-              </a:spcBef>
-              <a:buClr>
-                <a:schemeClr val="accent2"/>
-              </a:buClr>
-              <a:buFont typeface="Arial" panose="020B0604020202020204" pitchFamily="34" charset="0"/>
-              <a:buNone/>
-              <a:defRPr sz="6000" kern="1200" cap="all" baseline="0">
-                <a:solidFill>
-                  <a:schemeClr val="bg1"/>
-                </a:solidFill>
-                <a:latin typeface="+mj-lt"/>
-                <a:ea typeface="+mn-ea"/>
-                <a:cs typeface="+mn-cs"/>
-              </a:defRPr>
-            </a:lvl1pPr>
-            <a:lvl2pPr marL="0" indent="0" algn="l" defTabSz="4389120" rtl="0" eaLnBrk="1" latinLnBrk="0" hangingPunct="1">
-              <a:lnSpc>
-                <a:spcPct val="100000"/>
-              </a:lnSpc>
-              <a:spcBef>
-                <a:spcPts val="0"/>
-              </a:spcBef>
-              <a:buClr>
-                <a:schemeClr val="accent2"/>
-              </a:buClr>
-              <a:buFont typeface="Arial" panose="020B0604020202020204" pitchFamily="34" charset="0"/>
-              <a:buNone/>
-              <a:defRPr sz="6000" kern="1200" cap="all" baseline="0">
-                <a:solidFill>
-                  <a:schemeClr val="bg1"/>
-                </a:solidFill>
-                <a:latin typeface="+mj-lt"/>
-                <a:ea typeface="+mn-ea"/>
-                <a:cs typeface="+mn-cs"/>
-              </a:defRPr>
-            </a:lvl2pPr>
-            <a:lvl3pPr marL="0" indent="0" algn="l" defTabSz="4389120" rtl="0" eaLnBrk="1" latinLnBrk="0" hangingPunct="1">
-              <a:lnSpc>
-                <a:spcPct val="100000"/>
-              </a:lnSpc>
-              <a:spcBef>
-                <a:spcPts val="0"/>
-              </a:spcBef>
-              <a:buClr>
-                <a:schemeClr val="accent2"/>
-              </a:buClr>
-              <a:buFont typeface="Arial" panose="020B0604020202020204" pitchFamily="34" charset="0"/>
-              <a:buNone/>
-              <a:defRPr sz="6000" kern="1200" cap="all" baseline="0">
-                <a:solidFill>
-                  <a:schemeClr val="bg1"/>
-                </a:solidFill>
-                <a:latin typeface="+mj-lt"/>
-                <a:ea typeface="+mn-ea"/>
-                <a:cs typeface="+mn-cs"/>
-              </a:defRPr>
-            </a:lvl3pPr>
-            <a:lvl4pPr marL="0" indent="0" algn="l" defTabSz="4389120" rtl="0" eaLnBrk="1" latinLnBrk="0" hangingPunct="1">
-              <a:lnSpc>
-                <a:spcPct val="100000"/>
-              </a:lnSpc>
-              <a:spcBef>
-                <a:spcPts val="0"/>
-              </a:spcBef>
-              <a:buClr>
-                <a:schemeClr val="accent2"/>
-              </a:buClr>
-              <a:buFont typeface="Arial" panose="020B0604020202020204" pitchFamily="34" charset="0"/>
-              <a:buNone/>
-              <a:defRPr sz="6000" kern="1200" cap="all" baseline="0">
-                <a:solidFill>
-                  <a:schemeClr val="bg1"/>
-                </a:solidFill>
-                <a:latin typeface="+mj-lt"/>
-                <a:ea typeface="+mn-ea"/>
-                <a:cs typeface="+mn-cs"/>
-              </a:defRPr>
-            </a:lvl4pPr>
-            <a:lvl5pPr marL="0" indent="0" algn="l" defTabSz="4389120" rtl="0" eaLnBrk="1" latinLnBrk="0" hangingPunct="1">
-              <a:lnSpc>
-                <a:spcPct val="100000"/>
-              </a:lnSpc>
-              <a:spcBef>
-                <a:spcPts val="0"/>
-              </a:spcBef>
-              <a:buClr>
-                <a:schemeClr val="accent2"/>
-              </a:buClr>
-              <a:buFont typeface="Arial" panose="020B0604020202020204" pitchFamily="34" charset="0"/>
-              <a:buNone/>
-              <a:defRPr sz="6000" kern="1200" cap="all" baseline="0">
-                <a:solidFill>
-                  <a:schemeClr val="bg1"/>
-                </a:solidFill>
-                <a:latin typeface="+mj-lt"/>
-                <a:ea typeface="+mn-ea"/>
-                <a:cs typeface="+mn-cs"/>
-              </a:defRPr>
-            </a:lvl5pPr>
-            <a:lvl6pPr marL="0" indent="0" algn="l" defTabSz="4389120" rtl="0" eaLnBrk="1" latinLnBrk="0" hangingPunct="1">
-              <a:lnSpc>
-                <a:spcPct val="100000"/>
-              </a:lnSpc>
-              <a:spcBef>
-                <a:spcPts val="0"/>
-              </a:spcBef>
-              <a:buClr>
-                <a:schemeClr val="accent2"/>
-              </a:buClr>
-              <a:buFont typeface="Arial" panose="020B0604020202020204" pitchFamily="34" charset="0"/>
-              <a:buNone/>
-              <a:defRPr sz="6000" kern="1200" cap="all" baseline="0">
-                <a:solidFill>
-                  <a:schemeClr val="bg1"/>
-                </a:solidFill>
-                <a:latin typeface="+mj-lt"/>
-                <a:ea typeface="+mn-ea"/>
-                <a:cs typeface="+mn-cs"/>
-              </a:defRPr>
-            </a:lvl6pPr>
-            <a:lvl7pPr marL="0" indent="0" algn="l" defTabSz="4389120" rtl="0" eaLnBrk="1" latinLnBrk="0" hangingPunct="1">
-              <a:lnSpc>
-                <a:spcPct val="100000"/>
-              </a:lnSpc>
-              <a:spcBef>
-                <a:spcPts val="0"/>
-              </a:spcBef>
-              <a:buClr>
-                <a:schemeClr val="accent2"/>
-              </a:buClr>
-              <a:buFont typeface="Arial" panose="020B0604020202020204" pitchFamily="34" charset="0"/>
-              <a:buNone/>
-              <a:defRPr sz="6000" kern="1200" cap="all" baseline="0">
-                <a:solidFill>
-                  <a:schemeClr val="bg1"/>
-                </a:solidFill>
-                <a:latin typeface="+mj-lt"/>
-                <a:ea typeface="+mn-ea"/>
-                <a:cs typeface="+mn-cs"/>
-              </a:defRPr>
-            </a:lvl7pPr>
-            <a:lvl8pPr marL="0" indent="0" algn="l" defTabSz="4389120" rtl="0" eaLnBrk="1" latinLnBrk="0" hangingPunct="1">
-              <a:lnSpc>
-                <a:spcPct val="100000"/>
-              </a:lnSpc>
-              <a:spcBef>
-                <a:spcPts val="0"/>
-              </a:spcBef>
-              <a:buClr>
-                <a:schemeClr val="accent2"/>
-              </a:buClr>
-              <a:buFont typeface="Arial" panose="020B0604020202020204" pitchFamily="34" charset="0"/>
-              <a:buNone/>
-              <a:defRPr sz="6000" kern="1200" cap="all" baseline="0">
-                <a:solidFill>
-                  <a:schemeClr val="bg1"/>
-                </a:solidFill>
-                <a:latin typeface="+mj-lt"/>
-                <a:ea typeface="+mn-ea"/>
-                <a:cs typeface="+mn-cs"/>
-              </a:defRPr>
-            </a:lvl8pPr>
-            <a:lvl9pPr marL="0" indent="0" algn="l" defTabSz="4389120" rtl="0" eaLnBrk="1" latinLnBrk="0" hangingPunct="1">
-              <a:lnSpc>
-                <a:spcPct val="100000"/>
-              </a:lnSpc>
-              <a:spcBef>
-                <a:spcPts val="0"/>
-              </a:spcBef>
-              <a:buClr>
-                <a:schemeClr val="accent2"/>
-              </a:buClr>
-              <a:buFont typeface="Arial" panose="020B0604020202020204" pitchFamily="34" charset="0"/>
-              <a:buNone/>
-              <a:defRPr sz="6000" kern="1200" cap="all" baseline="0">
-                <a:solidFill>
-                  <a:schemeClr val="bg1"/>
-                </a:solidFill>
-                <a:latin typeface="+mj-lt"/>
-                <a:ea typeface="+mn-ea"/>
-                <a:cs typeface="+mn-cs"/>
-              </a:defRPr>
-            </a:lvl9pPr>
-          </a:lstStyle>
-          <a:p>
-            <a:pPr marL="0" marR="0" lvl="0" indent="0" algn="l" defTabSz="4389120" rtl="0" eaLnBrk="1" fontAlgn="auto" latinLnBrk="0" hangingPunct="1">
-              <a:lnSpc>
-                <a:spcPct val="100000"/>
-              </a:lnSpc>
-              <a:spcBef>
-                <a:spcPts val="0"/>
-              </a:spcBef>
-              <a:spcAft>
-                <a:spcPts val="0"/>
-              </a:spcAft>
-              <a:buClr>
-                <a:srgbClr val="AD8F67"/>
-              </a:buClr>
-              <a:buSzTx/>
-              <a:buFont typeface="Arial" panose="020B0604020202020204" pitchFamily="34" charset="0"/>
-              <a:buNone/>
-              <a:tabLst/>
-              <a:defRPr/>
-            </a:pPr>
-            <a:endParaRPr kumimoji="0" lang="en-US" sz="6000" b="0" i="0" u="none" strike="noStrike" kern="1200" cap="all" spc="0" normalizeH="0" baseline="0" noProof="0" dirty="0">
-              <a:ln>
-                <a:noFill/>
-              </a:ln>
-              <a:solidFill>
-                <a:srgbClr val="FFFFFF"/>
-              </a:solidFill>
-              <a:effectLst/>
-              <a:uLnTx/>
-              <a:uFillTx/>
-              <a:latin typeface="Cambria" panose="02040503050406030204" pitchFamily="18" charset="0"/>
-              <a:ea typeface="+mn-ea"/>
-              <a:cs typeface="Arial" panose="020B0604020202020204" pitchFamily="34" charset="0"/>
-            </a:endParaRPr>
-          </a:p>
-        </p:txBody>
-      </p:sp>
-      <p:sp>
-        <p:nvSpPr>
           <p:cNvPr id="42" name="TextBox 41">
             <a:extLst>
               <a:ext uri="{FF2B5EF4-FFF2-40B4-BE49-F238E27FC236}">
@@ -5306,8 +5498,8 @@
         </p:nvSpPr>
         <p:spPr>
           <a:xfrm>
-            <a:off x="8427259" y="7439098"/>
-            <a:ext cx="6534175" cy="1200329"/>
+            <a:off x="7772399" y="3825338"/>
+            <a:ext cx="7468088" cy="830997"/>
           </a:xfrm>
           <a:prstGeom prst="rect">
             <a:avLst/>
@@ -5337,28 +5529,35 @@
           <a:lstStyle/>
           <a:p>
             <a:r>
+              <a:rPr lang="en-US" altLang="zh-CN" sz="2400" dirty="0">
+                <a:latin typeface="Times New Roman" panose="02020603050405020304" pitchFamily="18" charset="0"/>
+                <a:cs typeface="Times New Roman" panose="02020603050405020304" pitchFamily="18" charset="0"/>
+              </a:rPr>
+              <a:t>Video 1 shows the </a:t>
+            </a:r>
+            <a:r>
               <a:rPr lang="en-US" altLang="zh-CN" sz="2400" dirty="0" err="1">
                 <a:latin typeface="Times New Roman" panose="02020603050405020304" pitchFamily="18" charset="0"/>
                 <a:cs typeface="Times New Roman" panose="02020603050405020304" pitchFamily="18" charset="0"/>
               </a:rPr>
-              <a:t>Figrue</a:t>
+              <a:t>Novint</a:t>
             </a:r>
             <a:r>
               <a:rPr lang="en-US" altLang="zh-CN" sz="2400" dirty="0">
                 <a:latin typeface="Times New Roman" panose="02020603050405020304" pitchFamily="18" charset="0"/>
                 <a:cs typeface="Times New Roman" panose="02020603050405020304" pitchFamily="18" charset="0"/>
               </a:rPr>
-              <a:t> 3 shows a normal pose of the robot in kinematic configuration. The whole motion is shown in the demo video.</a:t>
+              <a:t> Falcon moves in the expected three dimensional Helix line.</a:t>
             </a:r>
           </a:p>
         </p:txBody>
       </p:sp>
       <p:sp>
         <p:nvSpPr>
-          <p:cNvPr id="43" name="TextBox 42">
+          <p:cNvPr id="45" name="TextBox 44">
             <a:extLst>
               <a:ext uri="{FF2B5EF4-FFF2-40B4-BE49-F238E27FC236}">
-                <a16:creationId xmlns:a16="http://schemas.microsoft.com/office/drawing/2014/main" id="{A3B398EA-2FCF-439D-B5BD-57B40353DFB3}"/>
+                <a16:creationId xmlns:a16="http://schemas.microsoft.com/office/drawing/2014/main" id="{E9BF2389-8C6A-4BEF-942D-93F23C884F87}"/>
               </a:ext>
             </a:extLst>
           </p:cNvPr>
@@ -5367,8 +5566,2608 @@
         </p:nvSpPr>
         <p:spPr>
           <a:xfrm>
-            <a:off x="8427259" y="6669657"/>
-            <a:ext cx="4532625" cy="646331"/>
+            <a:off x="7883774" y="14786971"/>
+            <a:ext cx="7318143" cy="1938992"/>
+          </a:xfrm>
+          <a:prstGeom prst="rect">
+            <a:avLst/>
+          </a:prstGeom>
+          <a:ln>
+            <a:noFill/>
+          </a:ln>
+        </p:spPr>
+        <p:style>
+          <a:lnRef idx="2">
+            <a:schemeClr val="dk1"/>
+          </a:lnRef>
+          <a:fillRef idx="1">
+            <a:schemeClr val="lt1"/>
+          </a:fillRef>
+          <a:effectRef idx="0">
+            <a:schemeClr val="dk1"/>
+          </a:effectRef>
+          <a:fontRef idx="minor">
+            <a:schemeClr val="dk1"/>
+          </a:fontRef>
+        </p:style>
+        <p:txBody>
+          <a:bodyPr wrap="square" rtlCol="0">
+            <a:spAutoFit/>
+          </a:bodyPr>
+          <a:lstStyle/>
+          <a:p>
+            <a:pPr marL="342900" indent="-342900">
+              <a:buFont typeface="Arial" panose="020B0604020202020204" pitchFamily="34" charset="0"/>
+              <a:buChar char="•"/>
+            </a:pPr>
+            <a:r>
+              <a:rPr lang="en-US" altLang="zh-CN" sz="2400" dirty="0">
+                <a:latin typeface="Times New Roman" panose="02020603050405020304" pitchFamily="18" charset="0"/>
+                <a:cs typeface="Times New Roman" panose="02020603050405020304" pitchFamily="18" charset="0"/>
+              </a:rPr>
+              <a:t>Simulation shows the end effector moves as expected, which verifies the</a:t>
+            </a:r>
+            <a:r>
+              <a:rPr lang="zh-CN" altLang="en-US" sz="2400" dirty="0">
+                <a:latin typeface="Times New Roman" panose="02020603050405020304" pitchFamily="18" charset="0"/>
+                <a:cs typeface="Times New Roman" panose="02020603050405020304" pitchFamily="18" charset="0"/>
+              </a:rPr>
+              <a:t> </a:t>
+            </a:r>
+            <a:r>
+              <a:rPr lang="en-US" altLang="zh-CN" sz="2400" dirty="0">
+                <a:latin typeface="Times New Roman" panose="02020603050405020304" pitchFamily="18" charset="0"/>
+                <a:cs typeface="Times New Roman" panose="02020603050405020304" pitchFamily="18" charset="0"/>
+              </a:rPr>
+              <a:t>feasibility of kinematics in former research.</a:t>
+            </a:r>
+          </a:p>
+          <a:p>
+            <a:pPr marL="342900" indent="-342900">
+              <a:buFont typeface="Arial" panose="020B0604020202020204" pitchFamily="34" charset="0"/>
+              <a:buChar char="•"/>
+            </a:pPr>
+            <a:r>
+              <a:rPr lang="en-US" altLang="zh-CN" sz="2400" dirty="0">
+                <a:latin typeface="Times New Roman" panose="02020603050405020304" pitchFamily="18" charset="0"/>
+                <a:cs typeface="Times New Roman" panose="02020603050405020304" pitchFamily="18" charset="0"/>
+              </a:rPr>
+              <a:t>Controls are applied to make the robot move to expected states.</a:t>
+            </a:r>
+          </a:p>
+        </p:txBody>
+      </p:sp>
+      <p:sp>
+        <p:nvSpPr>
+          <p:cNvPr id="48" name="TextBox 47">
+            <a:extLst>
+              <a:ext uri="{FF2B5EF4-FFF2-40B4-BE49-F238E27FC236}">
+                <a16:creationId xmlns:a16="http://schemas.microsoft.com/office/drawing/2014/main" id="{5AB1ABAD-99A8-4A36-8BC6-1656089AE6A9}"/>
+              </a:ext>
+            </a:extLst>
+          </p:cNvPr>
+          <p:cNvSpPr txBox="1"/>
+          <p:nvPr/>
+        </p:nvSpPr>
+        <p:spPr>
+          <a:xfrm>
+            <a:off x="7985762" y="17243865"/>
+            <a:ext cx="7334609" cy="2862322"/>
+          </a:xfrm>
+          <a:prstGeom prst="rect">
+            <a:avLst/>
+          </a:prstGeom>
+          <a:ln>
+            <a:noFill/>
+          </a:ln>
+        </p:spPr>
+        <p:style>
+          <a:lnRef idx="2">
+            <a:schemeClr val="dk1"/>
+          </a:lnRef>
+          <a:fillRef idx="1">
+            <a:schemeClr val="lt1"/>
+          </a:fillRef>
+          <a:effectRef idx="0">
+            <a:schemeClr val="dk1"/>
+          </a:effectRef>
+          <a:fontRef idx="minor">
+            <a:schemeClr val="dk1"/>
+          </a:fontRef>
+        </p:style>
+        <p:txBody>
+          <a:bodyPr wrap="square" rtlCol="0">
+            <a:spAutoFit/>
+          </a:bodyPr>
+          <a:lstStyle/>
+          <a:p>
+            <a:r>
+              <a:rPr lang="en-US" altLang="zh-CN" sz="2000" i="1" dirty="0">
+                <a:latin typeface="Times New Roman" panose="02020603050405020304" pitchFamily="18" charset="0"/>
+                <a:cs typeface="Times New Roman" panose="02020603050405020304" pitchFamily="18" charset="0"/>
+              </a:rPr>
+              <a:t>[1] Application of the </a:t>
+            </a:r>
+            <a:r>
+              <a:rPr lang="en-US" altLang="zh-CN" sz="2000" i="1" dirty="0" err="1">
+                <a:latin typeface="Times New Roman" panose="02020603050405020304" pitchFamily="18" charset="0"/>
+                <a:cs typeface="Times New Roman" panose="02020603050405020304" pitchFamily="18" charset="0"/>
+              </a:rPr>
+              <a:t>Novint</a:t>
+            </a:r>
+            <a:r>
+              <a:rPr lang="en-US" altLang="zh-CN" sz="2000" i="1" dirty="0">
+                <a:latin typeface="Times New Roman" panose="02020603050405020304" pitchFamily="18" charset="0"/>
+                <a:cs typeface="Times New Roman" panose="02020603050405020304" pitchFamily="18" charset="0"/>
+              </a:rPr>
+              <a:t> Falcon haptic device as an actuator in real-time control, Daniel J. Block, et. al. DOI: 10.2478/</a:t>
+            </a:r>
+            <a:r>
+              <a:rPr lang="en-US" altLang="zh-CN" sz="2000" i="1" dirty="0" err="1">
+                <a:latin typeface="Times New Roman" panose="02020603050405020304" pitchFamily="18" charset="0"/>
+                <a:cs typeface="Times New Roman" panose="02020603050405020304" pitchFamily="18" charset="0"/>
+              </a:rPr>
+              <a:t>pj</a:t>
+            </a:r>
+            <a:r>
+              <a:rPr lang="da-DK" sz="2000" i="1" dirty="0">
+                <a:latin typeface="Times New Roman" panose="02020603050405020304" pitchFamily="18" charset="0"/>
+                <a:cs typeface="Times New Roman" panose="02020603050405020304" pitchFamily="18" charset="0"/>
+              </a:rPr>
+              <a:t>br-2013-0017 JBR · 4(3) · 2013 · 182-193</a:t>
+            </a:r>
+            <a:r>
+              <a:rPr lang="en-US" altLang="zh-CN" sz="2000" i="1" dirty="0">
+                <a:latin typeface="Times New Roman" panose="02020603050405020304" pitchFamily="18" charset="0"/>
+                <a:cs typeface="Times New Roman" panose="02020603050405020304" pitchFamily="18" charset="0"/>
+              </a:rPr>
+              <a:t> </a:t>
+            </a:r>
+          </a:p>
+          <a:p>
+            <a:r>
+              <a:rPr lang="en-US" altLang="zh-CN" sz="2000" i="1" dirty="0">
+                <a:latin typeface="Times New Roman" panose="02020603050405020304" pitchFamily="18" charset="0"/>
+                <a:cs typeface="Times New Roman" panose="02020603050405020304" pitchFamily="18" charset="0"/>
+              </a:rPr>
+              <a:t>[2] </a:t>
+            </a:r>
+            <a:r>
+              <a:rPr lang="en-US" sz="2000" i="1" dirty="0">
+                <a:latin typeface="Times New Roman" panose="02020603050405020304" pitchFamily="18" charset="0"/>
+                <a:cs typeface="Times New Roman" panose="02020603050405020304" pitchFamily="18" charset="0"/>
+              </a:rPr>
+              <a:t>A Parallel Manipulator with Only Translational Degrees of Freedom, Lung-Wen Tsai, Richard E. Stamper. Technical Research Report</a:t>
+            </a:r>
+          </a:p>
+          <a:p>
+            <a:r>
+              <a:rPr lang="en-US" altLang="zh-CN" sz="2000" i="1" dirty="0">
+                <a:latin typeface="Times New Roman" panose="02020603050405020304" pitchFamily="18" charset="0"/>
+                <a:cs typeface="Times New Roman" panose="02020603050405020304" pitchFamily="18" charset="0"/>
+              </a:rPr>
+              <a:t>[3]  Dynamic Identification of the </a:t>
+            </a:r>
+            <a:r>
+              <a:rPr lang="en-US" altLang="zh-CN" sz="2000" i="1" dirty="0" err="1">
+                <a:latin typeface="Times New Roman" panose="02020603050405020304" pitchFamily="18" charset="0"/>
+                <a:cs typeface="Times New Roman" panose="02020603050405020304" pitchFamily="18" charset="0"/>
+              </a:rPr>
+              <a:t>Novint</a:t>
+            </a:r>
+            <a:r>
+              <a:rPr lang="en-US" altLang="zh-CN" sz="2000" i="1" dirty="0">
+                <a:latin typeface="Times New Roman" panose="02020603050405020304" pitchFamily="18" charset="0"/>
+                <a:cs typeface="Times New Roman" panose="02020603050405020304" pitchFamily="18" charset="0"/>
+              </a:rPr>
+              <a:t> Haptic Device, </a:t>
+            </a:r>
+            <a:r>
+              <a:rPr lang="en-US" altLang="zh-CN" sz="2000" i="1" dirty="0" err="1">
+                <a:latin typeface="Times New Roman" panose="02020603050405020304" pitchFamily="18" charset="0"/>
+                <a:cs typeface="Times New Roman" panose="02020603050405020304" pitchFamily="18" charset="0"/>
+              </a:rPr>
+              <a:t>Nima</a:t>
+            </a:r>
+            <a:r>
+              <a:rPr lang="en-US" altLang="zh-CN" sz="2000" i="1" dirty="0">
+                <a:latin typeface="Times New Roman" panose="02020603050405020304" pitchFamily="18" charset="0"/>
+                <a:cs typeface="Times New Roman" panose="02020603050405020304" pitchFamily="18" charset="0"/>
+              </a:rPr>
+              <a:t> </a:t>
+            </a:r>
+            <a:r>
+              <a:rPr lang="en-US" altLang="zh-CN" sz="2000" i="1" dirty="0" err="1">
+                <a:latin typeface="Times New Roman" panose="02020603050405020304" pitchFamily="18" charset="0"/>
+                <a:cs typeface="Times New Roman" panose="02020603050405020304" pitchFamily="18" charset="0"/>
+              </a:rPr>
+              <a:t>Karbasizadeh</a:t>
+            </a:r>
+            <a:r>
+              <a:rPr lang="en-US" altLang="zh-CN" sz="2000" i="1" dirty="0">
+                <a:latin typeface="Times New Roman" panose="02020603050405020304" pitchFamily="18" charset="0"/>
+                <a:cs typeface="Times New Roman" panose="02020603050405020304" pitchFamily="18" charset="0"/>
+              </a:rPr>
+              <a:t>, et. al. International Conference on Robotics and Mechatronics. </a:t>
+            </a:r>
+            <a:r>
+              <a:rPr lang="de-DE" sz="2000" i="1" dirty="0">
+                <a:latin typeface="Times New Roman" panose="02020603050405020304" pitchFamily="18" charset="0"/>
+                <a:cs typeface="Times New Roman" panose="02020603050405020304" pitchFamily="18" charset="0"/>
+              </a:rPr>
+              <a:t>October 26-28, 2016, Tehran, Iran.</a:t>
+            </a:r>
+            <a:endParaRPr lang="en-US" altLang="zh-CN" sz="2000" i="1" dirty="0">
+              <a:latin typeface="Times New Roman" panose="02020603050405020304" pitchFamily="18" charset="0"/>
+              <a:cs typeface="Times New Roman" panose="02020603050405020304" pitchFamily="18" charset="0"/>
+            </a:endParaRPr>
+          </a:p>
+        </p:txBody>
+      </p:sp>
+      <p:sp>
+        <p:nvSpPr>
+          <p:cNvPr id="53" name="TextBox 52">
+            <a:extLst>
+              <a:ext uri="{FF2B5EF4-FFF2-40B4-BE49-F238E27FC236}">
+                <a16:creationId xmlns:a16="http://schemas.microsoft.com/office/drawing/2014/main" id="{9EC5EA9F-39D3-4A3F-9C55-0A778B1DB0E2}"/>
+              </a:ext>
+            </a:extLst>
+          </p:cNvPr>
+          <p:cNvSpPr txBox="1"/>
+          <p:nvPr/>
+        </p:nvSpPr>
+        <p:spPr>
+          <a:xfrm>
+            <a:off x="342883" y="15052226"/>
+            <a:ext cx="7216157" cy="1938992"/>
+          </a:xfrm>
+          <a:prstGeom prst="rect">
+            <a:avLst/>
+          </a:prstGeom>
+          <a:ln>
+            <a:noFill/>
+          </a:ln>
+        </p:spPr>
+        <p:style>
+          <a:lnRef idx="2">
+            <a:schemeClr val="dk1"/>
+          </a:lnRef>
+          <a:fillRef idx="1">
+            <a:schemeClr val="lt1"/>
+          </a:fillRef>
+          <a:effectRef idx="0">
+            <a:schemeClr val="dk1"/>
+          </a:effectRef>
+          <a:fontRef idx="minor">
+            <a:schemeClr val="dk1"/>
+          </a:fontRef>
+        </p:style>
+        <p:txBody>
+          <a:bodyPr wrap="square" rtlCol="0">
+            <a:spAutoFit/>
+          </a:bodyPr>
+          <a:lstStyle/>
+          <a:p>
+            <a:r>
+              <a:rPr lang="en-US" altLang="zh-CN" sz="2400" b="1" dirty="0">
+                <a:latin typeface="Times New Roman" panose="02020603050405020304" pitchFamily="18" charset="0"/>
+                <a:cs typeface="Times New Roman" panose="02020603050405020304" pitchFamily="18" charset="0"/>
+              </a:rPr>
+              <a:t>Dynamics and Control</a:t>
+            </a:r>
+            <a:endParaRPr lang="en-US" altLang="zh-CN" sz="2400" dirty="0">
+              <a:latin typeface="Times New Roman" panose="02020603050405020304" pitchFamily="18" charset="0"/>
+              <a:cs typeface="Times New Roman" panose="02020603050405020304" pitchFamily="18" charset="0"/>
+            </a:endParaRPr>
+          </a:p>
+          <a:p>
+            <a:pPr marL="342900" indent="-342900">
+              <a:buFont typeface="Arial" panose="020B0604020202020204" pitchFamily="34" charset="0"/>
+              <a:buChar char="•"/>
+            </a:pPr>
+            <a:r>
+              <a:rPr lang="en-US" altLang="zh-CN" sz="2400" dirty="0">
+                <a:latin typeface="Times New Roman" panose="02020603050405020304" pitchFamily="18" charset="0"/>
+                <a:cs typeface="Times New Roman" panose="02020603050405020304" pitchFamily="18" charset="0"/>
+              </a:rPr>
+              <a:t>Based on </a:t>
+            </a:r>
+            <a:r>
+              <a:rPr lang="en-US" altLang="zh-CN" sz="2400" dirty="0" err="1">
+                <a:latin typeface="Times New Roman" panose="02020603050405020304" pitchFamily="18" charset="0"/>
+                <a:cs typeface="Times New Roman" panose="02020603050405020304" pitchFamily="18" charset="0"/>
+              </a:rPr>
+              <a:t>Nima</a:t>
+            </a:r>
+            <a:r>
+              <a:rPr lang="en-US" altLang="zh-CN" sz="2400" dirty="0">
+                <a:latin typeface="Times New Roman" panose="02020603050405020304" pitchFamily="18" charset="0"/>
+                <a:cs typeface="Times New Roman" panose="02020603050405020304" pitchFamily="18" charset="0"/>
+              </a:rPr>
+              <a:t> </a:t>
+            </a:r>
+            <a:r>
+              <a:rPr lang="en-US" altLang="zh-CN" sz="2400" dirty="0" err="1">
+                <a:latin typeface="Times New Roman" panose="02020603050405020304" pitchFamily="18" charset="0"/>
+                <a:cs typeface="Times New Roman" panose="02020603050405020304" pitchFamily="18" charset="0"/>
+              </a:rPr>
+              <a:t>Karbasizadeh</a:t>
+            </a:r>
+            <a:r>
+              <a:rPr lang="en-US" altLang="zh-CN" sz="2400" dirty="0">
+                <a:latin typeface="Times New Roman" panose="02020603050405020304" pitchFamily="18" charset="0"/>
+                <a:cs typeface="Times New Roman" panose="02020603050405020304" pitchFamily="18" charset="0"/>
+              </a:rPr>
+              <a:t> team’s work on the dynamic identification of the </a:t>
+            </a:r>
+            <a:r>
+              <a:rPr lang="en-US" altLang="zh-CN" sz="2400" dirty="0" err="1">
+                <a:latin typeface="Times New Roman" panose="02020603050405020304" pitchFamily="18" charset="0"/>
+                <a:cs typeface="Times New Roman" panose="02020603050405020304" pitchFamily="18" charset="0"/>
+              </a:rPr>
+              <a:t>Novint</a:t>
+            </a:r>
+            <a:r>
+              <a:rPr lang="en-US" altLang="zh-CN" sz="2400" dirty="0">
+                <a:latin typeface="Times New Roman" panose="02020603050405020304" pitchFamily="18" charset="0"/>
+                <a:cs typeface="Times New Roman" panose="02020603050405020304" pitchFamily="18" charset="0"/>
+              </a:rPr>
+              <a:t> Falcon. [3]</a:t>
+            </a:r>
+          </a:p>
+          <a:p>
+            <a:pPr marL="342900" indent="-342900">
+              <a:buFont typeface="Arial" panose="020B0604020202020204" pitchFamily="34" charset="0"/>
+              <a:buChar char="•"/>
+            </a:pPr>
+            <a:r>
+              <a:rPr lang="en-US" altLang="zh-CN" sz="2400" dirty="0">
+                <a:latin typeface="Times New Roman" panose="02020603050405020304" pitchFamily="18" charset="0"/>
+                <a:cs typeface="Times New Roman" panose="02020603050405020304" pitchFamily="18" charset="0"/>
+              </a:rPr>
+              <a:t>Apply different control laws to observe the displacement responses. </a:t>
+            </a:r>
+          </a:p>
+        </p:txBody>
+      </p:sp>
+      <p:sp>
+        <p:nvSpPr>
+          <p:cNvPr id="55" name="TextBox 54">
+            <a:extLst>
+              <a:ext uri="{FF2B5EF4-FFF2-40B4-BE49-F238E27FC236}">
+                <a16:creationId xmlns:a16="http://schemas.microsoft.com/office/drawing/2014/main" id="{13F42DD6-BA8F-4031-9263-9D0A01A515D8}"/>
+              </a:ext>
+            </a:extLst>
+          </p:cNvPr>
+          <p:cNvSpPr txBox="1"/>
+          <p:nvPr/>
+        </p:nvSpPr>
+        <p:spPr>
+          <a:xfrm>
+            <a:off x="143361" y="17632669"/>
+            <a:ext cx="7334611" cy="2308324"/>
+          </a:xfrm>
+          <a:prstGeom prst="rect">
+            <a:avLst/>
+          </a:prstGeom>
+          <a:ln>
+            <a:noFill/>
+          </a:ln>
+        </p:spPr>
+        <p:style>
+          <a:lnRef idx="2">
+            <a:schemeClr val="dk1"/>
+          </a:lnRef>
+          <a:fillRef idx="1">
+            <a:schemeClr val="lt1"/>
+          </a:fillRef>
+          <a:effectRef idx="0">
+            <a:schemeClr val="dk1"/>
+          </a:effectRef>
+          <a:fontRef idx="minor">
+            <a:schemeClr val="dk1"/>
+          </a:fontRef>
+        </p:style>
+        <p:txBody>
+          <a:bodyPr wrap="square" rtlCol="0">
+            <a:spAutoFit/>
+          </a:bodyPr>
+          <a:lstStyle/>
+          <a:p>
+            <a:pPr marL="342900" indent="-342900">
+              <a:buFont typeface="Arial" panose="020B0604020202020204" pitchFamily="34" charset="0"/>
+              <a:buChar char="•"/>
+            </a:pPr>
+            <a:r>
+              <a:rPr lang="en-US" altLang="zh-CN" sz="2400" dirty="0">
+                <a:latin typeface="Times New Roman" panose="02020603050405020304" pitchFamily="18" charset="0"/>
+                <a:cs typeface="Times New Roman" panose="02020603050405020304" pitchFamily="18" charset="0"/>
+              </a:rPr>
+              <a:t>Implement MATLAB codes for the kinematic configuration of the robot.</a:t>
+            </a:r>
+          </a:p>
+          <a:p>
+            <a:pPr marL="342900" indent="-342900">
+              <a:buFont typeface="Arial" panose="020B0604020202020204" pitchFamily="34" charset="0"/>
+              <a:buChar char="•"/>
+            </a:pPr>
+            <a:r>
+              <a:rPr lang="en-US" altLang="zh-CN" sz="2400" dirty="0">
+                <a:latin typeface="Times New Roman" panose="02020603050405020304" pitchFamily="18" charset="0"/>
+                <a:cs typeface="Times New Roman" panose="02020603050405020304" pitchFamily="18" charset="0"/>
+              </a:rPr>
+              <a:t>Make the end effector move in the expected routine and generate a video demo.</a:t>
+            </a:r>
+          </a:p>
+          <a:p>
+            <a:pPr marL="342900" indent="-342900">
+              <a:buFont typeface="Arial" panose="020B0604020202020204" pitchFamily="34" charset="0"/>
+              <a:buChar char="•"/>
+            </a:pPr>
+            <a:r>
+              <a:rPr lang="en-US" altLang="zh-CN" sz="2400" dirty="0">
+                <a:latin typeface="Times New Roman" panose="02020603050405020304" pitchFamily="18" charset="0"/>
+                <a:cs typeface="Times New Roman" panose="02020603050405020304" pitchFamily="18" charset="0"/>
+              </a:rPr>
+              <a:t>Apply control laws to drive the robot to move and solve pinball maze.</a:t>
+            </a:r>
+          </a:p>
+        </p:txBody>
+      </p:sp>
+      <mc:AlternateContent xmlns:mc="http://schemas.openxmlformats.org/markup-compatibility/2006">
+        <mc:Choice xmlns:a14="http://schemas.microsoft.com/office/drawing/2010/main" Requires="a14">
+          <p:graphicFrame>
+            <p:nvGraphicFramePr>
+              <p:cNvPr id="4" name="Table 3">
+                <a:extLst>
+                  <a:ext uri="{FF2B5EF4-FFF2-40B4-BE49-F238E27FC236}">
+                    <a16:creationId xmlns:a16="http://schemas.microsoft.com/office/drawing/2014/main" id="{48138163-CC8B-4A82-847C-6C104B8C4C3A}"/>
+                  </a:ext>
+                </a:extLst>
+              </p:cNvPr>
+              <p:cNvGraphicFramePr>
+                <a:graphicFrameLocks noGrp="1"/>
+              </p:cNvGraphicFramePr>
+              <p:nvPr>
+                <p:extLst>
+                  <p:ext uri="{D42A27DB-BD31-4B8C-83A1-F6EECF244321}">
+                    <p14:modId xmlns:p14="http://schemas.microsoft.com/office/powerpoint/2010/main" val="758558438"/>
+                  </p:ext>
+                </p:extLst>
+              </p:nvPr>
+            </p:nvGraphicFramePr>
+            <p:xfrm>
+              <a:off x="3628403" y="11955456"/>
+              <a:ext cx="3533033" cy="2475738"/>
+            </p:xfrm>
+            <a:graphic>
+              <a:graphicData uri="http://schemas.openxmlformats.org/drawingml/2006/table">
+                <a:tbl>
+                  <a:tblPr firstRow="1" bandRow="1">
+                    <a:tableStyleId>{5C22544A-7EE6-4342-B048-85BDC9FD1C3A}</a:tableStyleId>
+                  </a:tblPr>
+                  <a:tblGrid>
+                    <a:gridCol w="464372">
+                      <a:extLst>
+                        <a:ext uri="{9D8B030D-6E8A-4147-A177-3AD203B41FA5}">
+                          <a16:colId xmlns:a16="http://schemas.microsoft.com/office/drawing/2014/main" val="1409328194"/>
+                        </a:ext>
+                      </a:extLst>
+                    </a:gridCol>
+                    <a:gridCol w="744747">
+                      <a:extLst>
+                        <a:ext uri="{9D8B030D-6E8A-4147-A177-3AD203B41FA5}">
+                          <a16:colId xmlns:a16="http://schemas.microsoft.com/office/drawing/2014/main" val="1354714877"/>
+                        </a:ext>
+                      </a:extLst>
+                    </a:gridCol>
+                    <a:gridCol w="551988">
+                      <a:extLst>
+                        <a:ext uri="{9D8B030D-6E8A-4147-A177-3AD203B41FA5}">
+                          <a16:colId xmlns:a16="http://schemas.microsoft.com/office/drawing/2014/main" val="2073310780"/>
+                        </a:ext>
+                      </a:extLst>
+                    </a:gridCol>
+                    <a:gridCol w="727223">
+                      <a:extLst>
+                        <a:ext uri="{9D8B030D-6E8A-4147-A177-3AD203B41FA5}">
+                          <a16:colId xmlns:a16="http://schemas.microsoft.com/office/drawing/2014/main" val="119746058"/>
+                        </a:ext>
+                      </a:extLst>
+                    </a:gridCol>
+                    <a:gridCol w="1044703">
+                      <a:extLst>
+                        <a:ext uri="{9D8B030D-6E8A-4147-A177-3AD203B41FA5}">
+                          <a16:colId xmlns:a16="http://schemas.microsoft.com/office/drawing/2014/main" val="1665089160"/>
+                        </a:ext>
+                      </a:extLst>
+                    </a:gridCol>
+                  </a:tblGrid>
+                  <a:tr h="396987">
+                    <a:tc>
+                      <a:txBody>
+                        <a:bodyPr/>
+                        <a:lstStyle/>
+                        <a:p>
+                          <a14:m>
+                            <m:oMathPara xmlns:m="http://schemas.openxmlformats.org/officeDocument/2006/math">
+                              <m:oMathParaPr>
+                                <m:jc m:val="centerGroup"/>
+                              </m:oMathParaPr>
+                              <m:oMath xmlns:m="http://schemas.openxmlformats.org/officeDocument/2006/math">
+                                <m:r>
+                                  <a:rPr lang="en-US" sz="1400" b="1" i="1" smtClean="0">
+                                    <a:latin typeface="Cambria Math" panose="02040503050406030204" pitchFamily="18" charset="0"/>
+                                  </a:rPr>
+                                  <m:t>𝒊</m:t>
+                                </m:r>
+                              </m:oMath>
+                            </m:oMathPara>
+                          </a14:m>
+                          <a:endParaRPr lang="en-US" sz="1400" dirty="0"/>
+                        </a:p>
+                      </a:txBody>
+                      <a:tcPr marL="44103" marR="44103" marT="22052" marB="22052"/>
+                    </a:tc>
+                    <a:tc>
+                      <a:txBody>
+                        <a:bodyPr/>
+                        <a:lstStyle/>
+                        <a:p>
+                          <a14:m>
+                            <m:oMathPara xmlns:m="http://schemas.openxmlformats.org/officeDocument/2006/math">
+                              <m:oMathParaPr>
+                                <m:jc m:val="centerGroup"/>
+                              </m:oMathParaPr>
+                              <m:oMath xmlns:m="http://schemas.openxmlformats.org/officeDocument/2006/math">
+                                <m:sSub>
+                                  <m:sSubPr>
+                                    <m:ctrlPr>
+                                      <a:rPr lang="en-US" sz="1400" b="1" i="1" smtClean="0">
+                                        <a:latin typeface="Cambria Math" panose="02040503050406030204" pitchFamily="18" charset="0"/>
+                                      </a:rPr>
+                                    </m:ctrlPr>
+                                  </m:sSubPr>
+                                  <m:e>
+                                    <m:r>
+                                      <a:rPr lang="en-US" sz="1400" b="1" i="1" smtClean="0">
+                                        <a:latin typeface="Cambria Math" panose="02040503050406030204" pitchFamily="18" charset="0"/>
+                                      </a:rPr>
+                                      <m:t>𝜶</m:t>
+                                    </m:r>
+                                  </m:e>
+                                  <m:sub>
+                                    <m:r>
+                                      <a:rPr lang="en-US" sz="1400" b="1" i="1" smtClean="0">
+                                        <a:latin typeface="Cambria Math" panose="02040503050406030204" pitchFamily="18" charset="0"/>
+                                      </a:rPr>
+                                      <m:t>𝒊</m:t>
+                                    </m:r>
+                                    <m:r>
+                                      <a:rPr lang="en-US" sz="1400" b="1" i="1" smtClean="0">
+                                        <a:latin typeface="Cambria Math" panose="02040503050406030204" pitchFamily="18" charset="0"/>
+                                      </a:rPr>
+                                      <m:t>−</m:t>
+                                    </m:r>
+                                    <m:r>
+                                      <a:rPr lang="en-US" sz="1400" b="1" i="1" smtClean="0">
+                                        <a:latin typeface="Cambria Math" panose="02040503050406030204" pitchFamily="18" charset="0"/>
+                                      </a:rPr>
+                                      <m:t>𝟏</m:t>
+                                    </m:r>
+                                  </m:sub>
+                                </m:sSub>
+                              </m:oMath>
+                            </m:oMathPara>
+                          </a14:m>
+                          <a:endParaRPr lang="en-US" sz="1400" dirty="0"/>
+                        </a:p>
+                      </a:txBody>
+                      <a:tcPr marL="44103" marR="44103" marT="22052" marB="22052"/>
+                    </a:tc>
+                    <a:tc>
+                      <a:txBody>
+                        <a:bodyPr/>
+                        <a:lstStyle/>
+                        <a:p>
+                          <a14:m>
+                            <m:oMathPara xmlns:m="http://schemas.openxmlformats.org/officeDocument/2006/math">
+                              <m:oMathParaPr>
+                                <m:jc m:val="centerGroup"/>
+                              </m:oMathParaPr>
+                              <m:oMath xmlns:m="http://schemas.openxmlformats.org/officeDocument/2006/math">
+                                <m:sSub>
+                                  <m:sSubPr>
+                                    <m:ctrlPr>
+                                      <a:rPr lang="en-US" sz="1400" b="1" i="1" smtClean="0">
+                                        <a:latin typeface="Cambria Math" panose="02040503050406030204" pitchFamily="18" charset="0"/>
+                                      </a:rPr>
+                                    </m:ctrlPr>
+                                  </m:sSubPr>
+                                  <m:e>
+                                    <m:r>
+                                      <a:rPr lang="en-US" sz="1400" b="1" i="1" smtClean="0">
+                                        <a:latin typeface="Cambria Math" panose="02040503050406030204" pitchFamily="18" charset="0"/>
+                                      </a:rPr>
+                                      <m:t>𝒂</m:t>
+                                    </m:r>
+                                  </m:e>
+                                  <m:sub>
+                                    <m:r>
+                                      <a:rPr lang="en-US" sz="1400" b="1" i="1" smtClean="0">
+                                        <a:latin typeface="Cambria Math" panose="02040503050406030204" pitchFamily="18" charset="0"/>
+                                      </a:rPr>
+                                      <m:t>𝒊</m:t>
+                                    </m:r>
+                                    <m:r>
+                                      <a:rPr lang="en-US" sz="1400" b="1" i="1" smtClean="0">
+                                        <a:latin typeface="Cambria Math" panose="02040503050406030204" pitchFamily="18" charset="0"/>
+                                      </a:rPr>
+                                      <m:t>−</m:t>
+                                    </m:r>
+                                    <m:r>
+                                      <a:rPr lang="en-US" sz="1400" b="1" i="1" smtClean="0">
+                                        <a:latin typeface="Cambria Math" panose="02040503050406030204" pitchFamily="18" charset="0"/>
+                                      </a:rPr>
+                                      <m:t>𝟏</m:t>
+                                    </m:r>
+                                  </m:sub>
+                                </m:sSub>
+                              </m:oMath>
+                            </m:oMathPara>
+                          </a14:m>
+                          <a:endParaRPr lang="en-US" sz="1400" dirty="0"/>
+                        </a:p>
+                      </a:txBody>
+                      <a:tcPr marL="44103" marR="44103" marT="22052" marB="22052"/>
+                    </a:tc>
+                    <a:tc>
+                      <a:txBody>
+                        <a:bodyPr/>
+                        <a:lstStyle/>
+                        <a:p>
+                          <a14:m>
+                            <m:oMathPara xmlns:m="http://schemas.openxmlformats.org/officeDocument/2006/math">
+                              <m:oMathParaPr>
+                                <m:jc m:val="centerGroup"/>
+                              </m:oMathParaPr>
+                              <m:oMath xmlns:m="http://schemas.openxmlformats.org/officeDocument/2006/math">
+                                <m:sSub>
+                                  <m:sSubPr>
+                                    <m:ctrlPr>
+                                      <a:rPr lang="en-US" sz="1400" b="1" i="1" smtClean="0">
+                                        <a:latin typeface="Cambria Math" panose="02040503050406030204" pitchFamily="18" charset="0"/>
+                                      </a:rPr>
+                                    </m:ctrlPr>
+                                  </m:sSubPr>
+                                  <m:e>
+                                    <m:r>
+                                      <a:rPr lang="en-US" sz="1400" b="1" i="1" smtClean="0">
+                                        <a:latin typeface="Cambria Math" panose="02040503050406030204" pitchFamily="18" charset="0"/>
+                                      </a:rPr>
+                                      <m:t>𝒅</m:t>
+                                    </m:r>
+                                  </m:e>
+                                  <m:sub>
+                                    <m:r>
+                                      <a:rPr lang="en-US" sz="1400" b="1" i="1" smtClean="0">
+                                        <a:latin typeface="Cambria Math" panose="02040503050406030204" pitchFamily="18" charset="0"/>
+                                      </a:rPr>
+                                      <m:t>𝒊</m:t>
+                                    </m:r>
+                                  </m:sub>
+                                </m:sSub>
+                              </m:oMath>
+                            </m:oMathPara>
+                          </a14:m>
+                          <a:endParaRPr lang="en-US" sz="1400" dirty="0"/>
+                        </a:p>
+                      </a:txBody>
+                      <a:tcPr marL="44103" marR="44103" marT="22052" marB="22052"/>
+                    </a:tc>
+                    <a:tc>
+                      <a:txBody>
+                        <a:bodyPr/>
+                        <a:lstStyle/>
+                        <a:p>
+                          <a14:m>
+                            <m:oMathPara xmlns:m="http://schemas.openxmlformats.org/officeDocument/2006/math">
+                              <m:oMathParaPr>
+                                <m:jc m:val="centerGroup"/>
+                              </m:oMathParaPr>
+                              <m:oMath xmlns:m="http://schemas.openxmlformats.org/officeDocument/2006/math">
+                                <m:sSub>
+                                  <m:sSubPr>
+                                    <m:ctrlPr>
+                                      <a:rPr lang="en-US" sz="1400" b="1" i="1" smtClean="0">
+                                        <a:latin typeface="Cambria Math" panose="02040503050406030204" pitchFamily="18" charset="0"/>
+                                      </a:rPr>
+                                    </m:ctrlPr>
+                                  </m:sSubPr>
+                                  <m:e>
+                                    <m:r>
+                                      <a:rPr lang="en-US" sz="1400" b="1" i="1" smtClean="0">
+                                        <a:latin typeface="Cambria Math" panose="02040503050406030204" pitchFamily="18" charset="0"/>
+                                      </a:rPr>
+                                      <m:t>𝜽</m:t>
+                                    </m:r>
+                                  </m:e>
+                                  <m:sub>
+                                    <m:r>
+                                      <a:rPr lang="en-US" sz="1400" b="1" i="1" smtClean="0">
+                                        <a:latin typeface="Cambria Math" panose="02040503050406030204" pitchFamily="18" charset="0"/>
+                                      </a:rPr>
+                                      <m:t>𝒊</m:t>
+                                    </m:r>
+                                  </m:sub>
+                                </m:sSub>
+                              </m:oMath>
+                            </m:oMathPara>
+                          </a14:m>
+                          <a:endParaRPr lang="en-US" sz="1400" dirty="0"/>
+                        </a:p>
+                      </a:txBody>
+                      <a:tcPr marL="44103" marR="44103" marT="22052" marB="22052"/>
+                    </a:tc>
+                    <a:extLst>
+                      <a:ext uri="{0D108BD9-81ED-4DB2-BD59-A6C34878D82A}">
+                        <a16:rowId xmlns:a16="http://schemas.microsoft.com/office/drawing/2014/main" val="1724836590"/>
+                      </a:ext>
+                    </a:extLst>
+                  </a:tr>
+                  <a:tr h="396987">
+                    <a:tc>
+                      <a:txBody>
+                        <a:bodyPr/>
+                        <a:lstStyle/>
+                        <a:p>
+                          <a14:m>
+                            <m:oMathPara xmlns:m="http://schemas.openxmlformats.org/officeDocument/2006/math">
+                              <m:oMathParaPr>
+                                <m:jc m:val="centerGroup"/>
+                              </m:oMathParaPr>
+                              <m:oMath xmlns:m="http://schemas.openxmlformats.org/officeDocument/2006/math">
+                                <m:r>
+                                  <a:rPr lang="en-US" sz="1400" b="0" i="1" smtClean="0">
+                                    <a:latin typeface="Cambria Math" panose="02040503050406030204" pitchFamily="18" charset="0"/>
+                                  </a:rPr>
+                                  <m:t>1</m:t>
+                                </m:r>
+                              </m:oMath>
+                            </m:oMathPara>
+                          </a14:m>
+                          <a:endParaRPr lang="en-US" sz="1400" dirty="0"/>
+                        </a:p>
+                      </a:txBody>
+                      <a:tcPr marL="44103" marR="44103" marT="22052" marB="22052"/>
+                    </a:tc>
+                    <a:tc>
+                      <a:txBody>
+                        <a:bodyPr/>
+                        <a:lstStyle/>
+                        <a:p>
+                          <a14:m>
+                            <m:oMathPara xmlns:m="http://schemas.openxmlformats.org/officeDocument/2006/math">
+                              <m:oMathParaPr>
+                                <m:jc m:val="centerGroup"/>
+                              </m:oMathParaPr>
+                              <m:oMath xmlns:m="http://schemas.openxmlformats.org/officeDocument/2006/math">
+                                <m:r>
+                                  <a:rPr lang="en-US" sz="1400" b="0" i="1" smtClean="0">
+                                    <a:latin typeface="Cambria Math" panose="02040503050406030204" pitchFamily="18" charset="0"/>
+                                  </a:rPr>
+                                  <m:t>90</m:t>
+                                </m:r>
+                                <m:r>
+                                  <a:rPr lang="en-US" sz="1400" b="0" i="1" smtClean="0">
+                                    <a:latin typeface="Cambria Math" panose="02040503050406030204" pitchFamily="18" charset="0"/>
+                                    <a:ea typeface="Cambria Math" panose="02040503050406030204" pitchFamily="18" charset="0"/>
+                                  </a:rPr>
+                                  <m:t>°</m:t>
+                                </m:r>
+                              </m:oMath>
+                            </m:oMathPara>
+                          </a14:m>
+                          <a:endParaRPr lang="en-US" sz="1400" dirty="0"/>
+                        </a:p>
+                      </a:txBody>
+                      <a:tcPr marL="44103" marR="44103" marT="22052" marB="22052"/>
+                    </a:tc>
+                    <a:tc>
+                      <a:txBody>
+                        <a:bodyPr/>
+                        <a:lstStyle/>
+                        <a:p>
+                          <a14:m>
+                            <m:oMathPara xmlns:m="http://schemas.openxmlformats.org/officeDocument/2006/math">
+                              <m:oMathParaPr>
+                                <m:jc m:val="centerGroup"/>
+                              </m:oMathParaPr>
+                              <m:oMath xmlns:m="http://schemas.openxmlformats.org/officeDocument/2006/math">
+                                <m:r>
+                                  <a:rPr lang="en-US" sz="1400" b="0" i="1" smtClean="0">
+                                    <a:latin typeface="Cambria Math" panose="02040503050406030204" pitchFamily="18" charset="0"/>
+                                  </a:rPr>
+                                  <m:t>0</m:t>
+                                </m:r>
+                              </m:oMath>
+                            </m:oMathPara>
+                          </a14:m>
+                          <a:endParaRPr lang="en-US" sz="1400" dirty="0"/>
+                        </a:p>
+                      </a:txBody>
+                      <a:tcPr marL="44103" marR="44103" marT="22052" marB="22052"/>
+                    </a:tc>
+                    <a:tc>
+                      <a:txBody>
+                        <a:bodyPr/>
+                        <a:lstStyle/>
+                        <a:p>
+                          <a14:m>
+                            <m:oMathPara xmlns:m="http://schemas.openxmlformats.org/officeDocument/2006/math">
+                              <m:oMathParaPr>
+                                <m:jc m:val="centerGroup"/>
+                              </m:oMathParaPr>
+                              <m:oMath xmlns:m="http://schemas.openxmlformats.org/officeDocument/2006/math">
+                                <m:r>
+                                  <a:rPr lang="en-US" sz="1400" b="0" i="1" smtClean="0">
+                                    <a:latin typeface="Cambria Math" panose="02040503050406030204" pitchFamily="18" charset="0"/>
+                                  </a:rPr>
+                                  <m:t>0</m:t>
+                                </m:r>
+                              </m:oMath>
+                            </m:oMathPara>
+                          </a14:m>
+                          <a:endParaRPr lang="en-US" sz="1400" dirty="0"/>
+                        </a:p>
+                      </a:txBody>
+                      <a:tcPr marL="44103" marR="44103" marT="22052" marB="22052"/>
+                    </a:tc>
+                    <a:tc>
+                      <a:txBody>
+                        <a:bodyPr/>
+                        <a:lstStyle/>
+                        <a:p>
+                          <a14:m>
+                            <m:oMathPara xmlns:m="http://schemas.openxmlformats.org/officeDocument/2006/math">
+                              <m:oMathParaPr>
+                                <m:jc m:val="centerGroup"/>
+                              </m:oMathParaPr>
+                              <m:oMath xmlns:m="http://schemas.openxmlformats.org/officeDocument/2006/math">
+                                <m:sSub>
+                                  <m:sSubPr>
+                                    <m:ctrlPr>
+                                      <a:rPr lang="en-US" sz="1400" b="0" i="1" smtClean="0">
+                                        <a:latin typeface="Cambria Math" panose="02040503050406030204" pitchFamily="18" charset="0"/>
+                                      </a:rPr>
+                                    </m:ctrlPr>
+                                  </m:sSubPr>
+                                  <m:e>
+                                    <m:r>
+                                      <a:rPr lang="en-US" sz="1400" b="0" i="1" smtClean="0">
+                                        <a:latin typeface="Cambria Math" panose="02040503050406030204" pitchFamily="18" charset="0"/>
+                                      </a:rPr>
+                                      <m:t>𝜃</m:t>
+                                    </m:r>
+                                  </m:e>
+                                  <m:sub>
+                                    <m:r>
+                                      <a:rPr lang="en-US" sz="1400" b="0" i="1" smtClean="0">
+                                        <a:latin typeface="Cambria Math" panose="02040503050406030204" pitchFamily="18" charset="0"/>
+                                      </a:rPr>
+                                      <m:t>1</m:t>
+                                    </m:r>
+                                  </m:sub>
+                                </m:sSub>
+                              </m:oMath>
+                            </m:oMathPara>
+                          </a14:m>
+                          <a:endParaRPr lang="en-US" sz="1400" dirty="0"/>
+                        </a:p>
+                      </a:txBody>
+                      <a:tcPr marL="44103" marR="44103" marT="22052" marB="22052"/>
+                    </a:tc>
+                    <a:extLst>
+                      <a:ext uri="{0D108BD9-81ED-4DB2-BD59-A6C34878D82A}">
+                        <a16:rowId xmlns:a16="http://schemas.microsoft.com/office/drawing/2014/main" val="2537356488"/>
+                      </a:ext>
+                    </a:extLst>
+                  </a:tr>
+                  <a:tr h="396987">
+                    <a:tc>
+                      <a:txBody>
+                        <a:bodyPr/>
+                        <a:lstStyle/>
+                        <a:p>
+                          <a14:m>
+                            <m:oMathPara xmlns:m="http://schemas.openxmlformats.org/officeDocument/2006/math">
+                              <m:oMathParaPr>
+                                <m:jc m:val="centerGroup"/>
+                              </m:oMathParaPr>
+                              <m:oMath xmlns:m="http://schemas.openxmlformats.org/officeDocument/2006/math">
+                                <m:r>
+                                  <a:rPr lang="en-US" sz="1400" b="0" i="1" smtClean="0">
+                                    <a:latin typeface="Cambria Math" panose="02040503050406030204" pitchFamily="18" charset="0"/>
+                                  </a:rPr>
+                                  <m:t>2</m:t>
+                                </m:r>
+                              </m:oMath>
+                            </m:oMathPara>
+                          </a14:m>
+                          <a:endParaRPr lang="en-US" sz="1400" dirty="0"/>
+                        </a:p>
+                      </a:txBody>
+                      <a:tcPr marL="44103" marR="44103" marT="22052" marB="22052"/>
+                    </a:tc>
+                    <a:tc>
+                      <a:txBody>
+                        <a:bodyPr/>
+                        <a:lstStyle/>
+                        <a:p>
+                          <a14:m>
+                            <m:oMathPara xmlns:m="http://schemas.openxmlformats.org/officeDocument/2006/math">
+                              <m:oMathParaPr>
+                                <m:jc m:val="centerGroup"/>
+                              </m:oMathParaPr>
+                              <m:oMath xmlns:m="http://schemas.openxmlformats.org/officeDocument/2006/math">
+                                <m:r>
+                                  <a:rPr lang="en-US" sz="1400" b="0" i="1" smtClean="0">
+                                    <a:latin typeface="Cambria Math" panose="02040503050406030204" pitchFamily="18" charset="0"/>
+                                  </a:rPr>
+                                  <m:t>0</m:t>
+                                </m:r>
+                              </m:oMath>
+                            </m:oMathPara>
+                          </a14:m>
+                          <a:endParaRPr lang="en-US" sz="1400" dirty="0"/>
+                        </a:p>
+                      </a:txBody>
+                      <a:tcPr marL="44103" marR="44103" marT="22052" marB="22052"/>
+                    </a:tc>
+                    <a:tc>
+                      <a:txBody>
+                        <a:bodyPr/>
+                        <a:lstStyle/>
+                        <a:p>
+                          <a14:m>
+                            <m:oMathPara xmlns:m="http://schemas.openxmlformats.org/officeDocument/2006/math">
+                              <m:oMathParaPr>
+                                <m:jc m:val="centerGroup"/>
+                              </m:oMathParaPr>
+                              <m:oMath xmlns:m="http://schemas.openxmlformats.org/officeDocument/2006/math">
+                                <m:r>
+                                  <a:rPr lang="en-US" sz="1400" b="0" i="1" smtClean="0">
+                                    <a:latin typeface="Cambria Math" panose="02040503050406030204" pitchFamily="18" charset="0"/>
+                                  </a:rPr>
+                                  <m:t>𝑎</m:t>
+                                </m:r>
+                              </m:oMath>
+                            </m:oMathPara>
+                          </a14:m>
+                          <a:endParaRPr lang="en-US" sz="1400" dirty="0"/>
+                        </a:p>
+                      </a:txBody>
+                      <a:tcPr marL="44103" marR="44103" marT="22052" marB="22052"/>
+                    </a:tc>
+                    <a:tc>
+                      <a:txBody>
+                        <a:bodyPr/>
+                        <a:lstStyle/>
+                        <a:p>
+                          <a14:m>
+                            <m:oMathPara xmlns:m="http://schemas.openxmlformats.org/officeDocument/2006/math">
+                              <m:oMathParaPr>
+                                <m:jc m:val="centerGroup"/>
+                              </m:oMathParaPr>
+                              <m:oMath xmlns:m="http://schemas.openxmlformats.org/officeDocument/2006/math">
+                                <m:r>
+                                  <a:rPr lang="en-US" sz="1400" b="0" i="1" smtClean="0">
+                                    <a:latin typeface="Cambria Math" panose="02040503050406030204" pitchFamily="18" charset="0"/>
+                                  </a:rPr>
+                                  <m:t>0</m:t>
+                                </m:r>
+                              </m:oMath>
+                            </m:oMathPara>
+                          </a14:m>
+                          <a:endParaRPr lang="en-US" sz="1400" dirty="0"/>
+                        </a:p>
+                      </a:txBody>
+                      <a:tcPr marL="44103" marR="44103" marT="22052" marB="22052"/>
+                    </a:tc>
+                    <a:tc>
+                      <a:txBody>
+                        <a:bodyPr/>
+                        <a:lstStyle/>
+                        <a:p>
+                          <a14:m>
+                            <m:oMathPara xmlns:m="http://schemas.openxmlformats.org/officeDocument/2006/math">
+                              <m:oMathParaPr>
+                                <m:jc m:val="centerGroup"/>
+                              </m:oMathParaPr>
+                              <m:oMath xmlns:m="http://schemas.openxmlformats.org/officeDocument/2006/math">
+                                <m:sSub>
+                                  <m:sSubPr>
+                                    <m:ctrlPr>
+                                      <a:rPr lang="en-US" sz="1400" b="0" i="1" smtClean="0">
+                                        <a:latin typeface="Cambria Math" panose="02040503050406030204" pitchFamily="18" charset="0"/>
+                                      </a:rPr>
+                                    </m:ctrlPr>
+                                  </m:sSubPr>
+                                  <m:e>
+                                    <m:sSub>
+                                      <m:sSubPr>
+                                        <m:ctrlPr>
+                                          <a:rPr lang="en-US" sz="1400" b="0" i="1" smtClean="0">
+                                            <a:latin typeface="Cambria Math" panose="02040503050406030204" pitchFamily="18" charset="0"/>
+                                          </a:rPr>
+                                        </m:ctrlPr>
+                                      </m:sSubPr>
+                                      <m:e>
+                                        <m:r>
+                                          <a:rPr lang="en-US" sz="1400" b="0" i="1" smtClean="0">
+                                            <a:latin typeface="Cambria Math" panose="02040503050406030204" pitchFamily="18" charset="0"/>
+                                          </a:rPr>
+                                          <m:t>𝜃</m:t>
+                                        </m:r>
+                                      </m:e>
+                                      <m:sub>
+                                        <m:r>
+                                          <a:rPr lang="en-US" sz="1400" b="0" i="1" smtClean="0">
+                                            <a:latin typeface="Cambria Math" panose="02040503050406030204" pitchFamily="18" charset="0"/>
+                                          </a:rPr>
+                                          <m:t>2</m:t>
+                                        </m:r>
+                                      </m:sub>
+                                    </m:sSub>
+                                    <m:r>
+                                      <a:rPr lang="en-US" sz="1400" b="0" i="1" smtClean="0">
+                                        <a:latin typeface="Cambria Math" panose="02040503050406030204" pitchFamily="18" charset="0"/>
+                                      </a:rPr>
+                                      <m:t>−</m:t>
+                                    </m:r>
+                                    <m:r>
+                                      <a:rPr lang="en-US" sz="1400" b="0" i="1" smtClean="0">
+                                        <a:latin typeface="Cambria Math" panose="02040503050406030204" pitchFamily="18" charset="0"/>
+                                      </a:rPr>
+                                      <m:t>𝜃</m:t>
+                                    </m:r>
+                                  </m:e>
+                                  <m:sub>
+                                    <m:r>
+                                      <a:rPr lang="en-US" sz="1400" b="0" i="1" smtClean="0">
+                                        <a:latin typeface="Cambria Math" panose="02040503050406030204" pitchFamily="18" charset="0"/>
+                                      </a:rPr>
+                                      <m:t>1</m:t>
+                                    </m:r>
+                                  </m:sub>
+                                </m:sSub>
+                              </m:oMath>
+                            </m:oMathPara>
+                          </a14:m>
+                          <a:endParaRPr lang="en-US" sz="1400" dirty="0"/>
+                        </a:p>
+                      </a:txBody>
+                      <a:tcPr marL="44103" marR="44103" marT="22052" marB="22052"/>
+                    </a:tc>
+                    <a:extLst>
+                      <a:ext uri="{0D108BD9-81ED-4DB2-BD59-A6C34878D82A}">
+                        <a16:rowId xmlns:a16="http://schemas.microsoft.com/office/drawing/2014/main" val="787820339"/>
+                      </a:ext>
+                    </a:extLst>
+                  </a:tr>
+                  <a:tr h="490803">
+                    <a:tc>
+                      <a:txBody>
+                        <a:bodyPr/>
+                        <a:lstStyle/>
+                        <a:p>
+                          <a14:m>
+                            <m:oMathPara xmlns:m="http://schemas.openxmlformats.org/officeDocument/2006/math">
+                              <m:oMathParaPr>
+                                <m:jc m:val="centerGroup"/>
+                              </m:oMathParaPr>
+                              <m:oMath xmlns:m="http://schemas.openxmlformats.org/officeDocument/2006/math">
+                                <m:r>
+                                  <a:rPr lang="en-US" sz="1400" b="0" i="1" smtClean="0">
+                                    <a:latin typeface="Cambria Math" panose="02040503050406030204" pitchFamily="18" charset="0"/>
+                                  </a:rPr>
+                                  <m:t>3</m:t>
+                                </m:r>
+                              </m:oMath>
+                            </m:oMathPara>
+                          </a14:m>
+                          <a:endParaRPr lang="en-US" sz="1400" dirty="0"/>
+                        </a:p>
+                      </a:txBody>
+                      <a:tcPr marL="44103" marR="44103" marT="22052" marB="22052"/>
+                    </a:tc>
+                    <a:tc>
+                      <a:txBody>
+                        <a:bodyPr/>
+                        <a:lstStyle/>
+                        <a:p>
+                          <a14:m>
+                            <m:oMathPara xmlns:m="http://schemas.openxmlformats.org/officeDocument/2006/math">
+                              <m:oMathParaPr>
+                                <m:jc m:val="centerGroup"/>
+                              </m:oMathParaPr>
+                              <m:oMath xmlns:m="http://schemas.openxmlformats.org/officeDocument/2006/math">
+                                <m:r>
+                                  <a:rPr lang="en-US" sz="1400" b="0" i="1" smtClean="0">
+                                    <a:latin typeface="Cambria Math" panose="02040503050406030204" pitchFamily="18" charset="0"/>
+                                  </a:rPr>
+                                  <m:t>90</m:t>
+                                </m:r>
+                                <m:r>
+                                  <a:rPr lang="en-US" sz="1400" b="0" i="1" smtClean="0">
+                                    <a:latin typeface="Cambria Math" panose="02040503050406030204" pitchFamily="18" charset="0"/>
+                                    <a:ea typeface="Cambria Math" panose="02040503050406030204" pitchFamily="18" charset="0"/>
+                                  </a:rPr>
+                                  <m:t>°</m:t>
+                                </m:r>
+                              </m:oMath>
+                            </m:oMathPara>
+                          </a14:m>
+                          <a:endParaRPr lang="en-US" sz="1400" dirty="0"/>
+                        </a:p>
+                      </a:txBody>
+                      <a:tcPr marL="44103" marR="44103" marT="22052" marB="22052"/>
+                    </a:tc>
+                    <a:tc>
+                      <a:txBody>
+                        <a:bodyPr/>
+                        <a:lstStyle/>
+                        <a:p>
+                          <a14:m>
+                            <m:oMathPara xmlns:m="http://schemas.openxmlformats.org/officeDocument/2006/math">
+                              <m:oMathParaPr>
+                                <m:jc m:val="centerGroup"/>
+                              </m:oMathParaPr>
+                              <m:oMath xmlns:m="http://schemas.openxmlformats.org/officeDocument/2006/math">
+                                <m:r>
+                                  <a:rPr lang="en-US" sz="1400" b="0" i="1" smtClean="0">
+                                    <a:latin typeface="Cambria Math" panose="02040503050406030204" pitchFamily="18" charset="0"/>
+                                  </a:rPr>
+                                  <m:t>𝑒</m:t>
+                                </m:r>
+                              </m:oMath>
+                            </m:oMathPara>
+                          </a14:m>
+                          <a:endParaRPr lang="en-US" sz="1400" dirty="0"/>
+                        </a:p>
+                      </a:txBody>
+                      <a:tcPr marL="44103" marR="44103" marT="22052" marB="22052"/>
+                    </a:tc>
+                    <a:tc>
+                      <a:txBody>
+                        <a:bodyPr/>
+                        <a:lstStyle/>
+                        <a:p>
+                          <a14:m>
+                            <m:oMathPara xmlns:m="http://schemas.openxmlformats.org/officeDocument/2006/math">
+                              <m:oMathParaPr>
+                                <m:jc m:val="centerGroup"/>
+                              </m:oMathParaPr>
+                              <m:oMath xmlns:m="http://schemas.openxmlformats.org/officeDocument/2006/math">
+                                <m:r>
+                                  <a:rPr lang="en-US" sz="1400" b="0" i="1" smtClean="0">
+                                    <a:latin typeface="Cambria Math" panose="02040503050406030204" pitchFamily="18" charset="0"/>
+                                  </a:rPr>
+                                  <m:t>0</m:t>
+                                </m:r>
+                              </m:oMath>
+                            </m:oMathPara>
+                          </a14:m>
+                          <a:endParaRPr lang="en-US" sz="1400" dirty="0"/>
+                        </a:p>
+                      </a:txBody>
+                      <a:tcPr marL="44103" marR="44103" marT="22052" marB="22052"/>
+                    </a:tc>
+                    <a:tc>
+                      <a:txBody>
+                        <a:bodyPr/>
+                        <a:lstStyle/>
+                        <a:p>
+                          <a14:m>
+                            <m:oMathPara xmlns:m="http://schemas.openxmlformats.org/officeDocument/2006/math">
+                              <m:oMathParaPr>
+                                <m:jc m:val="centerGroup"/>
+                              </m:oMathParaPr>
+                              <m:oMath xmlns:m="http://schemas.openxmlformats.org/officeDocument/2006/math">
+                                <m:r>
+                                  <a:rPr lang="en-US" sz="1400" b="0" i="1" smtClean="0">
+                                    <a:latin typeface="Cambria Math" panose="02040503050406030204" pitchFamily="18" charset="0"/>
+                                  </a:rPr>
+                                  <m:t>−90</m:t>
+                                </m:r>
+                                <m:r>
+                                  <a:rPr lang="en-US" sz="1400" b="0" i="1" smtClean="0">
+                                    <a:latin typeface="Cambria Math" panose="02040503050406030204" pitchFamily="18" charset="0"/>
+                                    <a:ea typeface="Cambria Math" panose="02040503050406030204" pitchFamily="18" charset="0"/>
+                                  </a:rPr>
+                                  <m:t>°+</m:t>
+                                </m:r>
+                                <m:sSub>
+                                  <m:sSubPr>
+                                    <m:ctrlPr>
+                                      <a:rPr lang="en-US" sz="1400" b="0" i="1" smtClean="0">
+                                        <a:latin typeface="Cambria Math" panose="02040503050406030204" pitchFamily="18" charset="0"/>
+                                      </a:rPr>
+                                    </m:ctrlPr>
+                                  </m:sSubPr>
+                                  <m:e>
+                                    <m:r>
+                                      <a:rPr lang="en-US" sz="1400" b="0" i="1" smtClean="0">
+                                        <a:latin typeface="Cambria Math" panose="02040503050406030204" pitchFamily="18" charset="0"/>
+                                      </a:rPr>
+                                      <m:t>𝜃</m:t>
+                                    </m:r>
+                                  </m:e>
+                                  <m:sub>
+                                    <m:r>
+                                      <a:rPr lang="en-US" sz="1400" b="0" i="1" smtClean="0">
+                                        <a:latin typeface="Cambria Math" panose="02040503050406030204" pitchFamily="18" charset="0"/>
+                                      </a:rPr>
+                                      <m:t>3</m:t>
+                                    </m:r>
+                                  </m:sub>
+                                </m:sSub>
+                              </m:oMath>
+                            </m:oMathPara>
+                          </a14:m>
+                          <a:endParaRPr lang="en-US" sz="1400" dirty="0"/>
+                        </a:p>
+                      </a:txBody>
+                      <a:tcPr marL="44103" marR="44103" marT="22052" marB="22052"/>
+                    </a:tc>
+                    <a:extLst>
+                      <a:ext uri="{0D108BD9-81ED-4DB2-BD59-A6C34878D82A}">
+                        <a16:rowId xmlns:a16="http://schemas.microsoft.com/office/drawing/2014/main" val="2605245126"/>
+                      </a:ext>
+                    </a:extLst>
+                  </a:tr>
+                  <a:tr h="396987">
+                    <a:tc>
+                      <a:txBody>
+                        <a:bodyPr/>
+                        <a:lstStyle/>
+                        <a:p>
+                          <a14:m>
+                            <m:oMathPara xmlns:m="http://schemas.openxmlformats.org/officeDocument/2006/math">
+                              <m:oMathParaPr>
+                                <m:jc m:val="centerGroup"/>
+                              </m:oMathParaPr>
+                              <m:oMath xmlns:m="http://schemas.openxmlformats.org/officeDocument/2006/math">
+                                <m:r>
+                                  <a:rPr lang="en-US" sz="1400" b="0" i="1" smtClean="0">
+                                    <a:latin typeface="Cambria Math" panose="02040503050406030204" pitchFamily="18" charset="0"/>
+                                  </a:rPr>
+                                  <m:t>4</m:t>
+                                </m:r>
+                              </m:oMath>
+                            </m:oMathPara>
+                          </a14:m>
+                          <a:endParaRPr lang="en-US" sz="1400" dirty="0"/>
+                        </a:p>
+                      </a:txBody>
+                      <a:tcPr marL="44103" marR="44103" marT="22052" marB="22052"/>
+                    </a:tc>
+                    <a:tc>
+                      <a:txBody>
+                        <a:bodyPr/>
+                        <a:lstStyle/>
+                        <a:p>
+                          <a14:m>
+                            <m:oMathPara xmlns:m="http://schemas.openxmlformats.org/officeDocument/2006/math">
+                              <m:oMathParaPr>
+                                <m:jc m:val="centerGroup"/>
+                              </m:oMathParaPr>
+                              <m:oMath xmlns:m="http://schemas.openxmlformats.org/officeDocument/2006/math">
+                                <m:r>
+                                  <a:rPr lang="en-US" sz="1400" b="0" i="1" smtClean="0">
+                                    <a:latin typeface="Cambria Math" panose="02040503050406030204" pitchFamily="18" charset="0"/>
+                                  </a:rPr>
+                                  <m:t>0</m:t>
+                                </m:r>
+                              </m:oMath>
+                            </m:oMathPara>
+                          </a14:m>
+                          <a:endParaRPr lang="en-US" sz="1400" dirty="0"/>
+                        </a:p>
+                      </a:txBody>
+                      <a:tcPr marL="44103" marR="44103" marT="22052" marB="22052"/>
+                    </a:tc>
+                    <a:tc>
+                      <a:txBody>
+                        <a:bodyPr/>
+                        <a:lstStyle/>
+                        <a:p>
+                          <a14:m>
+                            <m:oMathPara xmlns:m="http://schemas.openxmlformats.org/officeDocument/2006/math">
+                              <m:oMathParaPr>
+                                <m:jc m:val="centerGroup"/>
+                              </m:oMathParaPr>
+                              <m:oMath xmlns:m="http://schemas.openxmlformats.org/officeDocument/2006/math">
+                                <m:r>
+                                  <a:rPr lang="en-US" sz="1400" b="0" i="1" smtClean="0">
+                                    <a:latin typeface="Cambria Math" panose="02040503050406030204" pitchFamily="18" charset="0"/>
+                                  </a:rPr>
+                                  <m:t>𝑏</m:t>
+                                </m:r>
+                              </m:oMath>
+                            </m:oMathPara>
+                          </a14:m>
+                          <a:endParaRPr lang="en-US" sz="1400" dirty="0"/>
+                        </a:p>
+                      </a:txBody>
+                      <a:tcPr marL="44103" marR="44103" marT="22052" marB="22052"/>
+                    </a:tc>
+                    <a:tc>
+                      <a:txBody>
+                        <a:bodyPr/>
+                        <a:lstStyle/>
+                        <a:p>
+                          <a14:m>
+                            <m:oMathPara xmlns:m="http://schemas.openxmlformats.org/officeDocument/2006/math">
+                              <m:oMathParaPr>
+                                <m:jc m:val="centerGroup"/>
+                              </m:oMathParaPr>
+                              <m:oMath xmlns:m="http://schemas.openxmlformats.org/officeDocument/2006/math">
+                                <m:r>
+                                  <a:rPr lang="en-US" sz="1400" b="0" i="1" smtClean="0">
+                                    <a:latin typeface="Cambria Math" panose="02040503050406030204" pitchFamily="18" charset="0"/>
+                                  </a:rPr>
+                                  <m:t>0</m:t>
+                                </m:r>
+                              </m:oMath>
+                            </m:oMathPara>
+                          </a14:m>
+                          <a:endParaRPr lang="en-US" sz="1400" dirty="0"/>
+                        </a:p>
+                      </a:txBody>
+                      <a:tcPr marL="44103" marR="44103" marT="22052" marB="22052"/>
+                    </a:tc>
+                    <a:tc>
+                      <a:txBody>
+                        <a:bodyPr/>
+                        <a:lstStyle/>
+                        <a:p>
+                          <a:pPr marL="0" marR="0" lvl="0" indent="0" algn="l" defTabSz="1554480" rtl="0" eaLnBrk="1" fontAlgn="auto" latinLnBrk="0" hangingPunct="1">
+                            <a:lnSpc>
+                              <a:spcPct val="100000"/>
+                            </a:lnSpc>
+                            <a:spcBef>
+                              <a:spcPts val="0"/>
+                            </a:spcBef>
+                            <a:spcAft>
+                              <a:spcPts val="0"/>
+                            </a:spcAft>
+                            <a:buClrTx/>
+                            <a:buSzTx/>
+                            <a:buFontTx/>
+                            <a:buNone/>
+                            <a:tabLst/>
+                            <a:defRPr/>
+                          </a:pPr>
+                          <a14:m>
+                            <m:oMathPara xmlns:m="http://schemas.openxmlformats.org/officeDocument/2006/math">
+                              <m:oMathParaPr>
+                                <m:jc m:val="centerGroup"/>
+                              </m:oMathParaPr>
+                              <m:oMath xmlns:m="http://schemas.openxmlformats.org/officeDocument/2006/math">
+                                <m:r>
+                                  <a:rPr lang="en-US" sz="1400" b="0" i="1" smtClean="0">
+                                    <a:latin typeface="Cambria Math" panose="02040503050406030204" pitchFamily="18" charset="0"/>
+                                  </a:rPr>
+                                  <m:t>90</m:t>
+                                </m:r>
+                                <m:r>
+                                  <a:rPr lang="en-US" sz="1400" b="0" i="1" smtClean="0">
+                                    <a:latin typeface="Cambria Math" panose="02040503050406030204" pitchFamily="18" charset="0"/>
+                                    <a:ea typeface="Cambria Math" panose="02040503050406030204" pitchFamily="18" charset="0"/>
+                                  </a:rPr>
+                                  <m:t>°</m:t>
+                                </m:r>
+                                <m:r>
+                                  <a:rPr lang="en-US" sz="1400" b="0" i="1" smtClean="0">
+                                    <a:latin typeface="Cambria Math" panose="02040503050406030204" pitchFamily="18" charset="0"/>
+                                    <a:ea typeface="Cambria Math" panose="02040503050406030204" pitchFamily="18" charset="0"/>
+                                  </a:rPr>
+                                  <m:t>−</m:t>
+                                </m:r>
+                                <m:sSub>
+                                  <m:sSubPr>
+                                    <m:ctrlPr>
+                                      <a:rPr lang="en-US" sz="1400" b="0" i="1" smtClean="0">
+                                        <a:latin typeface="Cambria Math" panose="02040503050406030204" pitchFamily="18" charset="0"/>
+                                      </a:rPr>
+                                    </m:ctrlPr>
+                                  </m:sSubPr>
+                                  <m:e>
+                                    <m:r>
+                                      <a:rPr lang="en-US" sz="1400" b="0" i="1" smtClean="0">
+                                        <a:latin typeface="Cambria Math" panose="02040503050406030204" pitchFamily="18" charset="0"/>
+                                      </a:rPr>
+                                      <m:t>𝜃</m:t>
+                                    </m:r>
+                                  </m:e>
+                                  <m:sub>
+                                    <m:r>
+                                      <a:rPr lang="en-US" sz="1400" b="0" i="1" smtClean="0">
+                                        <a:latin typeface="Cambria Math" panose="02040503050406030204" pitchFamily="18" charset="0"/>
+                                      </a:rPr>
+                                      <m:t>3</m:t>
+                                    </m:r>
+                                  </m:sub>
+                                </m:sSub>
+                              </m:oMath>
+                            </m:oMathPara>
+                          </a14:m>
+                          <a:endParaRPr lang="en-US" sz="1400" dirty="0"/>
+                        </a:p>
+                      </a:txBody>
+                      <a:tcPr marL="44103" marR="44103" marT="22052" marB="22052"/>
+                    </a:tc>
+                    <a:extLst>
+                      <a:ext uri="{0D108BD9-81ED-4DB2-BD59-A6C34878D82A}">
+                        <a16:rowId xmlns:a16="http://schemas.microsoft.com/office/drawing/2014/main" val="2563551918"/>
+                      </a:ext>
+                    </a:extLst>
+                  </a:tr>
+                  <a:tr h="396987">
+                    <a:tc>
+                      <a:txBody>
+                        <a:bodyPr/>
+                        <a:lstStyle/>
+                        <a:p>
+                          <a14:m>
+                            <m:oMathPara xmlns:m="http://schemas.openxmlformats.org/officeDocument/2006/math">
+                              <m:oMathParaPr>
+                                <m:jc m:val="centerGroup"/>
+                              </m:oMathParaPr>
+                              <m:oMath xmlns:m="http://schemas.openxmlformats.org/officeDocument/2006/math">
+                                <m:r>
+                                  <a:rPr lang="en-US" sz="1400" b="0" i="1" smtClean="0">
+                                    <a:latin typeface="Cambria Math" panose="02040503050406030204" pitchFamily="18" charset="0"/>
+                                  </a:rPr>
+                                  <m:t>5</m:t>
+                                </m:r>
+                              </m:oMath>
+                            </m:oMathPara>
+                          </a14:m>
+                          <a:endParaRPr lang="en-US" sz="1400" dirty="0"/>
+                        </a:p>
+                      </a:txBody>
+                      <a:tcPr marL="44103" marR="44103" marT="22052" marB="22052"/>
+                    </a:tc>
+                    <a:tc>
+                      <a:txBody>
+                        <a:bodyPr/>
+                        <a:lstStyle/>
+                        <a:p>
+                          <a14:m>
+                            <m:oMathPara xmlns:m="http://schemas.openxmlformats.org/officeDocument/2006/math">
+                              <m:oMathParaPr>
+                                <m:jc m:val="centerGroup"/>
+                              </m:oMathParaPr>
+                              <m:oMath xmlns:m="http://schemas.openxmlformats.org/officeDocument/2006/math">
+                                <m:r>
+                                  <a:rPr lang="en-US" sz="1400" b="0" i="1" smtClean="0">
+                                    <a:latin typeface="Cambria Math" panose="02040503050406030204" pitchFamily="18" charset="0"/>
+                                  </a:rPr>
+                                  <m:t>−90</m:t>
+                                </m:r>
+                                <m:r>
+                                  <a:rPr lang="en-US" sz="1400" b="0" i="1" smtClean="0">
+                                    <a:latin typeface="Cambria Math" panose="02040503050406030204" pitchFamily="18" charset="0"/>
+                                    <a:ea typeface="Cambria Math" panose="02040503050406030204" pitchFamily="18" charset="0"/>
+                                  </a:rPr>
+                                  <m:t>°</m:t>
+                                </m:r>
+                              </m:oMath>
+                            </m:oMathPara>
+                          </a14:m>
+                          <a:endParaRPr lang="en-US" sz="1400" dirty="0"/>
+                        </a:p>
+                      </a:txBody>
+                      <a:tcPr marL="44103" marR="44103" marT="22052" marB="22052"/>
+                    </a:tc>
+                    <a:tc>
+                      <a:txBody>
+                        <a:bodyPr/>
+                        <a:lstStyle/>
+                        <a:p>
+                          <a14:m>
+                            <m:oMathPara xmlns:m="http://schemas.openxmlformats.org/officeDocument/2006/math">
+                              <m:oMathParaPr>
+                                <m:jc m:val="centerGroup"/>
+                              </m:oMathParaPr>
+                              <m:oMath xmlns:m="http://schemas.openxmlformats.org/officeDocument/2006/math">
+                                <m:r>
+                                  <a:rPr lang="en-US" sz="1400" b="0" i="1" smtClean="0">
+                                    <a:latin typeface="Cambria Math" panose="02040503050406030204" pitchFamily="18" charset="0"/>
+                                  </a:rPr>
+                                  <m:t>𝑑</m:t>
+                                </m:r>
+                              </m:oMath>
+                            </m:oMathPara>
+                          </a14:m>
+                          <a:endParaRPr lang="en-US" sz="1400" dirty="0"/>
+                        </a:p>
+                      </a:txBody>
+                      <a:tcPr marL="44103" marR="44103" marT="22052" marB="22052"/>
+                    </a:tc>
+                    <a:tc>
+                      <a:txBody>
+                        <a:bodyPr/>
+                        <a:lstStyle/>
+                        <a:p>
+                          <a14:m>
+                            <m:oMathPara xmlns:m="http://schemas.openxmlformats.org/officeDocument/2006/math">
+                              <m:oMathParaPr>
+                                <m:jc m:val="centerGroup"/>
+                              </m:oMathParaPr>
+                              <m:oMath xmlns:m="http://schemas.openxmlformats.org/officeDocument/2006/math">
+                                <m:r>
+                                  <a:rPr lang="en-US" sz="1400" b="0" i="1" smtClean="0">
+                                    <a:latin typeface="Cambria Math" panose="02040503050406030204" pitchFamily="18" charset="0"/>
+                                  </a:rPr>
+                                  <m:t>0</m:t>
+                                </m:r>
+                              </m:oMath>
+                            </m:oMathPara>
+                          </a14:m>
+                          <a:endParaRPr lang="en-US" sz="1400" dirty="0"/>
+                        </a:p>
+                      </a:txBody>
+                      <a:tcPr marL="44103" marR="44103" marT="22052" marB="22052"/>
+                    </a:tc>
+                    <a:tc>
+                      <a:txBody>
+                        <a:bodyPr/>
+                        <a:lstStyle/>
+                        <a:p>
+                          <a14:m>
+                            <m:oMathPara xmlns:m="http://schemas.openxmlformats.org/officeDocument/2006/math">
+                              <m:oMathParaPr>
+                                <m:jc m:val="centerGroup"/>
+                              </m:oMathParaPr>
+                              <m:oMath xmlns:m="http://schemas.openxmlformats.org/officeDocument/2006/math">
+                                <m:r>
+                                  <a:rPr lang="en-US" sz="1400" b="0" i="1" smtClean="0">
+                                    <a:latin typeface="Cambria Math" panose="02040503050406030204" pitchFamily="18" charset="0"/>
+                                  </a:rPr>
+                                  <m:t>180</m:t>
+                                </m:r>
+                                <m:r>
+                                  <a:rPr lang="en-US" sz="1400" b="0" i="1" smtClean="0">
+                                    <a:latin typeface="Cambria Math" panose="02040503050406030204" pitchFamily="18" charset="0"/>
+                                    <a:ea typeface="Cambria Math" panose="02040503050406030204" pitchFamily="18" charset="0"/>
+                                  </a:rPr>
+                                  <m:t>°−</m:t>
+                                </m:r>
+                                <m:sSub>
+                                  <m:sSubPr>
+                                    <m:ctrlPr>
+                                      <a:rPr lang="en-US" sz="1400" b="0" i="1" smtClean="0">
+                                        <a:latin typeface="Cambria Math" panose="02040503050406030204" pitchFamily="18" charset="0"/>
+                                        <a:ea typeface="Cambria Math" panose="02040503050406030204" pitchFamily="18" charset="0"/>
+                                      </a:rPr>
+                                    </m:ctrlPr>
+                                  </m:sSubPr>
+                                  <m:e>
+                                    <m:r>
+                                      <a:rPr lang="en-US" sz="1400" b="0" i="1" smtClean="0">
+                                        <a:latin typeface="Cambria Math" panose="02040503050406030204" pitchFamily="18" charset="0"/>
+                                        <a:ea typeface="Cambria Math" panose="02040503050406030204" pitchFamily="18" charset="0"/>
+                                      </a:rPr>
+                                      <m:t>𝜃</m:t>
+                                    </m:r>
+                                  </m:e>
+                                  <m:sub>
+                                    <m:r>
+                                      <a:rPr lang="en-US" sz="1400" b="0" i="1" smtClean="0">
+                                        <a:latin typeface="Cambria Math" panose="02040503050406030204" pitchFamily="18" charset="0"/>
+                                        <a:ea typeface="Cambria Math" panose="02040503050406030204" pitchFamily="18" charset="0"/>
+                                      </a:rPr>
+                                      <m:t>2</m:t>
+                                    </m:r>
+                                  </m:sub>
+                                </m:sSub>
+                              </m:oMath>
+                            </m:oMathPara>
+                          </a14:m>
+                          <a:endParaRPr lang="en-US" sz="1400" dirty="0"/>
+                        </a:p>
+                      </a:txBody>
+                      <a:tcPr marL="44103" marR="44103" marT="22052" marB="22052"/>
+                    </a:tc>
+                    <a:extLst>
+                      <a:ext uri="{0D108BD9-81ED-4DB2-BD59-A6C34878D82A}">
+                        <a16:rowId xmlns:a16="http://schemas.microsoft.com/office/drawing/2014/main" val="3612804548"/>
+                      </a:ext>
+                    </a:extLst>
+                  </a:tr>
+                </a:tbl>
+              </a:graphicData>
+            </a:graphic>
+          </p:graphicFrame>
+        </mc:Choice>
+        <mc:Fallback>
+          <p:graphicFrame>
+            <p:nvGraphicFramePr>
+              <p:cNvPr id="4" name="Table 3">
+                <a:extLst>
+                  <a:ext uri="{FF2B5EF4-FFF2-40B4-BE49-F238E27FC236}">
+                    <a16:creationId xmlns:a16="http://schemas.microsoft.com/office/drawing/2014/main" id="{48138163-CC8B-4A82-847C-6C104B8C4C3A}"/>
+                  </a:ext>
+                </a:extLst>
+              </p:cNvPr>
+              <p:cNvGraphicFramePr>
+                <a:graphicFrameLocks noGrp="1"/>
+              </p:cNvGraphicFramePr>
+              <p:nvPr>
+                <p:extLst>
+                  <p:ext uri="{D42A27DB-BD31-4B8C-83A1-F6EECF244321}">
+                    <p14:modId xmlns:p14="http://schemas.microsoft.com/office/powerpoint/2010/main" val="758558438"/>
+                  </p:ext>
+                </p:extLst>
+              </p:nvPr>
+            </p:nvGraphicFramePr>
+            <p:xfrm>
+              <a:off x="3628403" y="11955456"/>
+              <a:ext cx="3533033" cy="2475738"/>
+            </p:xfrm>
+            <a:graphic>
+              <a:graphicData uri="http://schemas.openxmlformats.org/drawingml/2006/table">
+                <a:tbl>
+                  <a:tblPr firstRow="1" bandRow="1">
+                    <a:tableStyleId>{5C22544A-7EE6-4342-B048-85BDC9FD1C3A}</a:tableStyleId>
+                  </a:tblPr>
+                  <a:tblGrid>
+                    <a:gridCol w="464372">
+                      <a:extLst>
+                        <a:ext uri="{9D8B030D-6E8A-4147-A177-3AD203B41FA5}">
+                          <a16:colId xmlns:a16="http://schemas.microsoft.com/office/drawing/2014/main" val="1409328194"/>
+                        </a:ext>
+                      </a:extLst>
+                    </a:gridCol>
+                    <a:gridCol w="744747">
+                      <a:extLst>
+                        <a:ext uri="{9D8B030D-6E8A-4147-A177-3AD203B41FA5}">
+                          <a16:colId xmlns:a16="http://schemas.microsoft.com/office/drawing/2014/main" val="1354714877"/>
+                        </a:ext>
+                      </a:extLst>
+                    </a:gridCol>
+                    <a:gridCol w="551988">
+                      <a:extLst>
+                        <a:ext uri="{9D8B030D-6E8A-4147-A177-3AD203B41FA5}">
+                          <a16:colId xmlns:a16="http://schemas.microsoft.com/office/drawing/2014/main" val="2073310780"/>
+                        </a:ext>
+                      </a:extLst>
+                    </a:gridCol>
+                    <a:gridCol w="727223">
+                      <a:extLst>
+                        <a:ext uri="{9D8B030D-6E8A-4147-A177-3AD203B41FA5}">
+                          <a16:colId xmlns:a16="http://schemas.microsoft.com/office/drawing/2014/main" val="119746058"/>
+                        </a:ext>
+                      </a:extLst>
+                    </a:gridCol>
+                    <a:gridCol w="1044703">
+                      <a:extLst>
+                        <a:ext uri="{9D8B030D-6E8A-4147-A177-3AD203B41FA5}">
+                          <a16:colId xmlns:a16="http://schemas.microsoft.com/office/drawing/2014/main" val="1665089160"/>
+                        </a:ext>
+                      </a:extLst>
+                    </a:gridCol>
+                  </a:tblGrid>
+                  <a:tr h="396987">
+                    <a:tc>
+                      <a:txBody>
+                        <a:bodyPr/>
+                        <a:lstStyle/>
+                        <a:p>
+                          <a:endParaRPr lang="en-US"/>
+                        </a:p>
+                      </a:txBody>
+                      <a:tcPr marL="44103" marR="44103" marT="22052" marB="22052">
+                        <a:blipFill>
+                          <a:blip r:embed="rId8"/>
+                          <a:stretch>
+                            <a:fillRect l="-1316" t="-1538" r="-668421" b="-529231"/>
+                          </a:stretch>
+                        </a:blipFill>
+                      </a:tcPr>
+                    </a:tc>
+                    <a:tc>
+                      <a:txBody>
+                        <a:bodyPr/>
+                        <a:lstStyle/>
+                        <a:p>
+                          <a:endParaRPr lang="en-US"/>
+                        </a:p>
+                      </a:txBody>
+                      <a:tcPr marL="44103" marR="44103" marT="22052" marB="22052">
+                        <a:blipFill>
+                          <a:blip r:embed="rId8"/>
+                          <a:stretch>
+                            <a:fillRect l="-63115" t="-1538" r="-316393" b="-529231"/>
+                          </a:stretch>
+                        </a:blipFill>
+                      </a:tcPr>
+                    </a:tc>
+                    <a:tc>
+                      <a:txBody>
+                        <a:bodyPr/>
+                        <a:lstStyle/>
+                        <a:p>
+                          <a:endParaRPr lang="en-US"/>
+                        </a:p>
+                      </a:txBody>
+                      <a:tcPr marL="44103" marR="44103" marT="22052" marB="22052">
+                        <a:blipFill>
+                          <a:blip r:embed="rId8"/>
+                          <a:stretch>
+                            <a:fillRect l="-218681" t="-1538" r="-324176" b="-529231"/>
+                          </a:stretch>
+                        </a:blipFill>
+                      </a:tcPr>
+                    </a:tc>
+                    <a:tc>
+                      <a:txBody>
+                        <a:bodyPr/>
+                        <a:lstStyle/>
+                        <a:p>
+                          <a:endParaRPr lang="en-US"/>
+                        </a:p>
+                      </a:txBody>
+                      <a:tcPr marL="44103" marR="44103" marT="22052" marB="22052">
+                        <a:blipFill>
+                          <a:blip r:embed="rId8"/>
+                          <a:stretch>
+                            <a:fillRect l="-243697" t="-1538" r="-147899" b="-529231"/>
+                          </a:stretch>
+                        </a:blipFill>
+                      </a:tcPr>
+                    </a:tc>
+                    <a:tc>
+                      <a:txBody>
+                        <a:bodyPr/>
+                        <a:lstStyle/>
+                        <a:p>
+                          <a:endParaRPr lang="en-US"/>
+                        </a:p>
+                      </a:txBody>
+                      <a:tcPr marL="44103" marR="44103" marT="22052" marB="22052">
+                        <a:blipFill>
+                          <a:blip r:embed="rId8"/>
+                          <a:stretch>
+                            <a:fillRect l="-237791" t="-1538" r="-2326" b="-529231"/>
+                          </a:stretch>
+                        </a:blipFill>
+                      </a:tcPr>
+                    </a:tc>
+                    <a:extLst>
+                      <a:ext uri="{0D108BD9-81ED-4DB2-BD59-A6C34878D82A}">
+                        <a16:rowId xmlns:a16="http://schemas.microsoft.com/office/drawing/2014/main" val="1724836590"/>
+                      </a:ext>
+                    </a:extLst>
+                  </a:tr>
+                  <a:tr h="396987">
+                    <a:tc>
+                      <a:txBody>
+                        <a:bodyPr/>
+                        <a:lstStyle/>
+                        <a:p>
+                          <a:endParaRPr lang="en-US"/>
+                        </a:p>
+                      </a:txBody>
+                      <a:tcPr marL="44103" marR="44103" marT="22052" marB="22052">
+                        <a:blipFill>
+                          <a:blip r:embed="rId8"/>
+                          <a:stretch>
+                            <a:fillRect l="-1316" t="-100000" r="-668421" b="-421212"/>
+                          </a:stretch>
+                        </a:blipFill>
+                      </a:tcPr>
+                    </a:tc>
+                    <a:tc>
+                      <a:txBody>
+                        <a:bodyPr/>
+                        <a:lstStyle/>
+                        <a:p>
+                          <a:endParaRPr lang="en-US"/>
+                        </a:p>
+                      </a:txBody>
+                      <a:tcPr marL="44103" marR="44103" marT="22052" marB="22052">
+                        <a:blipFill>
+                          <a:blip r:embed="rId8"/>
+                          <a:stretch>
+                            <a:fillRect l="-63115" t="-100000" r="-316393" b="-421212"/>
+                          </a:stretch>
+                        </a:blipFill>
+                      </a:tcPr>
+                    </a:tc>
+                    <a:tc>
+                      <a:txBody>
+                        <a:bodyPr/>
+                        <a:lstStyle/>
+                        <a:p>
+                          <a:endParaRPr lang="en-US"/>
+                        </a:p>
+                      </a:txBody>
+                      <a:tcPr marL="44103" marR="44103" marT="22052" marB="22052">
+                        <a:blipFill>
+                          <a:blip r:embed="rId8"/>
+                          <a:stretch>
+                            <a:fillRect l="-218681" t="-100000" r="-324176" b="-421212"/>
+                          </a:stretch>
+                        </a:blipFill>
+                      </a:tcPr>
+                    </a:tc>
+                    <a:tc>
+                      <a:txBody>
+                        <a:bodyPr/>
+                        <a:lstStyle/>
+                        <a:p>
+                          <a:endParaRPr lang="en-US"/>
+                        </a:p>
+                      </a:txBody>
+                      <a:tcPr marL="44103" marR="44103" marT="22052" marB="22052">
+                        <a:blipFill>
+                          <a:blip r:embed="rId8"/>
+                          <a:stretch>
+                            <a:fillRect l="-243697" t="-100000" r="-147899" b="-421212"/>
+                          </a:stretch>
+                        </a:blipFill>
+                      </a:tcPr>
+                    </a:tc>
+                    <a:tc>
+                      <a:txBody>
+                        <a:bodyPr/>
+                        <a:lstStyle/>
+                        <a:p>
+                          <a:endParaRPr lang="en-US"/>
+                        </a:p>
+                      </a:txBody>
+                      <a:tcPr marL="44103" marR="44103" marT="22052" marB="22052">
+                        <a:blipFill>
+                          <a:blip r:embed="rId8"/>
+                          <a:stretch>
+                            <a:fillRect l="-237791" t="-100000" r="-2326" b="-421212"/>
+                          </a:stretch>
+                        </a:blipFill>
+                      </a:tcPr>
+                    </a:tc>
+                    <a:extLst>
+                      <a:ext uri="{0D108BD9-81ED-4DB2-BD59-A6C34878D82A}">
+                        <a16:rowId xmlns:a16="http://schemas.microsoft.com/office/drawing/2014/main" val="2537356488"/>
+                      </a:ext>
+                    </a:extLst>
+                  </a:tr>
+                  <a:tr h="396987">
+                    <a:tc>
+                      <a:txBody>
+                        <a:bodyPr/>
+                        <a:lstStyle/>
+                        <a:p>
+                          <a:endParaRPr lang="en-US"/>
+                        </a:p>
+                      </a:txBody>
+                      <a:tcPr marL="44103" marR="44103" marT="22052" marB="22052">
+                        <a:blipFill>
+                          <a:blip r:embed="rId8"/>
+                          <a:stretch>
+                            <a:fillRect l="-1316" t="-203077" r="-668421" b="-327692"/>
+                          </a:stretch>
+                        </a:blipFill>
+                      </a:tcPr>
+                    </a:tc>
+                    <a:tc>
+                      <a:txBody>
+                        <a:bodyPr/>
+                        <a:lstStyle/>
+                        <a:p>
+                          <a:endParaRPr lang="en-US"/>
+                        </a:p>
+                      </a:txBody>
+                      <a:tcPr marL="44103" marR="44103" marT="22052" marB="22052">
+                        <a:blipFill>
+                          <a:blip r:embed="rId8"/>
+                          <a:stretch>
+                            <a:fillRect l="-63115" t="-203077" r="-316393" b="-327692"/>
+                          </a:stretch>
+                        </a:blipFill>
+                      </a:tcPr>
+                    </a:tc>
+                    <a:tc>
+                      <a:txBody>
+                        <a:bodyPr/>
+                        <a:lstStyle/>
+                        <a:p>
+                          <a:endParaRPr lang="en-US"/>
+                        </a:p>
+                      </a:txBody>
+                      <a:tcPr marL="44103" marR="44103" marT="22052" marB="22052">
+                        <a:blipFill>
+                          <a:blip r:embed="rId8"/>
+                          <a:stretch>
+                            <a:fillRect l="-218681" t="-203077" r="-324176" b="-327692"/>
+                          </a:stretch>
+                        </a:blipFill>
+                      </a:tcPr>
+                    </a:tc>
+                    <a:tc>
+                      <a:txBody>
+                        <a:bodyPr/>
+                        <a:lstStyle/>
+                        <a:p>
+                          <a:endParaRPr lang="en-US"/>
+                        </a:p>
+                      </a:txBody>
+                      <a:tcPr marL="44103" marR="44103" marT="22052" marB="22052">
+                        <a:blipFill>
+                          <a:blip r:embed="rId8"/>
+                          <a:stretch>
+                            <a:fillRect l="-243697" t="-203077" r="-147899" b="-327692"/>
+                          </a:stretch>
+                        </a:blipFill>
+                      </a:tcPr>
+                    </a:tc>
+                    <a:tc>
+                      <a:txBody>
+                        <a:bodyPr/>
+                        <a:lstStyle/>
+                        <a:p>
+                          <a:endParaRPr lang="en-US"/>
+                        </a:p>
+                      </a:txBody>
+                      <a:tcPr marL="44103" marR="44103" marT="22052" marB="22052">
+                        <a:blipFill>
+                          <a:blip r:embed="rId8"/>
+                          <a:stretch>
+                            <a:fillRect l="-237791" t="-203077" r="-2326" b="-327692"/>
+                          </a:stretch>
+                        </a:blipFill>
+                      </a:tcPr>
+                    </a:tc>
+                    <a:extLst>
+                      <a:ext uri="{0D108BD9-81ED-4DB2-BD59-A6C34878D82A}">
+                        <a16:rowId xmlns:a16="http://schemas.microsoft.com/office/drawing/2014/main" val="787820339"/>
+                      </a:ext>
+                    </a:extLst>
+                  </a:tr>
+                  <a:tr h="490803">
+                    <a:tc>
+                      <a:txBody>
+                        <a:bodyPr/>
+                        <a:lstStyle/>
+                        <a:p>
+                          <a:endParaRPr lang="en-US"/>
+                        </a:p>
+                      </a:txBody>
+                      <a:tcPr marL="44103" marR="44103" marT="22052" marB="22052">
+                        <a:blipFill>
+                          <a:blip r:embed="rId8"/>
+                          <a:stretch>
+                            <a:fillRect l="-1316" t="-246250" r="-668421" b="-166250"/>
+                          </a:stretch>
+                        </a:blipFill>
+                      </a:tcPr>
+                    </a:tc>
+                    <a:tc>
+                      <a:txBody>
+                        <a:bodyPr/>
+                        <a:lstStyle/>
+                        <a:p>
+                          <a:endParaRPr lang="en-US"/>
+                        </a:p>
+                      </a:txBody>
+                      <a:tcPr marL="44103" marR="44103" marT="22052" marB="22052">
+                        <a:blipFill>
+                          <a:blip r:embed="rId8"/>
+                          <a:stretch>
+                            <a:fillRect l="-63115" t="-246250" r="-316393" b="-166250"/>
+                          </a:stretch>
+                        </a:blipFill>
+                      </a:tcPr>
+                    </a:tc>
+                    <a:tc>
+                      <a:txBody>
+                        <a:bodyPr/>
+                        <a:lstStyle/>
+                        <a:p>
+                          <a:endParaRPr lang="en-US"/>
+                        </a:p>
+                      </a:txBody>
+                      <a:tcPr marL="44103" marR="44103" marT="22052" marB="22052">
+                        <a:blipFill>
+                          <a:blip r:embed="rId8"/>
+                          <a:stretch>
+                            <a:fillRect l="-218681" t="-246250" r="-324176" b="-166250"/>
+                          </a:stretch>
+                        </a:blipFill>
+                      </a:tcPr>
+                    </a:tc>
+                    <a:tc>
+                      <a:txBody>
+                        <a:bodyPr/>
+                        <a:lstStyle/>
+                        <a:p>
+                          <a:endParaRPr lang="en-US"/>
+                        </a:p>
+                      </a:txBody>
+                      <a:tcPr marL="44103" marR="44103" marT="22052" marB="22052">
+                        <a:blipFill>
+                          <a:blip r:embed="rId8"/>
+                          <a:stretch>
+                            <a:fillRect l="-243697" t="-246250" r="-147899" b="-166250"/>
+                          </a:stretch>
+                        </a:blipFill>
+                      </a:tcPr>
+                    </a:tc>
+                    <a:tc>
+                      <a:txBody>
+                        <a:bodyPr/>
+                        <a:lstStyle/>
+                        <a:p>
+                          <a:endParaRPr lang="en-US"/>
+                        </a:p>
+                      </a:txBody>
+                      <a:tcPr marL="44103" marR="44103" marT="22052" marB="22052">
+                        <a:blipFill>
+                          <a:blip r:embed="rId8"/>
+                          <a:stretch>
+                            <a:fillRect l="-237791" t="-246250" r="-2326" b="-166250"/>
+                          </a:stretch>
+                        </a:blipFill>
+                      </a:tcPr>
+                    </a:tc>
+                    <a:extLst>
+                      <a:ext uri="{0D108BD9-81ED-4DB2-BD59-A6C34878D82A}">
+                        <a16:rowId xmlns:a16="http://schemas.microsoft.com/office/drawing/2014/main" val="2605245126"/>
+                      </a:ext>
+                    </a:extLst>
+                  </a:tr>
+                  <a:tr h="396987">
+                    <a:tc>
+                      <a:txBody>
+                        <a:bodyPr/>
+                        <a:lstStyle/>
+                        <a:p>
+                          <a:endParaRPr lang="en-US"/>
+                        </a:p>
+                      </a:txBody>
+                      <a:tcPr marL="44103" marR="44103" marT="22052" marB="22052">
+                        <a:blipFill>
+                          <a:blip r:embed="rId8"/>
+                          <a:stretch>
+                            <a:fillRect l="-1316" t="-419697" r="-668421" b="-101515"/>
+                          </a:stretch>
+                        </a:blipFill>
+                      </a:tcPr>
+                    </a:tc>
+                    <a:tc>
+                      <a:txBody>
+                        <a:bodyPr/>
+                        <a:lstStyle/>
+                        <a:p>
+                          <a:endParaRPr lang="en-US"/>
+                        </a:p>
+                      </a:txBody>
+                      <a:tcPr marL="44103" marR="44103" marT="22052" marB="22052">
+                        <a:blipFill>
+                          <a:blip r:embed="rId8"/>
+                          <a:stretch>
+                            <a:fillRect l="-63115" t="-419697" r="-316393" b="-101515"/>
+                          </a:stretch>
+                        </a:blipFill>
+                      </a:tcPr>
+                    </a:tc>
+                    <a:tc>
+                      <a:txBody>
+                        <a:bodyPr/>
+                        <a:lstStyle/>
+                        <a:p>
+                          <a:endParaRPr lang="en-US"/>
+                        </a:p>
+                      </a:txBody>
+                      <a:tcPr marL="44103" marR="44103" marT="22052" marB="22052">
+                        <a:blipFill>
+                          <a:blip r:embed="rId8"/>
+                          <a:stretch>
+                            <a:fillRect l="-218681" t="-419697" r="-324176" b="-101515"/>
+                          </a:stretch>
+                        </a:blipFill>
+                      </a:tcPr>
+                    </a:tc>
+                    <a:tc>
+                      <a:txBody>
+                        <a:bodyPr/>
+                        <a:lstStyle/>
+                        <a:p>
+                          <a:endParaRPr lang="en-US"/>
+                        </a:p>
+                      </a:txBody>
+                      <a:tcPr marL="44103" marR="44103" marT="22052" marB="22052">
+                        <a:blipFill>
+                          <a:blip r:embed="rId8"/>
+                          <a:stretch>
+                            <a:fillRect l="-243697" t="-419697" r="-147899" b="-101515"/>
+                          </a:stretch>
+                        </a:blipFill>
+                      </a:tcPr>
+                    </a:tc>
+                    <a:tc>
+                      <a:txBody>
+                        <a:bodyPr/>
+                        <a:lstStyle/>
+                        <a:p>
+                          <a:endParaRPr lang="en-US"/>
+                        </a:p>
+                      </a:txBody>
+                      <a:tcPr marL="44103" marR="44103" marT="22052" marB="22052">
+                        <a:blipFill>
+                          <a:blip r:embed="rId8"/>
+                          <a:stretch>
+                            <a:fillRect l="-237791" t="-419697" r="-2326" b="-101515"/>
+                          </a:stretch>
+                        </a:blipFill>
+                      </a:tcPr>
+                    </a:tc>
+                    <a:extLst>
+                      <a:ext uri="{0D108BD9-81ED-4DB2-BD59-A6C34878D82A}">
+                        <a16:rowId xmlns:a16="http://schemas.microsoft.com/office/drawing/2014/main" val="2563551918"/>
+                      </a:ext>
+                    </a:extLst>
+                  </a:tr>
+                  <a:tr h="396987">
+                    <a:tc>
+                      <a:txBody>
+                        <a:bodyPr/>
+                        <a:lstStyle/>
+                        <a:p>
+                          <a:endParaRPr lang="en-US"/>
+                        </a:p>
+                      </a:txBody>
+                      <a:tcPr marL="44103" marR="44103" marT="22052" marB="22052">
+                        <a:blipFill>
+                          <a:blip r:embed="rId8"/>
+                          <a:stretch>
+                            <a:fillRect l="-1316" t="-527692" r="-668421" b="-3077"/>
+                          </a:stretch>
+                        </a:blipFill>
+                      </a:tcPr>
+                    </a:tc>
+                    <a:tc>
+                      <a:txBody>
+                        <a:bodyPr/>
+                        <a:lstStyle/>
+                        <a:p>
+                          <a:endParaRPr lang="en-US"/>
+                        </a:p>
+                      </a:txBody>
+                      <a:tcPr marL="44103" marR="44103" marT="22052" marB="22052">
+                        <a:blipFill>
+                          <a:blip r:embed="rId8"/>
+                          <a:stretch>
+                            <a:fillRect l="-63115" t="-527692" r="-316393" b="-3077"/>
+                          </a:stretch>
+                        </a:blipFill>
+                      </a:tcPr>
+                    </a:tc>
+                    <a:tc>
+                      <a:txBody>
+                        <a:bodyPr/>
+                        <a:lstStyle/>
+                        <a:p>
+                          <a:endParaRPr lang="en-US"/>
+                        </a:p>
+                      </a:txBody>
+                      <a:tcPr marL="44103" marR="44103" marT="22052" marB="22052">
+                        <a:blipFill>
+                          <a:blip r:embed="rId8"/>
+                          <a:stretch>
+                            <a:fillRect l="-218681" t="-527692" r="-324176" b="-3077"/>
+                          </a:stretch>
+                        </a:blipFill>
+                      </a:tcPr>
+                    </a:tc>
+                    <a:tc>
+                      <a:txBody>
+                        <a:bodyPr/>
+                        <a:lstStyle/>
+                        <a:p>
+                          <a:endParaRPr lang="en-US"/>
+                        </a:p>
+                      </a:txBody>
+                      <a:tcPr marL="44103" marR="44103" marT="22052" marB="22052">
+                        <a:blipFill>
+                          <a:blip r:embed="rId8"/>
+                          <a:stretch>
+                            <a:fillRect l="-243697" t="-527692" r="-147899" b="-3077"/>
+                          </a:stretch>
+                        </a:blipFill>
+                      </a:tcPr>
+                    </a:tc>
+                    <a:tc>
+                      <a:txBody>
+                        <a:bodyPr/>
+                        <a:lstStyle/>
+                        <a:p>
+                          <a:endParaRPr lang="en-US"/>
+                        </a:p>
+                      </a:txBody>
+                      <a:tcPr marL="44103" marR="44103" marT="22052" marB="22052">
+                        <a:blipFill>
+                          <a:blip r:embed="rId8"/>
+                          <a:stretch>
+                            <a:fillRect l="-237791" t="-527692" r="-2326" b="-3077"/>
+                          </a:stretch>
+                        </a:blipFill>
+                      </a:tcPr>
+                    </a:tc>
+                    <a:extLst>
+                      <a:ext uri="{0D108BD9-81ED-4DB2-BD59-A6C34878D82A}">
+                        <a16:rowId xmlns:a16="http://schemas.microsoft.com/office/drawing/2014/main" val="3612804548"/>
+                      </a:ext>
+                    </a:extLst>
+                  </a:tr>
+                </a:tbl>
+              </a:graphicData>
+            </a:graphic>
+          </p:graphicFrame>
+        </mc:Fallback>
+      </mc:AlternateContent>
+      <p:pic>
+        <p:nvPicPr>
+          <p:cNvPr id="50" name="Online Media 2">
+            <a:hlinkClick r:id="" action="ppaction://media"/>
+            <a:extLst>
+              <a:ext uri="{FF2B5EF4-FFF2-40B4-BE49-F238E27FC236}">
+                <a16:creationId xmlns:a16="http://schemas.microsoft.com/office/drawing/2014/main" id="{6C869121-9BA9-4CEB-BF2C-4C9B8B641513}"/>
+              </a:ext>
+            </a:extLst>
+          </p:cNvPr>
+          <p:cNvPicPr>
+            <a:picLocks noRot="1" noChangeAspect="1"/>
+          </p:cNvPicPr>
+          <p:nvPr>
+            <a:videoFile r:link="rId1"/>
+          </p:nvPr>
+        </p:nvPicPr>
+        <p:blipFill>
+          <a:blip r:embed="rId9"/>
+          <a:stretch>
+            <a:fillRect/>
+          </a:stretch>
+        </p:blipFill>
+        <p:spPr>
+          <a:xfrm>
+            <a:off x="7883774" y="4655029"/>
+            <a:ext cx="7318143" cy="4117011"/>
+          </a:xfrm>
+          <a:prstGeom prst="rect">
+            <a:avLst/>
+          </a:prstGeom>
+        </p:spPr>
+      </p:pic>
+      <p:pic>
+        <p:nvPicPr>
+          <p:cNvPr id="51" name="Picture 50" descr="https://cdn.instructables.com/FM7/W0X0/IWCFCIW9/FM7W0X0IWCFCIW9.LARGE.jpg">
+            <a:extLst>
+              <a:ext uri="{FF2B5EF4-FFF2-40B4-BE49-F238E27FC236}">
+                <a16:creationId xmlns:a16="http://schemas.microsoft.com/office/drawing/2014/main" id="{2C4AEAF4-4A0F-419E-A67E-D4B696131C60}"/>
+              </a:ext>
+            </a:extLst>
+          </p:cNvPr>
+          <p:cNvPicPr/>
+          <p:nvPr/>
+        </p:nvPicPr>
+        <p:blipFill rotWithShape="1">
+          <a:blip r:embed="rId10" cstate="print">
+            <a:extLst>
+              <a:ext uri="{28A0092B-C50C-407E-A947-70E740481C1C}">
+                <a14:useLocalDpi xmlns:a14="http://schemas.microsoft.com/office/drawing/2010/main" val="0"/>
+              </a:ext>
+            </a:extLst>
+          </a:blip>
+          <a:srcRect l="20128" t="20110" r="21394" b="12103"/>
+          <a:stretch/>
+        </p:blipFill>
+        <p:spPr bwMode="auto">
+          <a:xfrm>
+            <a:off x="3955834" y="5557652"/>
+            <a:ext cx="3185224" cy="2462891"/>
+          </a:xfrm>
+          <a:prstGeom prst="rect">
+            <a:avLst/>
+          </a:prstGeom>
+          <a:noFill/>
+          <a:ln>
+            <a:noFill/>
+          </a:ln>
+          <a:extLst>
+            <a:ext uri="{53640926-AAD7-44D8-BBD7-CCE9431645EC}">
+              <a14:shadowObscured xmlns:a14="http://schemas.microsoft.com/office/drawing/2010/main"/>
+            </a:ext>
+          </a:extLst>
+        </p:spPr>
+      </p:pic>
+      <p:sp>
+        <p:nvSpPr>
+          <p:cNvPr id="57" name="Text Placeholder 4">
+            <a:extLst>
+              <a:ext uri="{FF2B5EF4-FFF2-40B4-BE49-F238E27FC236}">
+                <a16:creationId xmlns:a16="http://schemas.microsoft.com/office/drawing/2014/main" id="{B47C747F-9ED4-43D7-B2AE-4C48B4C35923}"/>
+              </a:ext>
+            </a:extLst>
+          </p:cNvPr>
+          <p:cNvSpPr txBox="1">
+            <a:spLocks/>
+          </p:cNvSpPr>
+          <p:nvPr/>
+        </p:nvSpPr>
+        <p:spPr>
+          <a:xfrm>
+            <a:off x="224429" y="8605859"/>
+            <a:ext cx="7334611" cy="573940"/>
+          </a:xfrm>
+          <a:prstGeom prst="round1Rect">
+            <a:avLst/>
+          </a:prstGeom>
+          <a:solidFill>
+            <a:srgbClr val="8CCBD4"/>
+          </a:solidFill>
+        </p:spPr>
+        <p:txBody>
+          <a:bodyPr vert="horz" lIns="365760" tIns="45720" rIns="91440" bIns="45720" rtlCol="0" anchor="ctr">
+            <a:noAutofit/>
+          </a:bodyPr>
+          <a:lstStyle>
+            <a:lvl1pPr marL="0" indent="0" algn="l" defTabSz="4389120" rtl="0" eaLnBrk="1" latinLnBrk="0" hangingPunct="1">
+              <a:lnSpc>
+                <a:spcPct val="100000"/>
+              </a:lnSpc>
+              <a:spcBef>
+                <a:spcPts val="0"/>
+              </a:spcBef>
+              <a:buClr>
+                <a:schemeClr val="accent2"/>
+              </a:buClr>
+              <a:buFont typeface="Arial" panose="020B0604020202020204" pitchFamily="34" charset="0"/>
+              <a:buNone/>
+              <a:defRPr sz="6000" kern="1200" cap="all" baseline="0">
+                <a:solidFill>
+                  <a:schemeClr val="bg1"/>
+                </a:solidFill>
+                <a:latin typeface="+mj-lt"/>
+                <a:ea typeface="+mn-ea"/>
+                <a:cs typeface="+mn-cs"/>
+              </a:defRPr>
+            </a:lvl1pPr>
+            <a:lvl2pPr marL="0" indent="0" algn="l" defTabSz="4389120" rtl="0" eaLnBrk="1" latinLnBrk="0" hangingPunct="1">
+              <a:lnSpc>
+                <a:spcPct val="100000"/>
+              </a:lnSpc>
+              <a:spcBef>
+                <a:spcPts val="0"/>
+              </a:spcBef>
+              <a:buClr>
+                <a:schemeClr val="accent2"/>
+              </a:buClr>
+              <a:buFont typeface="Arial" panose="020B0604020202020204" pitchFamily="34" charset="0"/>
+              <a:buNone/>
+              <a:defRPr sz="6000" kern="1200" cap="all" baseline="0">
+                <a:solidFill>
+                  <a:schemeClr val="bg1"/>
+                </a:solidFill>
+                <a:latin typeface="+mj-lt"/>
+                <a:ea typeface="+mn-ea"/>
+                <a:cs typeface="+mn-cs"/>
+              </a:defRPr>
+            </a:lvl2pPr>
+            <a:lvl3pPr marL="0" indent="0" algn="l" defTabSz="4389120" rtl="0" eaLnBrk="1" latinLnBrk="0" hangingPunct="1">
+              <a:lnSpc>
+                <a:spcPct val="100000"/>
+              </a:lnSpc>
+              <a:spcBef>
+                <a:spcPts val="0"/>
+              </a:spcBef>
+              <a:buClr>
+                <a:schemeClr val="accent2"/>
+              </a:buClr>
+              <a:buFont typeface="Arial" panose="020B0604020202020204" pitchFamily="34" charset="0"/>
+              <a:buNone/>
+              <a:defRPr sz="6000" kern="1200" cap="all" baseline="0">
+                <a:solidFill>
+                  <a:schemeClr val="bg1"/>
+                </a:solidFill>
+                <a:latin typeface="+mj-lt"/>
+                <a:ea typeface="+mn-ea"/>
+                <a:cs typeface="+mn-cs"/>
+              </a:defRPr>
+            </a:lvl3pPr>
+            <a:lvl4pPr marL="0" indent="0" algn="l" defTabSz="4389120" rtl="0" eaLnBrk="1" latinLnBrk="0" hangingPunct="1">
+              <a:lnSpc>
+                <a:spcPct val="100000"/>
+              </a:lnSpc>
+              <a:spcBef>
+                <a:spcPts val="0"/>
+              </a:spcBef>
+              <a:buClr>
+                <a:schemeClr val="accent2"/>
+              </a:buClr>
+              <a:buFont typeface="Arial" panose="020B0604020202020204" pitchFamily="34" charset="0"/>
+              <a:buNone/>
+              <a:defRPr sz="6000" kern="1200" cap="all" baseline="0">
+                <a:solidFill>
+                  <a:schemeClr val="bg1"/>
+                </a:solidFill>
+                <a:latin typeface="+mj-lt"/>
+                <a:ea typeface="+mn-ea"/>
+                <a:cs typeface="+mn-cs"/>
+              </a:defRPr>
+            </a:lvl4pPr>
+            <a:lvl5pPr marL="0" indent="0" algn="l" defTabSz="4389120" rtl="0" eaLnBrk="1" latinLnBrk="0" hangingPunct="1">
+              <a:lnSpc>
+                <a:spcPct val="100000"/>
+              </a:lnSpc>
+              <a:spcBef>
+                <a:spcPts val="0"/>
+              </a:spcBef>
+              <a:buClr>
+                <a:schemeClr val="accent2"/>
+              </a:buClr>
+              <a:buFont typeface="Arial" panose="020B0604020202020204" pitchFamily="34" charset="0"/>
+              <a:buNone/>
+              <a:defRPr sz="6000" kern="1200" cap="all" baseline="0">
+                <a:solidFill>
+                  <a:schemeClr val="bg1"/>
+                </a:solidFill>
+                <a:latin typeface="+mj-lt"/>
+                <a:ea typeface="+mn-ea"/>
+                <a:cs typeface="+mn-cs"/>
+              </a:defRPr>
+            </a:lvl5pPr>
+            <a:lvl6pPr marL="0" indent="0" algn="l" defTabSz="4389120" rtl="0" eaLnBrk="1" latinLnBrk="0" hangingPunct="1">
+              <a:lnSpc>
+                <a:spcPct val="100000"/>
+              </a:lnSpc>
+              <a:spcBef>
+                <a:spcPts val="0"/>
+              </a:spcBef>
+              <a:buClr>
+                <a:schemeClr val="accent2"/>
+              </a:buClr>
+              <a:buFont typeface="Arial" panose="020B0604020202020204" pitchFamily="34" charset="0"/>
+              <a:buNone/>
+              <a:defRPr sz="6000" kern="1200" cap="all" baseline="0">
+                <a:solidFill>
+                  <a:schemeClr val="bg1"/>
+                </a:solidFill>
+                <a:latin typeface="+mj-lt"/>
+                <a:ea typeface="+mn-ea"/>
+                <a:cs typeface="+mn-cs"/>
+              </a:defRPr>
+            </a:lvl6pPr>
+            <a:lvl7pPr marL="0" indent="0" algn="l" defTabSz="4389120" rtl="0" eaLnBrk="1" latinLnBrk="0" hangingPunct="1">
+              <a:lnSpc>
+                <a:spcPct val="100000"/>
+              </a:lnSpc>
+              <a:spcBef>
+                <a:spcPts val="0"/>
+              </a:spcBef>
+              <a:buClr>
+                <a:schemeClr val="accent2"/>
+              </a:buClr>
+              <a:buFont typeface="Arial" panose="020B0604020202020204" pitchFamily="34" charset="0"/>
+              <a:buNone/>
+              <a:defRPr sz="6000" kern="1200" cap="all" baseline="0">
+                <a:solidFill>
+                  <a:schemeClr val="bg1"/>
+                </a:solidFill>
+                <a:latin typeface="+mj-lt"/>
+                <a:ea typeface="+mn-ea"/>
+                <a:cs typeface="+mn-cs"/>
+              </a:defRPr>
+            </a:lvl7pPr>
+            <a:lvl8pPr marL="0" indent="0" algn="l" defTabSz="4389120" rtl="0" eaLnBrk="1" latinLnBrk="0" hangingPunct="1">
+              <a:lnSpc>
+                <a:spcPct val="100000"/>
+              </a:lnSpc>
+              <a:spcBef>
+                <a:spcPts val="0"/>
+              </a:spcBef>
+              <a:buClr>
+                <a:schemeClr val="accent2"/>
+              </a:buClr>
+              <a:buFont typeface="Arial" panose="020B0604020202020204" pitchFamily="34" charset="0"/>
+              <a:buNone/>
+              <a:defRPr sz="6000" kern="1200" cap="all" baseline="0">
+                <a:solidFill>
+                  <a:schemeClr val="bg1"/>
+                </a:solidFill>
+                <a:latin typeface="+mj-lt"/>
+                <a:ea typeface="+mn-ea"/>
+                <a:cs typeface="+mn-cs"/>
+              </a:defRPr>
+            </a:lvl8pPr>
+            <a:lvl9pPr marL="0" indent="0" algn="l" defTabSz="4389120" rtl="0" eaLnBrk="1" latinLnBrk="0" hangingPunct="1">
+              <a:lnSpc>
+                <a:spcPct val="100000"/>
+              </a:lnSpc>
+              <a:spcBef>
+                <a:spcPts val="0"/>
+              </a:spcBef>
+              <a:buClr>
+                <a:schemeClr val="accent2"/>
+              </a:buClr>
+              <a:buFont typeface="Arial" panose="020B0604020202020204" pitchFamily="34" charset="0"/>
+              <a:buNone/>
+              <a:defRPr sz="6000" kern="1200" cap="all" baseline="0">
+                <a:solidFill>
+                  <a:schemeClr val="bg1"/>
+                </a:solidFill>
+                <a:latin typeface="+mj-lt"/>
+                <a:ea typeface="+mn-ea"/>
+                <a:cs typeface="+mn-cs"/>
+              </a:defRPr>
+            </a:lvl9pPr>
+          </a:lstStyle>
+          <a:p>
+            <a:pPr marL="0" marR="0" lvl="0" indent="0" algn="l" defTabSz="4389120" rtl="0" eaLnBrk="1" fontAlgn="auto" latinLnBrk="0" hangingPunct="1">
+              <a:lnSpc>
+                <a:spcPct val="100000"/>
+              </a:lnSpc>
+              <a:spcBef>
+                <a:spcPts val="0"/>
+              </a:spcBef>
+              <a:spcAft>
+                <a:spcPts val="0"/>
+              </a:spcAft>
+              <a:buClr>
+                <a:srgbClr val="AD8F67"/>
+              </a:buClr>
+              <a:buSzTx/>
+              <a:buFont typeface="Arial" panose="020B0604020202020204" pitchFamily="34" charset="0"/>
+              <a:buNone/>
+              <a:tabLst/>
+              <a:defRPr/>
+            </a:pPr>
+            <a:endParaRPr kumimoji="0" lang="en-US" sz="6000" b="0" i="0" u="none" strike="noStrike" kern="1200" cap="all" spc="0" normalizeH="0" baseline="0" noProof="0" dirty="0">
+              <a:ln>
+                <a:noFill/>
+              </a:ln>
+              <a:solidFill>
+                <a:srgbClr val="FFFFFF"/>
+              </a:solidFill>
+              <a:effectLst/>
+              <a:uLnTx/>
+              <a:uFillTx/>
+              <a:latin typeface="Cambria" panose="02040503050406030204" pitchFamily="18" charset="0"/>
+              <a:ea typeface="+mn-ea"/>
+              <a:cs typeface="Arial" panose="020B0604020202020204" pitchFamily="34" charset="0"/>
+            </a:endParaRPr>
+          </a:p>
+        </p:txBody>
+      </p:sp>
+      <p:sp>
+        <p:nvSpPr>
+          <p:cNvPr id="58" name="TextBox 57">
+            <a:extLst>
+              <a:ext uri="{FF2B5EF4-FFF2-40B4-BE49-F238E27FC236}">
+                <a16:creationId xmlns:a16="http://schemas.microsoft.com/office/drawing/2014/main" id="{4EAAC4D2-FE76-4BB8-933F-4B3D5468148F}"/>
+              </a:ext>
+            </a:extLst>
+          </p:cNvPr>
+          <p:cNvSpPr txBox="1"/>
+          <p:nvPr/>
+        </p:nvSpPr>
+        <p:spPr>
+          <a:xfrm>
+            <a:off x="224429" y="8608578"/>
+            <a:ext cx="4532625" cy="553998"/>
           </a:xfrm>
           <a:prstGeom prst="rect">
             <a:avLst/>
@@ -5382,16 +8181,16 @@
           <a:lstStyle/>
           <a:p>
             <a:r>
-              <a:rPr lang="en-US" altLang="zh-CN" sz="3600" dirty="0">
+              <a:rPr lang="en-US" altLang="zh-CN" sz="3000" dirty="0">
                 <a:solidFill>
                   <a:schemeClr val="bg1"/>
                 </a:solidFill>
                 <a:latin typeface="Times New Roman" panose="02020603050405020304" pitchFamily="18" charset="0"/>
                 <a:cs typeface="Times New Roman" panose="02020603050405020304" pitchFamily="18" charset="0"/>
               </a:rPr>
-              <a:t>Result</a:t>
-            </a:r>
-            <a:endParaRPr lang="en-US" sz="3600" dirty="0">
+              <a:t>Approach</a:t>
+            </a:r>
+            <a:endParaRPr lang="en-US" sz="3000" dirty="0">
               <a:solidFill>
                 <a:schemeClr val="bg1"/>
               </a:solidFill>
@@ -5403,10 +8202,10 @@
       </p:sp>
       <p:sp>
         <p:nvSpPr>
-          <p:cNvPr id="44" name="Text Placeholder 4">
+          <p:cNvPr id="59" name="Text Placeholder 4">
             <a:extLst>
               <a:ext uri="{FF2B5EF4-FFF2-40B4-BE49-F238E27FC236}">
-                <a16:creationId xmlns:a16="http://schemas.microsoft.com/office/drawing/2014/main" id="{2BC23074-CE0F-4CAE-8775-A338D4515D04}"/>
+                <a16:creationId xmlns:a16="http://schemas.microsoft.com/office/drawing/2014/main" id="{C452CDF2-CD49-4170-9A3E-EEA35208F2E4}"/>
               </a:ext>
             </a:extLst>
           </p:cNvPr>
@@ -5417,8 +8216,623 @@
         </p:nvSpPr>
         <p:spPr>
           <a:xfrm>
-            <a:off x="8427259" y="12656072"/>
-            <a:ext cx="6534175" cy="710605"/>
+            <a:off x="224429" y="17012932"/>
+            <a:ext cx="7334611" cy="573940"/>
+          </a:xfrm>
+          <a:prstGeom prst="round1Rect">
+            <a:avLst/>
+          </a:prstGeom>
+          <a:solidFill>
+            <a:schemeClr val="accent6">
+              <a:lumMod val="60000"/>
+              <a:lumOff val="40000"/>
+            </a:schemeClr>
+          </a:solidFill>
+        </p:spPr>
+        <p:txBody>
+          <a:bodyPr vert="horz" lIns="365760" tIns="45720" rIns="91440" bIns="45720" rtlCol="0" anchor="ctr">
+            <a:noAutofit/>
+          </a:bodyPr>
+          <a:lstStyle>
+            <a:lvl1pPr marL="0" indent="0" algn="l" defTabSz="4389120" rtl="0" eaLnBrk="1" latinLnBrk="0" hangingPunct="1">
+              <a:lnSpc>
+                <a:spcPct val="100000"/>
+              </a:lnSpc>
+              <a:spcBef>
+                <a:spcPts val="0"/>
+              </a:spcBef>
+              <a:buClr>
+                <a:schemeClr val="accent2"/>
+              </a:buClr>
+              <a:buFont typeface="Arial" panose="020B0604020202020204" pitchFamily="34" charset="0"/>
+              <a:buNone/>
+              <a:defRPr sz="6000" kern="1200" cap="all" baseline="0">
+                <a:solidFill>
+                  <a:schemeClr val="bg1"/>
+                </a:solidFill>
+                <a:latin typeface="+mj-lt"/>
+                <a:ea typeface="+mn-ea"/>
+                <a:cs typeface="+mn-cs"/>
+              </a:defRPr>
+            </a:lvl1pPr>
+            <a:lvl2pPr marL="0" indent="0" algn="l" defTabSz="4389120" rtl="0" eaLnBrk="1" latinLnBrk="0" hangingPunct="1">
+              <a:lnSpc>
+                <a:spcPct val="100000"/>
+              </a:lnSpc>
+              <a:spcBef>
+                <a:spcPts val="0"/>
+              </a:spcBef>
+              <a:buClr>
+                <a:schemeClr val="accent2"/>
+              </a:buClr>
+              <a:buFont typeface="Arial" panose="020B0604020202020204" pitchFamily="34" charset="0"/>
+              <a:buNone/>
+              <a:defRPr sz="6000" kern="1200" cap="all" baseline="0">
+                <a:solidFill>
+                  <a:schemeClr val="bg1"/>
+                </a:solidFill>
+                <a:latin typeface="+mj-lt"/>
+                <a:ea typeface="+mn-ea"/>
+                <a:cs typeface="+mn-cs"/>
+              </a:defRPr>
+            </a:lvl2pPr>
+            <a:lvl3pPr marL="0" indent="0" algn="l" defTabSz="4389120" rtl="0" eaLnBrk="1" latinLnBrk="0" hangingPunct="1">
+              <a:lnSpc>
+                <a:spcPct val="100000"/>
+              </a:lnSpc>
+              <a:spcBef>
+                <a:spcPts val="0"/>
+              </a:spcBef>
+              <a:buClr>
+                <a:schemeClr val="accent2"/>
+              </a:buClr>
+              <a:buFont typeface="Arial" panose="020B0604020202020204" pitchFamily="34" charset="0"/>
+              <a:buNone/>
+              <a:defRPr sz="6000" kern="1200" cap="all" baseline="0">
+                <a:solidFill>
+                  <a:schemeClr val="bg1"/>
+                </a:solidFill>
+                <a:latin typeface="+mj-lt"/>
+                <a:ea typeface="+mn-ea"/>
+                <a:cs typeface="+mn-cs"/>
+              </a:defRPr>
+            </a:lvl3pPr>
+            <a:lvl4pPr marL="0" indent="0" algn="l" defTabSz="4389120" rtl="0" eaLnBrk="1" latinLnBrk="0" hangingPunct="1">
+              <a:lnSpc>
+                <a:spcPct val="100000"/>
+              </a:lnSpc>
+              <a:spcBef>
+                <a:spcPts val="0"/>
+              </a:spcBef>
+              <a:buClr>
+                <a:schemeClr val="accent2"/>
+              </a:buClr>
+              <a:buFont typeface="Arial" panose="020B0604020202020204" pitchFamily="34" charset="0"/>
+              <a:buNone/>
+              <a:defRPr sz="6000" kern="1200" cap="all" baseline="0">
+                <a:solidFill>
+                  <a:schemeClr val="bg1"/>
+                </a:solidFill>
+                <a:latin typeface="+mj-lt"/>
+                <a:ea typeface="+mn-ea"/>
+                <a:cs typeface="+mn-cs"/>
+              </a:defRPr>
+            </a:lvl4pPr>
+            <a:lvl5pPr marL="0" indent="0" algn="l" defTabSz="4389120" rtl="0" eaLnBrk="1" latinLnBrk="0" hangingPunct="1">
+              <a:lnSpc>
+                <a:spcPct val="100000"/>
+              </a:lnSpc>
+              <a:spcBef>
+                <a:spcPts val="0"/>
+              </a:spcBef>
+              <a:buClr>
+                <a:schemeClr val="accent2"/>
+              </a:buClr>
+              <a:buFont typeface="Arial" panose="020B0604020202020204" pitchFamily="34" charset="0"/>
+              <a:buNone/>
+              <a:defRPr sz="6000" kern="1200" cap="all" baseline="0">
+                <a:solidFill>
+                  <a:schemeClr val="bg1"/>
+                </a:solidFill>
+                <a:latin typeface="+mj-lt"/>
+                <a:ea typeface="+mn-ea"/>
+                <a:cs typeface="+mn-cs"/>
+              </a:defRPr>
+            </a:lvl5pPr>
+            <a:lvl6pPr marL="0" indent="0" algn="l" defTabSz="4389120" rtl="0" eaLnBrk="1" latinLnBrk="0" hangingPunct="1">
+              <a:lnSpc>
+                <a:spcPct val="100000"/>
+              </a:lnSpc>
+              <a:spcBef>
+                <a:spcPts val="0"/>
+              </a:spcBef>
+              <a:buClr>
+                <a:schemeClr val="accent2"/>
+              </a:buClr>
+              <a:buFont typeface="Arial" panose="020B0604020202020204" pitchFamily="34" charset="0"/>
+              <a:buNone/>
+              <a:defRPr sz="6000" kern="1200" cap="all" baseline="0">
+                <a:solidFill>
+                  <a:schemeClr val="bg1"/>
+                </a:solidFill>
+                <a:latin typeface="+mj-lt"/>
+                <a:ea typeface="+mn-ea"/>
+                <a:cs typeface="+mn-cs"/>
+              </a:defRPr>
+            </a:lvl6pPr>
+            <a:lvl7pPr marL="0" indent="0" algn="l" defTabSz="4389120" rtl="0" eaLnBrk="1" latinLnBrk="0" hangingPunct="1">
+              <a:lnSpc>
+                <a:spcPct val="100000"/>
+              </a:lnSpc>
+              <a:spcBef>
+                <a:spcPts val="0"/>
+              </a:spcBef>
+              <a:buClr>
+                <a:schemeClr val="accent2"/>
+              </a:buClr>
+              <a:buFont typeface="Arial" panose="020B0604020202020204" pitchFamily="34" charset="0"/>
+              <a:buNone/>
+              <a:defRPr sz="6000" kern="1200" cap="all" baseline="0">
+                <a:solidFill>
+                  <a:schemeClr val="bg1"/>
+                </a:solidFill>
+                <a:latin typeface="+mj-lt"/>
+                <a:ea typeface="+mn-ea"/>
+                <a:cs typeface="+mn-cs"/>
+              </a:defRPr>
+            </a:lvl7pPr>
+            <a:lvl8pPr marL="0" indent="0" algn="l" defTabSz="4389120" rtl="0" eaLnBrk="1" latinLnBrk="0" hangingPunct="1">
+              <a:lnSpc>
+                <a:spcPct val="100000"/>
+              </a:lnSpc>
+              <a:spcBef>
+                <a:spcPts val="0"/>
+              </a:spcBef>
+              <a:buClr>
+                <a:schemeClr val="accent2"/>
+              </a:buClr>
+              <a:buFont typeface="Arial" panose="020B0604020202020204" pitchFamily="34" charset="0"/>
+              <a:buNone/>
+              <a:defRPr sz="6000" kern="1200" cap="all" baseline="0">
+                <a:solidFill>
+                  <a:schemeClr val="bg1"/>
+                </a:solidFill>
+                <a:latin typeface="+mj-lt"/>
+                <a:ea typeface="+mn-ea"/>
+                <a:cs typeface="+mn-cs"/>
+              </a:defRPr>
+            </a:lvl8pPr>
+            <a:lvl9pPr marL="0" indent="0" algn="l" defTabSz="4389120" rtl="0" eaLnBrk="1" latinLnBrk="0" hangingPunct="1">
+              <a:lnSpc>
+                <a:spcPct val="100000"/>
+              </a:lnSpc>
+              <a:spcBef>
+                <a:spcPts val="0"/>
+              </a:spcBef>
+              <a:buClr>
+                <a:schemeClr val="accent2"/>
+              </a:buClr>
+              <a:buFont typeface="Arial" panose="020B0604020202020204" pitchFamily="34" charset="0"/>
+              <a:buNone/>
+              <a:defRPr sz="6000" kern="1200" cap="all" baseline="0">
+                <a:solidFill>
+                  <a:schemeClr val="bg1"/>
+                </a:solidFill>
+                <a:latin typeface="+mj-lt"/>
+                <a:ea typeface="+mn-ea"/>
+                <a:cs typeface="+mn-cs"/>
+              </a:defRPr>
+            </a:lvl9pPr>
+          </a:lstStyle>
+          <a:p>
+            <a:pPr marL="0" marR="0" lvl="0" indent="0" algn="l" defTabSz="4389120" rtl="0" eaLnBrk="1" fontAlgn="auto" latinLnBrk="0" hangingPunct="1">
+              <a:lnSpc>
+                <a:spcPct val="100000"/>
+              </a:lnSpc>
+              <a:spcBef>
+                <a:spcPts val="0"/>
+              </a:spcBef>
+              <a:spcAft>
+                <a:spcPts val="0"/>
+              </a:spcAft>
+              <a:buClr>
+                <a:srgbClr val="AD8F67"/>
+              </a:buClr>
+              <a:buSzTx/>
+              <a:buFont typeface="Arial" panose="020B0604020202020204" pitchFamily="34" charset="0"/>
+              <a:buNone/>
+              <a:tabLst/>
+              <a:defRPr/>
+            </a:pPr>
+            <a:endParaRPr kumimoji="0" lang="en-US" sz="6000" b="0" i="0" u="none" strike="noStrike" kern="1200" cap="all" spc="0" normalizeH="0" baseline="0" noProof="0" dirty="0">
+              <a:ln>
+                <a:noFill/>
+              </a:ln>
+              <a:solidFill>
+                <a:srgbClr val="FFFFFF"/>
+              </a:solidFill>
+              <a:effectLst/>
+              <a:uLnTx/>
+              <a:uFillTx/>
+              <a:latin typeface="Cambria" panose="02040503050406030204" pitchFamily="18" charset="0"/>
+              <a:ea typeface="+mn-ea"/>
+              <a:cs typeface="Arial" panose="020B0604020202020204" pitchFamily="34" charset="0"/>
+            </a:endParaRPr>
+          </a:p>
+        </p:txBody>
+      </p:sp>
+      <p:sp>
+        <p:nvSpPr>
+          <p:cNvPr id="60" name="TextBox 59">
+            <a:extLst>
+              <a:ext uri="{FF2B5EF4-FFF2-40B4-BE49-F238E27FC236}">
+                <a16:creationId xmlns:a16="http://schemas.microsoft.com/office/drawing/2014/main" id="{CA5D0AE5-2080-4A39-A27F-B7BA2B6A60F1}"/>
+              </a:ext>
+            </a:extLst>
+          </p:cNvPr>
+          <p:cNvSpPr txBox="1"/>
+          <p:nvPr/>
+        </p:nvSpPr>
+        <p:spPr>
+          <a:xfrm>
+            <a:off x="224429" y="17015651"/>
+            <a:ext cx="4532625" cy="553998"/>
+          </a:xfrm>
+          <a:prstGeom prst="rect">
+            <a:avLst/>
+          </a:prstGeom>
+          <a:noFill/>
+        </p:spPr>
+        <p:txBody>
+          <a:bodyPr wrap="square" rtlCol="0">
+            <a:spAutoFit/>
+          </a:bodyPr>
+          <a:lstStyle/>
+          <a:p>
+            <a:r>
+              <a:rPr lang="en-US" altLang="zh-CN" sz="3000" dirty="0">
+                <a:solidFill>
+                  <a:schemeClr val="bg1"/>
+                </a:solidFill>
+                <a:latin typeface="Times New Roman" panose="02020603050405020304" pitchFamily="18" charset="0"/>
+                <a:cs typeface="Times New Roman" panose="02020603050405020304" pitchFamily="18" charset="0"/>
+              </a:rPr>
+              <a:t>Simulation</a:t>
+            </a:r>
+            <a:endParaRPr lang="en-US" sz="3000" dirty="0">
+              <a:solidFill>
+                <a:schemeClr val="bg1"/>
+              </a:solidFill>
+              <a:latin typeface="Times New Roman" panose="02020603050405020304" pitchFamily="18" charset="0"/>
+              <a:cs typeface="Times New Roman" panose="02020603050405020304" pitchFamily="18" charset="0"/>
+            </a:endParaRPr>
+          </a:p>
+        </p:txBody>
+      </p:sp>
+      <p:sp>
+        <p:nvSpPr>
+          <p:cNvPr id="61" name="Text Placeholder 4">
+            <a:extLst>
+              <a:ext uri="{FF2B5EF4-FFF2-40B4-BE49-F238E27FC236}">
+                <a16:creationId xmlns:a16="http://schemas.microsoft.com/office/drawing/2014/main" id="{8CC620E6-4D48-4714-BB9E-D7869FCA3D74}"/>
+              </a:ext>
+            </a:extLst>
+          </p:cNvPr>
+          <p:cNvSpPr txBox="1">
+            <a:spLocks/>
+          </p:cNvSpPr>
+          <p:nvPr/>
+        </p:nvSpPr>
+        <p:spPr>
+          <a:xfrm>
+            <a:off x="7905876" y="3198020"/>
+            <a:ext cx="7334611" cy="573940"/>
+          </a:xfrm>
+          <a:prstGeom prst="round1Rect">
+            <a:avLst/>
+          </a:prstGeom>
+          <a:solidFill>
+            <a:srgbClr val="DA8886"/>
+          </a:solidFill>
+        </p:spPr>
+        <p:txBody>
+          <a:bodyPr vert="horz" lIns="365760" tIns="45720" rIns="91440" bIns="45720" rtlCol="0" anchor="ctr">
+            <a:noAutofit/>
+          </a:bodyPr>
+          <a:lstStyle>
+            <a:lvl1pPr marL="0" indent="0" algn="l" defTabSz="4389120" rtl="0" eaLnBrk="1" latinLnBrk="0" hangingPunct="1">
+              <a:lnSpc>
+                <a:spcPct val="100000"/>
+              </a:lnSpc>
+              <a:spcBef>
+                <a:spcPts val="0"/>
+              </a:spcBef>
+              <a:buClr>
+                <a:schemeClr val="accent2"/>
+              </a:buClr>
+              <a:buFont typeface="Arial" panose="020B0604020202020204" pitchFamily="34" charset="0"/>
+              <a:buNone/>
+              <a:defRPr sz="6000" kern="1200" cap="all" baseline="0">
+                <a:solidFill>
+                  <a:schemeClr val="bg1"/>
+                </a:solidFill>
+                <a:latin typeface="+mj-lt"/>
+                <a:ea typeface="+mn-ea"/>
+                <a:cs typeface="+mn-cs"/>
+              </a:defRPr>
+            </a:lvl1pPr>
+            <a:lvl2pPr marL="0" indent="0" algn="l" defTabSz="4389120" rtl="0" eaLnBrk="1" latinLnBrk="0" hangingPunct="1">
+              <a:lnSpc>
+                <a:spcPct val="100000"/>
+              </a:lnSpc>
+              <a:spcBef>
+                <a:spcPts val="0"/>
+              </a:spcBef>
+              <a:buClr>
+                <a:schemeClr val="accent2"/>
+              </a:buClr>
+              <a:buFont typeface="Arial" panose="020B0604020202020204" pitchFamily="34" charset="0"/>
+              <a:buNone/>
+              <a:defRPr sz="6000" kern="1200" cap="all" baseline="0">
+                <a:solidFill>
+                  <a:schemeClr val="bg1"/>
+                </a:solidFill>
+                <a:latin typeface="+mj-lt"/>
+                <a:ea typeface="+mn-ea"/>
+                <a:cs typeface="+mn-cs"/>
+              </a:defRPr>
+            </a:lvl2pPr>
+            <a:lvl3pPr marL="0" indent="0" algn="l" defTabSz="4389120" rtl="0" eaLnBrk="1" latinLnBrk="0" hangingPunct="1">
+              <a:lnSpc>
+                <a:spcPct val="100000"/>
+              </a:lnSpc>
+              <a:spcBef>
+                <a:spcPts val="0"/>
+              </a:spcBef>
+              <a:buClr>
+                <a:schemeClr val="accent2"/>
+              </a:buClr>
+              <a:buFont typeface="Arial" panose="020B0604020202020204" pitchFamily="34" charset="0"/>
+              <a:buNone/>
+              <a:defRPr sz="6000" kern="1200" cap="all" baseline="0">
+                <a:solidFill>
+                  <a:schemeClr val="bg1"/>
+                </a:solidFill>
+                <a:latin typeface="+mj-lt"/>
+                <a:ea typeface="+mn-ea"/>
+                <a:cs typeface="+mn-cs"/>
+              </a:defRPr>
+            </a:lvl3pPr>
+            <a:lvl4pPr marL="0" indent="0" algn="l" defTabSz="4389120" rtl="0" eaLnBrk="1" latinLnBrk="0" hangingPunct="1">
+              <a:lnSpc>
+                <a:spcPct val="100000"/>
+              </a:lnSpc>
+              <a:spcBef>
+                <a:spcPts val="0"/>
+              </a:spcBef>
+              <a:buClr>
+                <a:schemeClr val="accent2"/>
+              </a:buClr>
+              <a:buFont typeface="Arial" panose="020B0604020202020204" pitchFamily="34" charset="0"/>
+              <a:buNone/>
+              <a:defRPr sz="6000" kern="1200" cap="all" baseline="0">
+                <a:solidFill>
+                  <a:schemeClr val="bg1"/>
+                </a:solidFill>
+                <a:latin typeface="+mj-lt"/>
+                <a:ea typeface="+mn-ea"/>
+                <a:cs typeface="+mn-cs"/>
+              </a:defRPr>
+            </a:lvl4pPr>
+            <a:lvl5pPr marL="0" indent="0" algn="l" defTabSz="4389120" rtl="0" eaLnBrk="1" latinLnBrk="0" hangingPunct="1">
+              <a:lnSpc>
+                <a:spcPct val="100000"/>
+              </a:lnSpc>
+              <a:spcBef>
+                <a:spcPts val="0"/>
+              </a:spcBef>
+              <a:buClr>
+                <a:schemeClr val="accent2"/>
+              </a:buClr>
+              <a:buFont typeface="Arial" panose="020B0604020202020204" pitchFamily="34" charset="0"/>
+              <a:buNone/>
+              <a:defRPr sz="6000" kern="1200" cap="all" baseline="0">
+                <a:solidFill>
+                  <a:schemeClr val="bg1"/>
+                </a:solidFill>
+                <a:latin typeface="+mj-lt"/>
+                <a:ea typeface="+mn-ea"/>
+                <a:cs typeface="+mn-cs"/>
+              </a:defRPr>
+            </a:lvl5pPr>
+            <a:lvl6pPr marL="0" indent="0" algn="l" defTabSz="4389120" rtl="0" eaLnBrk="1" latinLnBrk="0" hangingPunct="1">
+              <a:lnSpc>
+                <a:spcPct val="100000"/>
+              </a:lnSpc>
+              <a:spcBef>
+                <a:spcPts val="0"/>
+              </a:spcBef>
+              <a:buClr>
+                <a:schemeClr val="accent2"/>
+              </a:buClr>
+              <a:buFont typeface="Arial" panose="020B0604020202020204" pitchFamily="34" charset="0"/>
+              <a:buNone/>
+              <a:defRPr sz="6000" kern="1200" cap="all" baseline="0">
+                <a:solidFill>
+                  <a:schemeClr val="bg1"/>
+                </a:solidFill>
+                <a:latin typeface="+mj-lt"/>
+                <a:ea typeface="+mn-ea"/>
+                <a:cs typeface="+mn-cs"/>
+              </a:defRPr>
+            </a:lvl6pPr>
+            <a:lvl7pPr marL="0" indent="0" algn="l" defTabSz="4389120" rtl="0" eaLnBrk="1" latinLnBrk="0" hangingPunct="1">
+              <a:lnSpc>
+                <a:spcPct val="100000"/>
+              </a:lnSpc>
+              <a:spcBef>
+                <a:spcPts val="0"/>
+              </a:spcBef>
+              <a:buClr>
+                <a:schemeClr val="accent2"/>
+              </a:buClr>
+              <a:buFont typeface="Arial" panose="020B0604020202020204" pitchFamily="34" charset="0"/>
+              <a:buNone/>
+              <a:defRPr sz="6000" kern="1200" cap="all" baseline="0">
+                <a:solidFill>
+                  <a:schemeClr val="bg1"/>
+                </a:solidFill>
+                <a:latin typeface="+mj-lt"/>
+                <a:ea typeface="+mn-ea"/>
+                <a:cs typeface="+mn-cs"/>
+              </a:defRPr>
+            </a:lvl7pPr>
+            <a:lvl8pPr marL="0" indent="0" algn="l" defTabSz="4389120" rtl="0" eaLnBrk="1" latinLnBrk="0" hangingPunct="1">
+              <a:lnSpc>
+                <a:spcPct val="100000"/>
+              </a:lnSpc>
+              <a:spcBef>
+                <a:spcPts val="0"/>
+              </a:spcBef>
+              <a:buClr>
+                <a:schemeClr val="accent2"/>
+              </a:buClr>
+              <a:buFont typeface="Arial" panose="020B0604020202020204" pitchFamily="34" charset="0"/>
+              <a:buNone/>
+              <a:defRPr sz="6000" kern="1200" cap="all" baseline="0">
+                <a:solidFill>
+                  <a:schemeClr val="bg1"/>
+                </a:solidFill>
+                <a:latin typeface="+mj-lt"/>
+                <a:ea typeface="+mn-ea"/>
+                <a:cs typeface="+mn-cs"/>
+              </a:defRPr>
+            </a:lvl8pPr>
+            <a:lvl9pPr marL="0" indent="0" algn="l" defTabSz="4389120" rtl="0" eaLnBrk="1" latinLnBrk="0" hangingPunct="1">
+              <a:lnSpc>
+                <a:spcPct val="100000"/>
+              </a:lnSpc>
+              <a:spcBef>
+                <a:spcPts val="0"/>
+              </a:spcBef>
+              <a:buClr>
+                <a:schemeClr val="accent2"/>
+              </a:buClr>
+              <a:buFont typeface="Arial" panose="020B0604020202020204" pitchFamily="34" charset="0"/>
+              <a:buNone/>
+              <a:defRPr sz="6000" kern="1200" cap="all" baseline="0">
+                <a:solidFill>
+                  <a:schemeClr val="bg1"/>
+                </a:solidFill>
+                <a:latin typeface="+mj-lt"/>
+                <a:ea typeface="+mn-ea"/>
+                <a:cs typeface="+mn-cs"/>
+              </a:defRPr>
+            </a:lvl9pPr>
+          </a:lstStyle>
+          <a:p>
+            <a:pPr marL="0" marR="0" lvl="0" indent="0" algn="l" defTabSz="4389120" rtl="0" eaLnBrk="1" fontAlgn="auto" latinLnBrk="0" hangingPunct="1">
+              <a:lnSpc>
+                <a:spcPct val="100000"/>
+              </a:lnSpc>
+              <a:spcBef>
+                <a:spcPts val="0"/>
+              </a:spcBef>
+              <a:spcAft>
+                <a:spcPts val="0"/>
+              </a:spcAft>
+              <a:buClr>
+                <a:srgbClr val="AD8F67"/>
+              </a:buClr>
+              <a:buSzTx/>
+              <a:buFont typeface="Arial" panose="020B0604020202020204" pitchFamily="34" charset="0"/>
+              <a:buNone/>
+              <a:tabLst/>
+              <a:defRPr/>
+            </a:pPr>
+            <a:endParaRPr kumimoji="0" lang="en-US" sz="6000" b="0" i="0" u="none" strike="noStrike" kern="1200" cap="all" spc="0" normalizeH="0" baseline="0" noProof="0" dirty="0">
+              <a:ln>
+                <a:noFill/>
+              </a:ln>
+              <a:solidFill>
+                <a:srgbClr val="FFFFFF"/>
+              </a:solidFill>
+              <a:effectLst/>
+              <a:uLnTx/>
+              <a:uFillTx/>
+              <a:latin typeface="Cambria" panose="02040503050406030204" pitchFamily="18" charset="0"/>
+              <a:ea typeface="+mn-ea"/>
+              <a:cs typeface="Arial" panose="020B0604020202020204" pitchFamily="34" charset="0"/>
+            </a:endParaRPr>
+          </a:p>
+        </p:txBody>
+      </p:sp>
+      <p:sp>
+        <p:nvSpPr>
+          <p:cNvPr id="62" name="TextBox 61">
+            <a:extLst>
+              <a:ext uri="{FF2B5EF4-FFF2-40B4-BE49-F238E27FC236}">
+                <a16:creationId xmlns:a16="http://schemas.microsoft.com/office/drawing/2014/main" id="{7A916B14-DD39-4CEA-BD16-6793F965AC24}"/>
+              </a:ext>
+            </a:extLst>
+          </p:cNvPr>
+          <p:cNvSpPr txBox="1"/>
+          <p:nvPr/>
+        </p:nvSpPr>
+        <p:spPr>
+          <a:xfrm>
+            <a:off x="7905876" y="3200739"/>
+            <a:ext cx="4532625" cy="553998"/>
+          </a:xfrm>
+          <a:prstGeom prst="rect">
+            <a:avLst/>
+          </a:prstGeom>
+          <a:noFill/>
+        </p:spPr>
+        <p:txBody>
+          <a:bodyPr wrap="square" rtlCol="0">
+            <a:spAutoFit/>
+          </a:bodyPr>
+          <a:lstStyle/>
+          <a:p>
+            <a:r>
+              <a:rPr lang="en-US" altLang="zh-CN" sz="3000" dirty="0">
+                <a:solidFill>
+                  <a:schemeClr val="bg1"/>
+                </a:solidFill>
+                <a:latin typeface="Times New Roman" panose="02020603050405020304" pitchFamily="18" charset="0"/>
+                <a:cs typeface="Times New Roman" panose="02020603050405020304" pitchFamily="18" charset="0"/>
+              </a:rPr>
+              <a:t>Result</a:t>
+            </a:r>
+            <a:endParaRPr lang="en-US" sz="3000" dirty="0">
+              <a:solidFill>
+                <a:schemeClr val="bg1"/>
+              </a:solidFill>
+              <a:latin typeface="Times New Roman" panose="02020603050405020304" pitchFamily="18" charset="0"/>
+              <a:cs typeface="Times New Roman" panose="02020603050405020304" pitchFamily="18" charset="0"/>
+            </a:endParaRPr>
+          </a:p>
+        </p:txBody>
+      </p:sp>
+      <p:sp>
+        <p:nvSpPr>
+          <p:cNvPr id="63" name="Text Placeholder 4">
+            <a:extLst>
+              <a:ext uri="{FF2B5EF4-FFF2-40B4-BE49-F238E27FC236}">
+                <a16:creationId xmlns:a16="http://schemas.microsoft.com/office/drawing/2014/main" id="{54022A73-D74E-436E-8CA6-E4C29B7B71C7}"/>
+              </a:ext>
+            </a:extLst>
+          </p:cNvPr>
+          <p:cNvSpPr txBox="1">
+            <a:spLocks/>
+          </p:cNvSpPr>
+          <p:nvPr/>
+        </p:nvSpPr>
+        <p:spPr>
+          <a:xfrm>
+            <a:off x="7905876" y="14154195"/>
+            <a:ext cx="7334611" cy="573940"/>
           </a:xfrm>
           <a:prstGeom prst="round1Rect">
             <a:avLst/>
@@ -5664,10 +9078,10 @@
       </p:sp>
       <p:sp>
         <p:nvSpPr>
-          <p:cNvPr id="45" name="TextBox 44">
+          <p:cNvPr id="64" name="TextBox 63">
             <a:extLst>
               <a:ext uri="{FF2B5EF4-FFF2-40B4-BE49-F238E27FC236}">
-                <a16:creationId xmlns:a16="http://schemas.microsoft.com/office/drawing/2014/main" id="{E9BF2389-8C6A-4BEF-942D-93F23C884F87}"/>
+                <a16:creationId xmlns:a16="http://schemas.microsoft.com/office/drawing/2014/main" id="{5FE3DE60-4ACB-497D-B6B7-A9C7CFE8A0A6}"/>
               </a:ext>
             </a:extLst>
           </p:cNvPr>
@@ -5676,8 +9090,414 @@
         </p:nvSpPr>
         <p:spPr>
           <a:xfrm>
-            <a:off x="8427258" y="13359543"/>
-            <a:ext cx="6534175" cy="1938992"/>
+            <a:off x="7905876" y="14154195"/>
+            <a:ext cx="4532625" cy="553998"/>
+          </a:xfrm>
+          <a:prstGeom prst="rect">
+            <a:avLst/>
+          </a:prstGeom>
+          <a:noFill/>
+        </p:spPr>
+        <p:txBody>
+          <a:bodyPr wrap="square" rtlCol="0">
+            <a:spAutoFit/>
+          </a:bodyPr>
+          <a:lstStyle/>
+          <a:p>
+            <a:r>
+              <a:rPr lang="en-US" sz="3000" dirty="0">
+                <a:solidFill>
+                  <a:schemeClr val="bg1"/>
+                </a:solidFill>
+                <a:latin typeface="Times New Roman" panose="02020603050405020304" pitchFamily="18" charset="0"/>
+                <a:cs typeface="Times New Roman" panose="02020603050405020304" pitchFamily="18" charset="0"/>
+              </a:rPr>
+              <a:t>Conclusion</a:t>
+            </a:r>
+          </a:p>
+        </p:txBody>
+      </p:sp>
+      <p:sp>
+        <p:nvSpPr>
+          <p:cNvPr id="65" name="Text Placeholder 4">
+            <a:extLst>
+              <a:ext uri="{FF2B5EF4-FFF2-40B4-BE49-F238E27FC236}">
+                <a16:creationId xmlns:a16="http://schemas.microsoft.com/office/drawing/2014/main" id="{1A5D0813-9A92-4F7B-BAD4-2239BD4A4113}"/>
+              </a:ext>
+            </a:extLst>
+          </p:cNvPr>
+          <p:cNvSpPr txBox="1">
+            <a:spLocks/>
+          </p:cNvSpPr>
+          <p:nvPr/>
+        </p:nvSpPr>
+        <p:spPr>
+          <a:xfrm>
+            <a:off x="7905876" y="16734947"/>
+            <a:ext cx="7334611" cy="573940"/>
+          </a:xfrm>
+          <a:prstGeom prst="round1Rect">
+            <a:avLst/>
+          </a:prstGeom>
+          <a:solidFill>
+            <a:schemeClr val="accent4">
+              <a:lumMod val="60000"/>
+              <a:lumOff val="40000"/>
+            </a:schemeClr>
+          </a:solidFill>
+        </p:spPr>
+        <p:txBody>
+          <a:bodyPr vert="horz" lIns="365760" tIns="45720" rIns="91440" bIns="45720" rtlCol="0" anchor="ctr">
+            <a:noAutofit/>
+          </a:bodyPr>
+          <a:lstStyle>
+            <a:lvl1pPr marL="0" indent="0" algn="l" defTabSz="4389120" rtl="0" eaLnBrk="1" latinLnBrk="0" hangingPunct="1">
+              <a:lnSpc>
+                <a:spcPct val="100000"/>
+              </a:lnSpc>
+              <a:spcBef>
+                <a:spcPts val="0"/>
+              </a:spcBef>
+              <a:buClr>
+                <a:schemeClr val="accent2"/>
+              </a:buClr>
+              <a:buFont typeface="Arial" panose="020B0604020202020204" pitchFamily="34" charset="0"/>
+              <a:buNone/>
+              <a:defRPr sz="6000" kern="1200" cap="all" baseline="0">
+                <a:solidFill>
+                  <a:schemeClr val="bg1"/>
+                </a:solidFill>
+                <a:latin typeface="+mj-lt"/>
+                <a:ea typeface="+mn-ea"/>
+                <a:cs typeface="+mn-cs"/>
+              </a:defRPr>
+            </a:lvl1pPr>
+            <a:lvl2pPr marL="0" indent="0" algn="l" defTabSz="4389120" rtl="0" eaLnBrk="1" latinLnBrk="0" hangingPunct="1">
+              <a:lnSpc>
+                <a:spcPct val="100000"/>
+              </a:lnSpc>
+              <a:spcBef>
+                <a:spcPts val="0"/>
+              </a:spcBef>
+              <a:buClr>
+                <a:schemeClr val="accent2"/>
+              </a:buClr>
+              <a:buFont typeface="Arial" panose="020B0604020202020204" pitchFamily="34" charset="0"/>
+              <a:buNone/>
+              <a:defRPr sz="6000" kern="1200" cap="all" baseline="0">
+                <a:solidFill>
+                  <a:schemeClr val="bg1"/>
+                </a:solidFill>
+                <a:latin typeface="+mj-lt"/>
+                <a:ea typeface="+mn-ea"/>
+                <a:cs typeface="+mn-cs"/>
+              </a:defRPr>
+            </a:lvl2pPr>
+            <a:lvl3pPr marL="0" indent="0" algn="l" defTabSz="4389120" rtl="0" eaLnBrk="1" latinLnBrk="0" hangingPunct="1">
+              <a:lnSpc>
+                <a:spcPct val="100000"/>
+              </a:lnSpc>
+              <a:spcBef>
+                <a:spcPts val="0"/>
+              </a:spcBef>
+              <a:buClr>
+                <a:schemeClr val="accent2"/>
+              </a:buClr>
+              <a:buFont typeface="Arial" panose="020B0604020202020204" pitchFamily="34" charset="0"/>
+              <a:buNone/>
+              <a:defRPr sz="6000" kern="1200" cap="all" baseline="0">
+                <a:solidFill>
+                  <a:schemeClr val="bg1"/>
+                </a:solidFill>
+                <a:latin typeface="+mj-lt"/>
+                <a:ea typeface="+mn-ea"/>
+                <a:cs typeface="+mn-cs"/>
+              </a:defRPr>
+            </a:lvl3pPr>
+            <a:lvl4pPr marL="0" indent="0" algn="l" defTabSz="4389120" rtl="0" eaLnBrk="1" latinLnBrk="0" hangingPunct="1">
+              <a:lnSpc>
+                <a:spcPct val="100000"/>
+              </a:lnSpc>
+              <a:spcBef>
+                <a:spcPts val="0"/>
+              </a:spcBef>
+              <a:buClr>
+                <a:schemeClr val="accent2"/>
+              </a:buClr>
+              <a:buFont typeface="Arial" panose="020B0604020202020204" pitchFamily="34" charset="0"/>
+              <a:buNone/>
+              <a:defRPr sz="6000" kern="1200" cap="all" baseline="0">
+                <a:solidFill>
+                  <a:schemeClr val="bg1"/>
+                </a:solidFill>
+                <a:latin typeface="+mj-lt"/>
+                <a:ea typeface="+mn-ea"/>
+                <a:cs typeface="+mn-cs"/>
+              </a:defRPr>
+            </a:lvl4pPr>
+            <a:lvl5pPr marL="0" indent="0" algn="l" defTabSz="4389120" rtl="0" eaLnBrk="1" latinLnBrk="0" hangingPunct="1">
+              <a:lnSpc>
+                <a:spcPct val="100000"/>
+              </a:lnSpc>
+              <a:spcBef>
+                <a:spcPts val="0"/>
+              </a:spcBef>
+              <a:buClr>
+                <a:schemeClr val="accent2"/>
+              </a:buClr>
+              <a:buFont typeface="Arial" panose="020B0604020202020204" pitchFamily="34" charset="0"/>
+              <a:buNone/>
+              <a:defRPr sz="6000" kern="1200" cap="all" baseline="0">
+                <a:solidFill>
+                  <a:schemeClr val="bg1"/>
+                </a:solidFill>
+                <a:latin typeface="+mj-lt"/>
+                <a:ea typeface="+mn-ea"/>
+                <a:cs typeface="+mn-cs"/>
+              </a:defRPr>
+            </a:lvl5pPr>
+            <a:lvl6pPr marL="0" indent="0" algn="l" defTabSz="4389120" rtl="0" eaLnBrk="1" latinLnBrk="0" hangingPunct="1">
+              <a:lnSpc>
+                <a:spcPct val="100000"/>
+              </a:lnSpc>
+              <a:spcBef>
+                <a:spcPts val="0"/>
+              </a:spcBef>
+              <a:buClr>
+                <a:schemeClr val="accent2"/>
+              </a:buClr>
+              <a:buFont typeface="Arial" panose="020B0604020202020204" pitchFamily="34" charset="0"/>
+              <a:buNone/>
+              <a:defRPr sz="6000" kern="1200" cap="all" baseline="0">
+                <a:solidFill>
+                  <a:schemeClr val="bg1"/>
+                </a:solidFill>
+                <a:latin typeface="+mj-lt"/>
+                <a:ea typeface="+mn-ea"/>
+                <a:cs typeface="+mn-cs"/>
+              </a:defRPr>
+            </a:lvl6pPr>
+            <a:lvl7pPr marL="0" indent="0" algn="l" defTabSz="4389120" rtl="0" eaLnBrk="1" latinLnBrk="0" hangingPunct="1">
+              <a:lnSpc>
+                <a:spcPct val="100000"/>
+              </a:lnSpc>
+              <a:spcBef>
+                <a:spcPts val="0"/>
+              </a:spcBef>
+              <a:buClr>
+                <a:schemeClr val="accent2"/>
+              </a:buClr>
+              <a:buFont typeface="Arial" panose="020B0604020202020204" pitchFamily="34" charset="0"/>
+              <a:buNone/>
+              <a:defRPr sz="6000" kern="1200" cap="all" baseline="0">
+                <a:solidFill>
+                  <a:schemeClr val="bg1"/>
+                </a:solidFill>
+                <a:latin typeface="+mj-lt"/>
+                <a:ea typeface="+mn-ea"/>
+                <a:cs typeface="+mn-cs"/>
+              </a:defRPr>
+            </a:lvl7pPr>
+            <a:lvl8pPr marL="0" indent="0" algn="l" defTabSz="4389120" rtl="0" eaLnBrk="1" latinLnBrk="0" hangingPunct="1">
+              <a:lnSpc>
+                <a:spcPct val="100000"/>
+              </a:lnSpc>
+              <a:spcBef>
+                <a:spcPts val="0"/>
+              </a:spcBef>
+              <a:buClr>
+                <a:schemeClr val="accent2"/>
+              </a:buClr>
+              <a:buFont typeface="Arial" panose="020B0604020202020204" pitchFamily="34" charset="0"/>
+              <a:buNone/>
+              <a:defRPr sz="6000" kern="1200" cap="all" baseline="0">
+                <a:solidFill>
+                  <a:schemeClr val="bg1"/>
+                </a:solidFill>
+                <a:latin typeface="+mj-lt"/>
+                <a:ea typeface="+mn-ea"/>
+                <a:cs typeface="+mn-cs"/>
+              </a:defRPr>
+            </a:lvl8pPr>
+            <a:lvl9pPr marL="0" indent="0" algn="l" defTabSz="4389120" rtl="0" eaLnBrk="1" latinLnBrk="0" hangingPunct="1">
+              <a:lnSpc>
+                <a:spcPct val="100000"/>
+              </a:lnSpc>
+              <a:spcBef>
+                <a:spcPts val="0"/>
+              </a:spcBef>
+              <a:buClr>
+                <a:schemeClr val="accent2"/>
+              </a:buClr>
+              <a:buFont typeface="Arial" panose="020B0604020202020204" pitchFamily="34" charset="0"/>
+              <a:buNone/>
+              <a:defRPr sz="6000" kern="1200" cap="all" baseline="0">
+                <a:solidFill>
+                  <a:schemeClr val="bg1"/>
+                </a:solidFill>
+                <a:latin typeface="+mj-lt"/>
+                <a:ea typeface="+mn-ea"/>
+                <a:cs typeface="+mn-cs"/>
+              </a:defRPr>
+            </a:lvl9pPr>
+          </a:lstStyle>
+          <a:p>
+            <a:pPr marL="0" marR="0" lvl="0" indent="0" algn="l" defTabSz="4389120" rtl="0" eaLnBrk="1" fontAlgn="auto" latinLnBrk="0" hangingPunct="1">
+              <a:lnSpc>
+                <a:spcPct val="100000"/>
+              </a:lnSpc>
+              <a:spcBef>
+                <a:spcPts val="0"/>
+              </a:spcBef>
+              <a:spcAft>
+                <a:spcPts val="0"/>
+              </a:spcAft>
+              <a:buClr>
+                <a:srgbClr val="AD8F67"/>
+              </a:buClr>
+              <a:buSzTx/>
+              <a:buFont typeface="Arial" panose="020B0604020202020204" pitchFamily="34" charset="0"/>
+              <a:buNone/>
+              <a:tabLst/>
+              <a:defRPr/>
+            </a:pPr>
+            <a:endParaRPr kumimoji="0" lang="en-US" sz="6000" b="0" i="0" u="none" strike="noStrike" kern="1200" cap="all" spc="0" normalizeH="0" baseline="0" noProof="0" dirty="0">
+              <a:ln>
+                <a:noFill/>
+              </a:ln>
+              <a:solidFill>
+                <a:srgbClr val="FFFFFF"/>
+              </a:solidFill>
+              <a:effectLst/>
+              <a:uLnTx/>
+              <a:uFillTx/>
+              <a:latin typeface="Cambria" panose="02040503050406030204" pitchFamily="18" charset="0"/>
+              <a:ea typeface="+mn-ea"/>
+              <a:cs typeface="Arial" panose="020B0604020202020204" pitchFamily="34" charset="0"/>
+            </a:endParaRPr>
+          </a:p>
+        </p:txBody>
+      </p:sp>
+      <p:sp>
+        <p:nvSpPr>
+          <p:cNvPr id="66" name="TextBox 65">
+            <a:extLst>
+              <a:ext uri="{FF2B5EF4-FFF2-40B4-BE49-F238E27FC236}">
+                <a16:creationId xmlns:a16="http://schemas.microsoft.com/office/drawing/2014/main" id="{1CD9B51F-2C8D-46F9-880A-324572AAECE9}"/>
+              </a:ext>
+            </a:extLst>
+          </p:cNvPr>
+          <p:cNvSpPr txBox="1"/>
+          <p:nvPr/>
+        </p:nvSpPr>
+        <p:spPr>
+          <a:xfrm>
+            <a:off x="7905876" y="16734947"/>
+            <a:ext cx="4532625" cy="553998"/>
+          </a:xfrm>
+          <a:prstGeom prst="rect">
+            <a:avLst/>
+          </a:prstGeom>
+          <a:noFill/>
+        </p:spPr>
+        <p:txBody>
+          <a:bodyPr wrap="square" rtlCol="0">
+            <a:spAutoFit/>
+          </a:bodyPr>
+          <a:lstStyle/>
+          <a:p>
+            <a:r>
+              <a:rPr lang="en-US" sz="3000" dirty="0">
+                <a:solidFill>
+                  <a:schemeClr val="bg1"/>
+                </a:solidFill>
+                <a:latin typeface="Times New Roman" panose="02020603050405020304" pitchFamily="18" charset="0"/>
+                <a:cs typeface="Times New Roman" panose="02020603050405020304" pitchFamily="18" charset="0"/>
+              </a:rPr>
+              <a:t>Reference</a:t>
+            </a:r>
+          </a:p>
+        </p:txBody>
+      </p:sp>
+      <p:pic>
+        <p:nvPicPr>
+          <p:cNvPr id="8" name="Picture 7">
+            <a:extLst>
+              <a:ext uri="{FF2B5EF4-FFF2-40B4-BE49-F238E27FC236}">
+                <a16:creationId xmlns:a16="http://schemas.microsoft.com/office/drawing/2014/main" id="{B28E4337-D869-4515-8565-E71EB8E9D04C}"/>
+              </a:ext>
+            </a:extLst>
+          </p:cNvPr>
+          <p:cNvPicPr>
+            <a:picLocks noChangeAspect="1"/>
+          </p:cNvPicPr>
+          <p:nvPr/>
+        </p:nvPicPr>
+        <p:blipFill>
+          <a:blip r:embed="rId11"/>
+          <a:stretch>
+            <a:fillRect/>
+          </a:stretch>
+        </p:blipFill>
+        <p:spPr>
+          <a:xfrm>
+            <a:off x="224429" y="5589458"/>
+            <a:ext cx="3656625" cy="2560773"/>
+          </a:xfrm>
+          <a:prstGeom prst="rect">
+            <a:avLst/>
+          </a:prstGeom>
+        </p:spPr>
+      </p:pic>
+      <p:pic>
+        <p:nvPicPr>
+          <p:cNvPr id="14" name="Online Media 13">
+            <a:hlinkClick r:id="" action="ppaction://media"/>
+            <a:extLst>
+              <a:ext uri="{FF2B5EF4-FFF2-40B4-BE49-F238E27FC236}">
+                <a16:creationId xmlns:a16="http://schemas.microsoft.com/office/drawing/2014/main" id="{FE4C321F-0839-4FAD-B36D-11DE28F1D075}"/>
+              </a:ext>
+            </a:extLst>
+          </p:cNvPr>
+          <p:cNvPicPr>
+            <a:picLocks noRot="1" noChangeAspect="1"/>
+          </p:cNvPicPr>
+          <p:nvPr>
+            <a:videoFile r:link="rId2"/>
+          </p:nvPr>
+        </p:nvPicPr>
+        <p:blipFill>
+          <a:blip r:embed="rId9"/>
+          <a:stretch>
+            <a:fillRect/>
+          </a:stretch>
+        </p:blipFill>
+        <p:spPr>
+          <a:xfrm>
+            <a:off x="7883774" y="9298761"/>
+            <a:ext cx="7395555" cy="4160561"/>
+          </a:xfrm>
+          <a:prstGeom prst="rect">
+            <a:avLst/>
+          </a:prstGeom>
+        </p:spPr>
+      </p:pic>
+      <p:sp>
+        <p:nvSpPr>
+          <p:cNvPr id="67" name="TextBox 66">
+            <a:extLst>
+              <a:ext uri="{FF2B5EF4-FFF2-40B4-BE49-F238E27FC236}">
+                <a16:creationId xmlns:a16="http://schemas.microsoft.com/office/drawing/2014/main" id="{9720B53C-8CB7-4313-AC07-A8CD4E8F81D3}"/>
+              </a:ext>
+            </a:extLst>
+          </p:cNvPr>
+          <p:cNvSpPr txBox="1"/>
+          <p:nvPr/>
+        </p:nvSpPr>
+        <p:spPr>
+          <a:xfrm>
+            <a:off x="8239355" y="13575926"/>
+            <a:ext cx="6534175" cy="461665"/>
           </a:xfrm>
           <a:prstGeom prst="rect">
             <a:avLst/>
@@ -5706,1070 +9526,29 @@
           </a:bodyPr>
           <a:lstStyle/>
           <a:p>
-            <a:pPr marL="342900" indent="-342900">
-              <a:buFont typeface="Arial" panose="020B0604020202020204" pitchFamily="34" charset="0"/>
-              <a:buChar char="•"/>
-            </a:pPr>
-            <a:r>
-              <a:rPr lang="en-US" altLang="zh-CN" sz="2400" dirty="0">
+            <a:pPr algn="ctr"/>
+            <a:r>
+              <a:rPr lang="en-US" altLang="zh-CN" sz="2400" i="1" dirty="0">
                 <a:latin typeface="Times New Roman" panose="02020603050405020304" pitchFamily="18" charset="0"/>
                 <a:cs typeface="Times New Roman" panose="02020603050405020304" pitchFamily="18" charset="0"/>
               </a:rPr>
-              <a:t>Simulation shows the end effector moves as expected, which verifies the</a:t>
-            </a:r>
-            <a:r>
-              <a:rPr lang="zh-CN" altLang="en-US" sz="2400" dirty="0">
-                <a:latin typeface="Times New Roman" panose="02020603050405020304" pitchFamily="18" charset="0"/>
-                <a:cs typeface="Times New Roman" panose="02020603050405020304" pitchFamily="18" charset="0"/>
-              </a:rPr>
-              <a:t> </a:t>
-            </a:r>
-            <a:r>
-              <a:rPr lang="en-US" altLang="zh-CN" sz="2400" dirty="0">
-                <a:latin typeface="Times New Roman" panose="02020603050405020304" pitchFamily="18" charset="0"/>
-                <a:cs typeface="Times New Roman" panose="02020603050405020304" pitchFamily="18" charset="0"/>
-              </a:rPr>
-              <a:t>feasibility of kinematics in former research.</a:t>
-            </a:r>
-          </a:p>
-          <a:p>
-            <a:pPr marL="342900" indent="-342900">
-              <a:buFont typeface="Arial" panose="020B0604020202020204" pitchFamily="34" charset="0"/>
-              <a:buChar char="•"/>
-            </a:pPr>
-            <a:r>
-              <a:rPr lang="en-US" altLang="zh-CN" sz="2400" dirty="0">
-                <a:latin typeface="Times New Roman" panose="02020603050405020304" pitchFamily="18" charset="0"/>
-                <a:cs typeface="Times New Roman" panose="02020603050405020304" pitchFamily="18" charset="0"/>
-              </a:rPr>
-              <a:t>Controls are applied to make the robot move to expected states.</a:t>
-            </a:r>
-          </a:p>
-        </p:txBody>
-      </p:sp>
-      <p:sp>
-        <p:nvSpPr>
-          <p:cNvPr id="46" name="TextBox 45">
-            <a:extLst>
-              <a:ext uri="{FF2B5EF4-FFF2-40B4-BE49-F238E27FC236}">
-                <a16:creationId xmlns:a16="http://schemas.microsoft.com/office/drawing/2014/main" id="{4270F1B2-9214-4DAE-A8D5-11AC832427FC}"/>
-              </a:ext>
-            </a:extLst>
-          </p:cNvPr>
-          <p:cNvSpPr txBox="1"/>
-          <p:nvPr/>
-        </p:nvSpPr>
-        <p:spPr>
-          <a:xfrm>
-            <a:off x="8427259" y="12658791"/>
-            <a:ext cx="4532625" cy="646331"/>
-          </a:xfrm>
-          <a:prstGeom prst="rect">
-            <a:avLst/>
-          </a:prstGeom>
-          <a:noFill/>
-        </p:spPr>
-        <p:txBody>
-          <a:bodyPr wrap="square" rtlCol="0">
-            <a:spAutoFit/>
-          </a:bodyPr>
-          <a:lstStyle/>
-          <a:p>
-            <a:r>
-              <a:rPr lang="en-US" sz="3600" dirty="0">
-                <a:solidFill>
-                  <a:schemeClr val="bg1"/>
-                </a:solidFill>
-                <a:latin typeface="Times New Roman" panose="02020603050405020304" pitchFamily="18" charset="0"/>
-                <a:cs typeface="Times New Roman" panose="02020603050405020304" pitchFamily="18" charset="0"/>
-              </a:rPr>
-              <a:t>Conclusion</a:t>
-            </a:r>
-          </a:p>
-        </p:txBody>
-      </p:sp>
-      <p:sp>
-        <p:nvSpPr>
-          <p:cNvPr id="47" name="Text Placeholder 4">
-            <a:extLst>
-              <a:ext uri="{FF2B5EF4-FFF2-40B4-BE49-F238E27FC236}">
-                <a16:creationId xmlns:a16="http://schemas.microsoft.com/office/drawing/2014/main" id="{0AEDF62F-2221-4758-B2AA-2E53E46C60D2}"/>
-              </a:ext>
-            </a:extLst>
-          </p:cNvPr>
-          <p:cNvSpPr txBox="1">
-            <a:spLocks/>
-          </p:cNvSpPr>
-          <p:nvPr/>
-        </p:nvSpPr>
-        <p:spPr>
-          <a:xfrm>
-            <a:off x="8427259" y="15298535"/>
-            <a:ext cx="6534175" cy="710605"/>
-          </a:xfrm>
-          <a:prstGeom prst="round1Rect">
-            <a:avLst/>
-          </a:prstGeom>
-          <a:solidFill>
-            <a:schemeClr val="accent4">
-              <a:lumMod val="60000"/>
-              <a:lumOff val="40000"/>
-            </a:schemeClr>
-          </a:solidFill>
-        </p:spPr>
-        <p:txBody>
-          <a:bodyPr vert="horz" lIns="365760" tIns="45720" rIns="91440" bIns="45720" rtlCol="0" anchor="ctr">
-            <a:noAutofit/>
-          </a:bodyPr>
-          <a:lstStyle>
-            <a:lvl1pPr marL="0" indent="0" algn="l" defTabSz="4389120" rtl="0" eaLnBrk="1" latinLnBrk="0" hangingPunct="1">
-              <a:lnSpc>
-                <a:spcPct val="100000"/>
-              </a:lnSpc>
-              <a:spcBef>
-                <a:spcPts val="0"/>
-              </a:spcBef>
-              <a:buClr>
-                <a:schemeClr val="accent2"/>
-              </a:buClr>
-              <a:buFont typeface="Arial" panose="020B0604020202020204" pitchFamily="34" charset="0"/>
-              <a:buNone/>
-              <a:defRPr sz="6000" kern="1200" cap="all" baseline="0">
-                <a:solidFill>
-                  <a:schemeClr val="bg1"/>
-                </a:solidFill>
-                <a:latin typeface="+mj-lt"/>
-                <a:ea typeface="+mn-ea"/>
-                <a:cs typeface="+mn-cs"/>
-              </a:defRPr>
-            </a:lvl1pPr>
-            <a:lvl2pPr marL="0" indent="0" algn="l" defTabSz="4389120" rtl="0" eaLnBrk="1" latinLnBrk="0" hangingPunct="1">
-              <a:lnSpc>
-                <a:spcPct val="100000"/>
-              </a:lnSpc>
-              <a:spcBef>
-                <a:spcPts val="0"/>
-              </a:spcBef>
-              <a:buClr>
-                <a:schemeClr val="accent2"/>
-              </a:buClr>
-              <a:buFont typeface="Arial" panose="020B0604020202020204" pitchFamily="34" charset="0"/>
-              <a:buNone/>
-              <a:defRPr sz="6000" kern="1200" cap="all" baseline="0">
-                <a:solidFill>
-                  <a:schemeClr val="bg1"/>
-                </a:solidFill>
-                <a:latin typeface="+mj-lt"/>
-                <a:ea typeface="+mn-ea"/>
-                <a:cs typeface="+mn-cs"/>
-              </a:defRPr>
-            </a:lvl2pPr>
-            <a:lvl3pPr marL="0" indent="0" algn="l" defTabSz="4389120" rtl="0" eaLnBrk="1" latinLnBrk="0" hangingPunct="1">
-              <a:lnSpc>
-                <a:spcPct val="100000"/>
-              </a:lnSpc>
-              <a:spcBef>
-                <a:spcPts val="0"/>
-              </a:spcBef>
-              <a:buClr>
-                <a:schemeClr val="accent2"/>
-              </a:buClr>
-              <a:buFont typeface="Arial" panose="020B0604020202020204" pitchFamily="34" charset="0"/>
-              <a:buNone/>
-              <a:defRPr sz="6000" kern="1200" cap="all" baseline="0">
-                <a:solidFill>
-                  <a:schemeClr val="bg1"/>
-                </a:solidFill>
-                <a:latin typeface="+mj-lt"/>
-                <a:ea typeface="+mn-ea"/>
-                <a:cs typeface="+mn-cs"/>
-              </a:defRPr>
-            </a:lvl3pPr>
-            <a:lvl4pPr marL="0" indent="0" algn="l" defTabSz="4389120" rtl="0" eaLnBrk="1" latinLnBrk="0" hangingPunct="1">
-              <a:lnSpc>
-                <a:spcPct val="100000"/>
-              </a:lnSpc>
-              <a:spcBef>
-                <a:spcPts val="0"/>
-              </a:spcBef>
-              <a:buClr>
-                <a:schemeClr val="accent2"/>
-              </a:buClr>
-              <a:buFont typeface="Arial" panose="020B0604020202020204" pitchFamily="34" charset="0"/>
-              <a:buNone/>
-              <a:defRPr sz="6000" kern="1200" cap="all" baseline="0">
-                <a:solidFill>
-                  <a:schemeClr val="bg1"/>
-                </a:solidFill>
-                <a:latin typeface="+mj-lt"/>
-                <a:ea typeface="+mn-ea"/>
-                <a:cs typeface="+mn-cs"/>
-              </a:defRPr>
-            </a:lvl4pPr>
-            <a:lvl5pPr marL="0" indent="0" algn="l" defTabSz="4389120" rtl="0" eaLnBrk="1" latinLnBrk="0" hangingPunct="1">
-              <a:lnSpc>
-                <a:spcPct val="100000"/>
-              </a:lnSpc>
-              <a:spcBef>
-                <a:spcPts val="0"/>
-              </a:spcBef>
-              <a:buClr>
-                <a:schemeClr val="accent2"/>
-              </a:buClr>
-              <a:buFont typeface="Arial" panose="020B0604020202020204" pitchFamily="34" charset="0"/>
-              <a:buNone/>
-              <a:defRPr sz="6000" kern="1200" cap="all" baseline="0">
-                <a:solidFill>
-                  <a:schemeClr val="bg1"/>
-                </a:solidFill>
-                <a:latin typeface="+mj-lt"/>
-                <a:ea typeface="+mn-ea"/>
-                <a:cs typeface="+mn-cs"/>
-              </a:defRPr>
-            </a:lvl5pPr>
-            <a:lvl6pPr marL="0" indent="0" algn="l" defTabSz="4389120" rtl="0" eaLnBrk="1" latinLnBrk="0" hangingPunct="1">
-              <a:lnSpc>
-                <a:spcPct val="100000"/>
-              </a:lnSpc>
-              <a:spcBef>
-                <a:spcPts val="0"/>
-              </a:spcBef>
-              <a:buClr>
-                <a:schemeClr val="accent2"/>
-              </a:buClr>
-              <a:buFont typeface="Arial" panose="020B0604020202020204" pitchFamily="34" charset="0"/>
-              <a:buNone/>
-              <a:defRPr sz="6000" kern="1200" cap="all" baseline="0">
-                <a:solidFill>
-                  <a:schemeClr val="bg1"/>
-                </a:solidFill>
-                <a:latin typeface="+mj-lt"/>
-                <a:ea typeface="+mn-ea"/>
-                <a:cs typeface="+mn-cs"/>
-              </a:defRPr>
-            </a:lvl6pPr>
-            <a:lvl7pPr marL="0" indent="0" algn="l" defTabSz="4389120" rtl="0" eaLnBrk="1" latinLnBrk="0" hangingPunct="1">
-              <a:lnSpc>
-                <a:spcPct val="100000"/>
-              </a:lnSpc>
-              <a:spcBef>
-                <a:spcPts val="0"/>
-              </a:spcBef>
-              <a:buClr>
-                <a:schemeClr val="accent2"/>
-              </a:buClr>
-              <a:buFont typeface="Arial" panose="020B0604020202020204" pitchFamily="34" charset="0"/>
-              <a:buNone/>
-              <a:defRPr sz="6000" kern="1200" cap="all" baseline="0">
-                <a:solidFill>
-                  <a:schemeClr val="bg1"/>
-                </a:solidFill>
-                <a:latin typeface="+mj-lt"/>
-                <a:ea typeface="+mn-ea"/>
-                <a:cs typeface="+mn-cs"/>
-              </a:defRPr>
-            </a:lvl7pPr>
-            <a:lvl8pPr marL="0" indent="0" algn="l" defTabSz="4389120" rtl="0" eaLnBrk="1" latinLnBrk="0" hangingPunct="1">
-              <a:lnSpc>
-                <a:spcPct val="100000"/>
-              </a:lnSpc>
-              <a:spcBef>
-                <a:spcPts val="0"/>
-              </a:spcBef>
-              <a:buClr>
-                <a:schemeClr val="accent2"/>
-              </a:buClr>
-              <a:buFont typeface="Arial" panose="020B0604020202020204" pitchFamily="34" charset="0"/>
-              <a:buNone/>
-              <a:defRPr sz="6000" kern="1200" cap="all" baseline="0">
-                <a:solidFill>
-                  <a:schemeClr val="bg1"/>
-                </a:solidFill>
-                <a:latin typeface="+mj-lt"/>
-                <a:ea typeface="+mn-ea"/>
-                <a:cs typeface="+mn-cs"/>
-              </a:defRPr>
-            </a:lvl8pPr>
-            <a:lvl9pPr marL="0" indent="0" algn="l" defTabSz="4389120" rtl="0" eaLnBrk="1" latinLnBrk="0" hangingPunct="1">
-              <a:lnSpc>
-                <a:spcPct val="100000"/>
-              </a:lnSpc>
-              <a:spcBef>
-                <a:spcPts val="0"/>
-              </a:spcBef>
-              <a:buClr>
-                <a:schemeClr val="accent2"/>
-              </a:buClr>
-              <a:buFont typeface="Arial" panose="020B0604020202020204" pitchFamily="34" charset="0"/>
-              <a:buNone/>
-              <a:defRPr sz="6000" kern="1200" cap="all" baseline="0">
-                <a:solidFill>
-                  <a:schemeClr val="bg1"/>
-                </a:solidFill>
-                <a:latin typeface="+mj-lt"/>
-                <a:ea typeface="+mn-ea"/>
-                <a:cs typeface="+mn-cs"/>
-              </a:defRPr>
-            </a:lvl9pPr>
-          </a:lstStyle>
-          <a:p>
-            <a:pPr marL="0" marR="0" lvl="0" indent="0" algn="l" defTabSz="4389120" rtl="0" eaLnBrk="1" fontAlgn="auto" latinLnBrk="0" hangingPunct="1">
-              <a:lnSpc>
-                <a:spcPct val="100000"/>
-              </a:lnSpc>
-              <a:spcBef>
-                <a:spcPts val="0"/>
-              </a:spcBef>
-              <a:spcAft>
-                <a:spcPts val="0"/>
-              </a:spcAft>
-              <a:buClr>
-                <a:srgbClr val="AD8F67"/>
-              </a:buClr>
-              <a:buSzTx/>
-              <a:buFont typeface="Arial" panose="020B0604020202020204" pitchFamily="34" charset="0"/>
-              <a:buNone/>
-              <a:tabLst/>
-              <a:defRPr/>
-            </a:pPr>
-            <a:endParaRPr kumimoji="0" lang="en-US" sz="6000" b="0" i="0" u="none" strike="noStrike" kern="1200" cap="all" spc="0" normalizeH="0" baseline="0" noProof="0" dirty="0">
-              <a:ln>
-                <a:noFill/>
-              </a:ln>
-              <a:solidFill>
-                <a:srgbClr val="FFFFFF"/>
-              </a:solidFill>
-              <a:effectLst/>
-              <a:uLnTx/>
-              <a:uFillTx/>
-              <a:latin typeface="Cambria" panose="02040503050406030204" pitchFamily="18" charset="0"/>
-              <a:ea typeface="+mn-ea"/>
-              <a:cs typeface="Arial" panose="020B0604020202020204" pitchFamily="34" charset="0"/>
-            </a:endParaRPr>
-          </a:p>
-        </p:txBody>
-      </p:sp>
-      <p:sp>
-        <p:nvSpPr>
-          <p:cNvPr id="48" name="TextBox 47">
-            <a:extLst>
-              <a:ext uri="{FF2B5EF4-FFF2-40B4-BE49-F238E27FC236}">
-                <a16:creationId xmlns:a16="http://schemas.microsoft.com/office/drawing/2014/main" id="{5AB1ABAD-99A8-4A36-8BC6-1656089AE6A9}"/>
-              </a:ext>
-            </a:extLst>
-          </p:cNvPr>
-          <p:cNvSpPr txBox="1"/>
-          <p:nvPr/>
-        </p:nvSpPr>
-        <p:spPr>
-          <a:xfrm>
-            <a:off x="8427259" y="16070695"/>
-            <a:ext cx="6534175" cy="3170099"/>
-          </a:xfrm>
-          <a:prstGeom prst="rect">
-            <a:avLst/>
-          </a:prstGeom>
-          <a:ln>
-            <a:noFill/>
-          </a:ln>
-        </p:spPr>
-        <p:style>
-          <a:lnRef idx="2">
-            <a:schemeClr val="dk1"/>
-          </a:lnRef>
-          <a:fillRef idx="1">
-            <a:schemeClr val="lt1"/>
-          </a:fillRef>
-          <a:effectRef idx="0">
-            <a:schemeClr val="dk1"/>
-          </a:effectRef>
-          <a:fontRef idx="minor">
-            <a:schemeClr val="dk1"/>
-          </a:fontRef>
-        </p:style>
-        <p:txBody>
-          <a:bodyPr wrap="square" rtlCol="0">
-            <a:spAutoFit/>
-          </a:bodyPr>
-          <a:lstStyle/>
-          <a:p>
-            <a:r>
-              <a:rPr lang="en-US" altLang="zh-CN" sz="2000" i="1" dirty="0">
-                <a:latin typeface="Times New Roman" panose="02020603050405020304" pitchFamily="18" charset="0"/>
-                <a:cs typeface="Times New Roman" panose="02020603050405020304" pitchFamily="18" charset="0"/>
-              </a:rPr>
-              <a:t>[1] Application of the </a:t>
-            </a:r>
-            <a:r>
-              <a:rPr lang="en-US" altLang="zh-CN" sz="2000" i="1" dirty="0" err="1">
+              <a:t>Video 2. </a:t>
+            </a:r>
+            <a:r>
+              <a:rPr lang="en-US" altLang="zh-CN" sz="2400" i="1" dirty="0" err="1">
                 <a:latin typeface="Times New Roman" panose="02020603050405020304" pitchFamily="18" charset="0"/>
                 <a:cs typeface="Times New Roman" panose="02020603050405020304" pitchFamily="18" charset="0"/>
               </a:rPr>
               <a:t>Novint</a:t>
             </a:r>
             <a:r>
-              <a:rPr lang="en-US" altLang="zh-CN" sz="2000" i="1" dirty="0">
+              <a:rPr lang="en-US" altLang="zh-CN" sz="2400" i="1" dirty="0">
                 <a:latin typeface="Times New Roman" panose="02020603050405020304" pitchFamily="18" charset="0"/>
                 <a:cs typeface="Times New Roman" panose="02020603050405020304" pitchFamily="18" charset="0"/>
               </a:rPr>
-              <a:t> Falcon haptic device as an actuator in real-time control, Daniel J. Block, et. al. DOI: 10.2478/</a:t>
-            </a:r>
-            <a:r>
-              <a:rPr lang="en-US" altLang="zh-CN" sz="2000" i="1" dirty="0" err="1">
-                <a:latin typeface="Times New Roman" panose="02020603050405020304" pitchFamily="18" charset="0"/>
-                <a:cs typeface="Times New Roman" panose="02020603050405020304" pitchFamily="18" charset="0"/>
-              </a:rPr>
-              <a:t>pj</a:t>
-            </a:r>
-            <a:r>
-              <a:rPr lang="da-DK" sz="2000" i="1" dirty="0">
-                <a:latin typeface="Times New Roman" panose="02020603050405020304" pitchFamily="18" charset="0"/>
-                <a:cs typeface="Times New Roman" panose="02020603050405020304" pitchFamily="18" charset="0"/>
-              </a:rPr>
-              <a:t>br-2013-0017 JBR · 4(3) · 2013 · 182-193</a:t>
-            </a:r>
-            <a:r>
-              <a:rPr lang="en-US" altLang="zh-CN" sz="2000" i="1" dirty="0">
-                <a:latin typeface="Times New Roman" panose="02020603050405020304" pitchFamily="18" charset="0"/>
-                <a:cs typeface="Times New Roman" panose="02020603050405020304" pitchFamily="18" charset="0"/>
-              </a:rPr>
-              <a:t> </a:t>
-            </a:r>
-          </a:p>
-          <a:p>
-            <a:r>
-              <a:rPr lang="en-US" altLang="zh-CN" sz="2000" i="1" dirty="0">
-                <a:latin typeface="Times New Roman" panose="02020603050405020304" pitchFamily="18" charset="0"/>
-                <a:cs typeface="Times New Roman" panose="02020603050405020304" pitchFamily="18" charset="0"/>
-              </a:rPr>
-              <a:t>[2] </a:t>
-            </a:r>
-            <a:r>
-              <a:rPr lang="en-US" sz="2000" i="1" dirty="0">
-                <a:latin typeface="Times New Roman" panose="02020603050405020304" pitchFamily="18" charset="0"/>
-                <a:cs typeface="Times New Roman" panose="02020603050405020304" pitchFamily="18" charset="0"/>
-              </a:rPr>
-              <a:t>A Parallel Manipulator with Only Translational Degrees of Freedom, Lung-Wen Tsai, Richard E. Stamper. Technical Research Report</a:t>
-            </a:r>
-          </a:p>
-          <a:p>
-            <a:r>
-              <a:rPr lang="en-US" altLang="zh-CN" sz="2000" i="1" dirty="0">
-                <a:latin typeface="Times New Roman" panose="02020603050405020304" pitchFamily="18" charset="0"/>
-                <a:cs typeface="Times New Roman" panose="02020603050405020304" pitchFamily="18" charset="0"/>
-              </a:rPr>
-              <a:t>[3]  Dynamic Identification of the </a:t>
-            </a:r>
-            <a:r>
-              <a:rPr lang="en-US" altLang="zh-CN" sz="2000" i="1" dirty="0" err="1">
-                <a:latin typeface="Times New Roman" panose="02020603050405020304" pitchFamily="18" charset="0"/>
-                <a:cs typeface="Times New Roman" panose="02020603050405020304" pitchFamily="18" charset="0"/>
-              </a:rPr>
-              <a:t>Novint</a:t>
-            </a:r>
-            <a:r>
-              <a:rPr lang="en-US" altLang="zh-CN" sz="2000" i="1" dirty="0">
-                <a:latin typeface="Times New Roman" panose="02020603050405020304" pitchFamily="18" charset="0"/>
-                <a:cs typeface="Times New Roman" panose="02020603050405020304" pitchFamily="18" charset="0"/>
-              </a:rPr>
-              <a:t> Haptic Device, </a:t>
-            </a:r>
-            <a:r>
-              <a:rPr lang="en-US" altLang="zh-CN" sz="2000" i="1" dirty="0" err="1">
-                <a:latin typeface="Times New Roman" panose="02020603050405020304" pitchFamily="18" charset="0"/>
-                <a:cs typeface="Times New Roman" panose="02020603050405020304" pitchFamily="18" charset="0"/>
-              </a:rPr>
-              <a:t>Nima</a:t>
-            </a:r>
-            <a:r>
-              <a:rPr lang="en-US" altLang="zh-CN" sz="2000" i="1" dirty="0">
-                <a:latin typeface="Times New Roman" panose="02020603050405020304" pitchFamily="18" charset="0"/>
-                <a:cs typeface="Times New Roman" panose="02020603050405020304" pitchFamily="18" charset="0"/>
-              </a:rPr>
-              <a:t> </a:t>
-            </a:r>
-            <a:r>
-              <a:rPr lang="en-US" altLang="zh-CN" sz="2000" i="1" dirty="0" err="1">
-                <a:latin typeface="Times New Roman" panose="02020603050405020304" pitchFamily="18" charset="0"/>
-                <a:cs typeface="Times New Roman" panose="02020603050405020304" pitchFamily="18" charset="0"/>
-              </a:rPr>
-              <a:t>Karbasizadeh</a:t>
-            </a:r>
-            <a:r>
-              <a:rPr lang="en-US" altLang="zh-CN" sz="2000" i="1" dirty="0">
-                <a:latin typeface="Times New Roman" panose="02020603050405020304" pitchFamily="18" charset="0"/>
-                <a:cs typeface="Times New Roman" panose="02020603050405020304" pitchFamily="18" charset="0"/>
-              </a:rPr>
-              <a:t>, et. al. International Conference on Robotics and Mechatronics. </a:t>
-            </a:r>
-            <a:r>
-              <a:rPr lang="de-DE" sz="2000" i="1" dirty="0">
-                <a:latin typeface="Times New Roman" panose="02020603050405020304" pitchFamily="18" charset="0"/>
-                <a:cs typeface="Times New Roman" panose="02020603050405020304" pitchFamily="18" charset="0"/>
-              </a:rPr>
-              <a:t>October 26-28, 2016, Tehran, Iran.</a:t>
-            </a:r>
-            <a:endParaRPr lang="en-US" altLang="zh-CN" sz="2000" i="1" dirty="0">
-              <a:latin typeface="Times New Roman" panose="02020603050405020304" pitchFamily="18" charset="0"/>
-              <a:cs typeface="Times New Roman" panose="02020603050405020304" pitchFamily="18" charset="0"/>
-            </a:endParaRPr>
-          </a:p>
-        </p:txBody>
-      </p:sp>
-      <p:sp>
-        <p:nvSpPr>
-          <p:cNvPr id="49" name="TextBox 48">
-            <a:extLst>
-              <a:ext uri="{FF2B5EF4-FFF2-40B4-BE49-F238E27FC236}">
-                <a16:creationId xmlns:a16="http://schemas.microsoft.com/office/drawing/2014/main" id="{C1341959-EAB8-4B0B-8559-D496845179BD}"/>
-              </a:ext>
-            </a:extLst>
-          </p:cNvPr>
-          <p:cNvSpPr txBox="1"/>
-          <p:nvPr/>
-        </p:nvSpPr>
-        <p:spPr>
-          <a:xfrm>
-            <a:off x="8427259" y="15301254"/>
-            <a:ext cx="4532625" cy="646331"/>
-          </a:xfrm>
-          <a:prstGeom prst="rect">
-            <a:avLst/>
-          </a:prstGeom>
-          <a:noFill/>
-        </p:spPr>
-        <p:txBody>
-          <a:bodyPr wrap="square" rtlCol="0">
-            <a:spAutoFit/>
-          </a:bodyPr>
-          <a:lstStyle/>
-          <a:p>
-            <a:r>
-              <a:rPr lang="en-US" sz="3600" dirty="0">
-                <a:solidFill>
-                  <a:schemeClr val="bg1"/>
-                </a:solidFill>
-                <a:latin typeface="Times New Roman" panose="02020603050405020304" pitchFamily="18" charset="0"/>
-                <a:cs typeface="Times New Roman" panose="02020603050405020304" pitchFamily="18" charset="0"/>
-              </a:rPr>
-              <a:t>Reference</a:t>
-            </a:r>
-          </a:p>
-        </p:txBody>
-      </p:sp>
-      <p:sp>
-        <p:nvSpPr>
-          <p:cNvPr id="53" name="TextBox 52">
-            <a:extLst>
-              <a:ext uri="{FF2B5EF4-FFF2-40B4-BE49-F238E27FC236}">
-                <a16:creationId xmlns:a16="http://schemas.microsoft.com/office/drawing/2014/main" id="{9EC5EA9F-39D3-4A3F-9C55-0A778B1DB0E2}"/>
-              </a:ext>
-            </a:extLst>
-          </p:cNvPr>
-          <p:cNvSpPr txBox="1"/>
-          <p:nvPr/>
-        </p:nvSpPr>
-        <p:spPr>
-          <a:xfrm>
-            <a:off x="587181" y="16398216"/>
-            <a:ext cx="6534175" cy="2308324"/>
-          </a:xfrm>
-          <a:prstGeom prst="rect">
-            <a:avLst/>
-          </a:prstGeom>
-          <a:ln>
-            <a:noFill/>
-          </a:ln>
-        </p:spPr>
-        <p:style>
-          <a:lnRef idx="2">
-            <a:schemeClr val="dk1"/>
-          </a:lnRef>
-          <a:fillRef idx="1">
-            <a:schemeClr val="lt1"/>
-          </a:fillRef>
-          <a:effectRef idx="0">
-            <a:schemeClr val="dk1"/>
-          </a:effectRef>
-          <a:fontRef idx="minor">
-            <a:schemeClr val="dk1"/>
-          </a:fontRef>
-        </p:style>
-        <p:txBody>
-          <a:bodyPr wrap="square" rtlCol="0">
-            <a:spAutoFit/>
-          </a:bodyPr>
-          <a:lstStyle/>
-          <a:p>
-            <a:r>
-              <a:rPr lang="en-US" altLang="zh-CN" sz="2400" b="1" dirty="0">
-                <a:latin typeface="Times New Roman" panose="02020603050405020304" pitchFamily="18" charset="0"/>
-                <a:cs typeface="Times New Roman" panose="02020603050405020304" pitchFamily="18" charset="0"/>
-              </a:rPr>
-              <a:t>Dynamics and Control</a:t>
-            </a:r>
-            <a:endParaRPr lang="en-US" altLang="zh-CN" sz="2400" dirty="0">
-              <a:latin typeface="Times New Roman" panose="02020603050405020304" pitchFamily="18" charset="0"/>
-              <a:cs typeface="Times New Roman" panose="02020603050405020304" pitchFamily="18" charset="0"/>
-            </a:endParaRPr>
-          </a:p>
-          <a:p>
-            <a:pPr marL="342900" indent="-342900">
-              <a:buFont typeface="Arial" panose="020B0604020202020204" pitchFamily="34" charset="0"/>
-              <a:buChar char="•"/>
-            </a:pPr>
-            <a:r>
-              <a:rPr lang="en-US" altLang="zh-CN" sz="2400" dirty="0">
-                <a:latin typeface="Times New Roman" panose="02020603050405020304" pitchFamily="18" charset="0"/>
-                <a:cs typeface="Times New Roman" panose="02020603050405020304" pitchFamily="18" charset="0"/>
-              </a:rPr>
-              <a:t>Based on </a:t>
-            </a:r>
-            <a:r>
-              <a:rPr lang="en-US" altLang="zh-CN" sz="2400" dirty="0" err="1">
-                <a:latin typeface="Times New Roman" panose="02020603050405020304" pitchFamily="18" charset="0"/>
-                <a:cs typeface="Times New Roman" panose="02020603050405020304" pitchFamily="18" charset="0"/>
-              </a:rPr>
-              <a:t>Nima</a:t>
-            </a:r>
-            <a:r>
-              <a:rPr lang="en-US" altLang="zh-CN" sz="2400" dirty="0">
-                <a:latin typeface="Times New Roman" panose="02020603050405020304" pitchFamily="18" charset="0"/>
-                <a:cs typeface="Times New Roman" panose="02020603050405020304" pitchFamily="18" charset="0"/>
-              </a:rPr>
-              <a:t> </a:t>
-            </a:r>
-            <a:r>
-              <a:rPr lang="en-US" altLang="zh-CN" sz="2400" dirty="0" err="1">
-                <a:latin typeface="Times New Roman" panose="02020603050405020304" pitchFamily="18" charset="0"/>
-                <a:cs typeface="Times New Roman" panose="02020603050405020304" pitchFamily="18" charset="0"/>
-              </a:rPr>
-              <a:t>Karbasizadeh</a:t>
-            </a:r>
-            <a:r>
-              <a:rPr lang="en-US" altLang="zh-CN" sz="2400" dirty="0">
-                <a:latin typeface="Times New Roman" panose="02020603050405020304" pitchFamily="18" charset="0"/>
-                <a:cs typeface="Times New Roman" panose="02020603050405020304" pitchFamily="18" charset="0"/>
-              </a:rPr>
-              <a:t> team’s work on the dynamic identification of the </a:t>
-            </a:r>
-            <a:r>
-              <a:rPr lang="en-US" altLang="zh-CN" sz="2400" dirty="0" err="1">
-                <a:latin typeface="Times New Roman" panose="02020603050405020304" pitchFamily="18" charset="0"/>
-                <a:cs typeface="Times New Roman" panose="02020603050405020304" pitchFamily="18" charset="0"/>
-              </a:rPr>
-              <a:t>Novint</a:t>
-            </a:r>
-            <a:r>
-              <a:rPr lang="en-US" altLang="zh-CN" sz="2400" dirty="0">
-                <a:latin typeface="Times New Roman" panose="02020603050405020304" pitchFamily="18" charset="0"/>
-                <a:cs typeface="Times New Roman" panose="02020603050405020304" pitchFamily="18" charset="0"/>
-              </a:rPr>
-              <a:t> Falcon. [3]</a:t>
-            </a:r>
-          </a:p>
-          <a:p>
-            <a:pPr marL="342900" indent="-342900">
-              <a:buFont typeface="Arial" panose="020B0604020202020204" pitchFamily="34" charset="0"/>
-              <a:buChar char="•"/>
-            </a:pPr>
-            <a:r>
-              <a:rPr lang="en-US" altLang="zh-CN" sz="2400" dirty="0">
-                <a:latin typeface="Times New Roman" panose="02020603050405020304" pitchFamily="18" charset="0"/>
-                <a:cs typeface="Times New Roman" panose="02020603050405020304" pitchFamily="18" charset="0"/>
-              </a:rPr>
-              <a:t>Apply different control laws to observe the displacement responses. </a:t>
-            </a:r>
-          </a:p>
-        </p:txBody>
-      </p:sp>
-      <p:sp>
-        <p:nvSpPr>
-          <p:cNvPr id="54" name="Text Placeholder 4">
-            <a:extLst>
-              <a:ext uri="{FF2B5EF4-FFF2-40B4-BE49-F238E27FC236}">
-                <a16:creationId xmlns:a16="http://schemas.microsoft.com/office/drawing/2014/main" id="{C0BECD87-59A5-460C-879B-ACB5CB134595}"/>
-              </a:ext>
-            </a:extLst>
-          </p:cNvPr>
-          <p:cNvSpPr txBox="1">
-            <a:spLocks/>
-          </p:cNvSpPr>
-          <p:nvPr/>
-        </p:nvSpPr>
-        <p:spPr>
-          <a:xfrm>
-            <a:off x="8427259" y="3421908"/>
-            <a:ext cx="6534175" cy="710605"/>
-          </a:xfrm>
-          <a:prstGeom prst="round1Rect">
-            <a:avLst/>
-          </a:prstGeom>
-          <a:solidFill>
-            <a:schemeClr val="accent6">
-              <a:lumMod val="60000"/>
-              <a:lumOff val="40000"/>
-            </a:schemeClr>
-          </a:solidFill>
-        </p:spPr>
-        <p:txBody>
-          <a:bodyPr vert="horz" lIns="365760" tIns="45720" rIns="91440" bIns="45720" rtlCol="0" anchor="ctr">
-            <a:noAutofit/>
-          </a:bodyPr>
-          <a:lstStyle>
-            <a:lvl1pPr marL="0" indent="0" algn="l" defTabSz="4389120" rtl="0" eaLnBrk="1" latinLnBrk="0" hangingPunct="1">
-              <a:lnSpc>
-                <a:spcPct val="100000"/>
-              </a:lnSpc>
-              <a:spcBef>
-                <a:spcPts val="0"/>
-              </a:spcBef>
-              <a:buClr>
-                <a:schemeClr val="accent2"/>
-              </a:buClr>
-              <a:buFont typeface="Arial" panose="020B0604020202020204" pitchFamily="34" charset="0"/>
-              <a:buNone/>
-              <a:defRPr sz="6000" kern="1200" cap="all" baseline="0">
-                <a:solidFill>
-                  <a:schemeClr val="bg1"/>
-                </a:solidFill>
-                <a:latin typeface="+mj-lt"/>
-                <a:ea typeface="+mn-ea"/>
-                <a:cs typeface="+mn-cs"/>
-              </a:defRPr>
-            </a:lvl1pPr>
-            <a:lvl2pPr marL="0" indent="0" algn="l" defTabSz="4389120" rtl="0" eaLnBrk="1" latinLnBrk="0" hangingPunct="1">
-              <a:lnSpc>
-                <a:spcPct val="100000"/>
-              </a:lnSpc>
-              <a:spcBef>
-                <a:spcPts val="0"/>
-              </a:spcBef>
-              <a:buClr>
-                <a:schemeClr val="accent2"/>
-              </a:buClr>
-              <a:buFont typeface="Arial" panose="020B0604020202020204" pitchFamily="34" charset="0"/>
-              <a:buNone/>
-              <a:defRPr sz="6000" kern="1200" cap="all" baseline="0">
-                <a:solidFill>
-                  <a:schemeClr val="bg1"/>
-                </a:solidFill>
-                <a:latin typeface="+mj-lt"/>
-                <a:ea typeface="+mn-ea"/>
-                <a:cs typeface="+mn-cs"/>
-              </a:defRPr>
-            </a:lvl2pPr>
-            <a:lvl3pPr marL="0" indent="0" algn="l" defTabSz="4389120" rtl="0" eaLnBrk="1" latinLnBrk="0" hangingPunct="1">
-              <a:lnSpc>
-                <a:spcPct val="100000"/>
-              </a:lnSpc>
-              <a:spcBef>
-                <a:spcPts val="0"/>
-              </a:spcBef>
-              <a:buClr>
-                <a:schemeClr val="accent2"/>
-              </a:buClr>
-              <a:buFont typeface="Arial" panose="020B0604020202020204" pitchFamily="34" charset="0"/>
-              <a:buNone/>
-              <a:defRPr sz="6000" kern="1200" cap="all" baseline="0">
-                <a:solidFill>
-                  <a:schemeClr val="bg1"/>
-                </a:solidFill>
-                <a:latin typeface="+mj-lt"/>
-                <a:ea typeface="+mn-ea"/>
-                <a:cs typeface="+mn-cs"/>
-              </a:defRPr>
-            </a:lvl3pPr>
-            <a:lvl4pPr marL="0" indent="0" algn="l" defTabSz="4389120" rtl="0" eaLnBrk="1" latinLnBrk="0" hangingPunct="1">
-              <a:lnSpc>
-                <a:spcPct val="100000"/>
-              </a:lnSpc>
-              <a:spcBef>
-                <a:spcPts val="0"/>
-              </a:spcBef>
-              <a:buClr>
-                <a:schemeClr val="accent2"/>
-              </a:buClr>
-              <a:buFont typeface="Arial" panose="020B0604020202020204" pitchFamily="34" charset="0"/>
-              <a:buNone/>
-              <a:defRPr sz="6000" kern="1200" cap="all" baseline="0">
-                <a:solidFill>
-                  <a:schemeClr val="bg1"/>
-                </a:solidFill>
-                <a:latin typeface="+mj-lt"/>
-                <a:ea typeface="+mn-ea"/>
-                <a:cs typeface="+mn-cs"/>
-              </a:defRPr>
-            </a:lvl4pPr>
-            <a:lvl5pPr marL="0" indent="0" algn="l" defTabSz="4389120" rtl="0" eaLnBrk="1" latinLnBrk="0" hangingPunct="1">
-              <a:lnSpc>
-                <a:spcPct val="100000"/>
-              </a:lnSpc>
-              <a:spcBef>
-                <a:spcPts val="0"/>
-              </a:spcBef>
-              <a:buClr>
-                <a:schemeClr val="accent2"/>
-              </a:buClr>
-              <a:buFont typeface="Arial" panose="020B0604020202020204" pitchFamily="34" charset="0"/>
-              <a:buNone/>
-              <a:defRPr sz="6000" kern="1200" cap="all" baseline="0">
-                <a:solidFill>
-                  <a:schemeClr val="bg1"/>
-                </a:solidFill>
-                <a:latin typeface="+mj-lt"/>
-                <a:ea typeface="+mn-ea"/>
-                <a:cs typeface="+mn-cs"/>
-              </a:defRPr>
-            </a:lvl5pPr>
-            <a:lvl6pPr marL="0" indent="0" algn="l" defTabSz="4389120" rtl="0" eaLnBrk="1" latinLnBrk="0" hangingPunct="1">
-              <a:lnSpc>
-                <a:spcPct val="100000"/>
-              </a:lnSpc>
-              <a:spcBef>
-                <a:spcPts val="0"/>
-              </a:spcBef>
-              <a:buClr>
-                <a:schemeClr val="accent2"/>
-              </a:buClr>
-              <a:buFont typeface="Arial" panose="020B0604020202020204" pitchFamily="34" charset="0"/>
-              <a:buNone/>
-              <a:defRPr sz="6000" kern="1200" cap="all" baseline="0">
-                <a:solidFill>
-                  <a:schemeClr val="bg1"/>
-                </a:solidFill>
-                <a:latin typeface="+mj-lt"/>
-                <a:ea typeface="+mn-ea"/>
-                <a:cs typeface="+mn-cs"/>
-              </a:defRPr>
-            </a:lvl6pPr>
-            <a:lvl7pPr marL="0" indent="0" algn="l" defTabSz="4389120" rtl="0" eaLnBrk="1" latinLnBrk="0" hangingPunct="1">
-              <a:lnSpc>
-                <a:spcPct val="100000"/>
-              </a:lnSpc>
-              <a:spcBef>
-                <a:spcPts val="0"/>
-              </a:spcBef>
-              <a:buClr>
-                <a:schemeClr val="accent2"/>
-              </a:buClr>
-              <a:buFont typeface="Arial" panose="020B0604020202020204" pitchFamily="34" charset="0"/>
-              <a:buNone/>
-              <a:defRPr sz="6000" kern="1200" cap="all" baseline="0">
-                <a:solidFill>
-                  <a:schemeClr val="bg1"/>
-                </a:solidFill>
-                <a:latin typeface="+mj-lt"/>
-                <a:ea typeface="+mn-ea"/>
-                <a:cs typeface="+mn-cs"/>
-              </a:defRPr>
-            </a:lvl7pPr>
-            <a:lvl8pPr marL="0" indent="0" algn="l" defTabSz="4389120" rtl="0" eaLnBrk="1" latinLnBrk="0" hangingPunct="1">
-              <a:lnSpc>
-                <a:spcPct val="100000"/>
-              </a:lnSpc>
-              <a:spcBef>
-                <a:spcPts val="0"/>
-              </a:spcBef>
-              <a:buClr>
-                <a:schemeClr val="accent2"/>
-              </a:buClr>
-              <a:buFont typeface="Arial" panose="020B0604020202020204" pitchFamily="34" charset="0"/>
-              <a:buNone/>
-              <a:defRPr sz="6000" kern="1200" cap="all" baseline="0">
-                <a:solidFill>
-                  <a:schemeClr val="bg1"/>
-                </a:solidFill>
-                <a:latin typeface="+mj-lt"/>
-                <a:ea typeface="+mn-ea"/>
-                <a:cs typeface="+mn-cs"/>
-              </a:defRPr>
-            </a:lvl8pPr>
-            <a:lvl9pPr marL="0" indent="0" algn="l" defTabSz="4389120" rtl="0" eaLnBrk="1" latinLnBrk="0" hangingPunct="1">
-              <a:lnSpc>
-                <a:spcPct val="100000"/>
-              </a:lnSpc>
-              <a:spcBef>
-                <a:spcPts val="0"/>
-              </a:spcBef>
-              <a:buClr>
-                <a:schemeClr val="accent2"/>
-              </a:buClr>
-              <a:buFont typeface="Arial" panose="020B0604020202020204" pitchFamily="34" charset="0"/>
-              <a:buNone/>
-              <a:defRPr sz="6000" kern="1200" cap="all" baseline="0">
-                <a:solidFill>
-                  <a:schemeClr val="bg1"/>
-                </a:solidFill>
-                <a:latin typeface="+mj-lt"/>
-                <a:ea typeface="+mn-ea"/>
-                <a:cs typeface="+mn-cs"/>
-              </a:defRPr>
-            </a:lvl9pPr>
-          </a:lstStyle>
-          <a:p>
-            <a:pPr marL="0" marR="0" lvl="0" indent="0" algn="l" defTabSz="4389120" rtl="0" eaLnBrk="1" fontAlgn="auto" latinLnBrk="0" hangingPunct="1">
-              <a:lnSpc>
-                <a:spcPct val="100000"/>
-              </a:lnSpc>
-              <a:spcBef>
-                <a:spcPts val="0"/>
-              </a:spcBef>
-              <a:spcAft>
-                <a:spcPts val="0"/>
-              </a:spcAft>
-              <a:buClr>
-                <a:srgbClr val="AD8F67"/>
-              </a:buClr>
-              <a:buSzTx/>
-              <a:buFont typeface="Arial" panose="020B0604020202020204" pitchFamily="34" charset="0"/>
-              <a:buNone/>
-              <a:tabLst/>
-              <a:defRPr/>
-            </a:pPr>
-            <a:endParaRPr kumimoji="0" lang="en-US" sz="6000" b="0" i="0" u="none" strike="noStrike" kern="1200" cap="all" spc="0" normalizeH="0" baseline="0" noProof="0" dirty="0">
-              <a:ln>
-                <a:noFill/>
-              </a:ln>
-              <a:solidFill>
-                <a:srgbClr val="FFFFFF"/>
-              </a:solidFill>
-              <a:effectLst/>
-              <a:uLnTx/>
-              <a:uFillTx/>
-              <a:latin typeface="Cambria" panose="02040503050406030204" pitchFamily="18" charset="0"/>
-              <a:ea typeface="+mn-ea"/>
-              <a:cs typeface="Arial" panose="020B0604020202020204" pitchFamily="34" charset="0"/>
-            </a:endParaRPr>
-          </a:p>
-        </p:txBody>
-      </p:sp>
-      <p:sp>
-        <p:nvSpPr>
-          <p:cNvPr id="55" name="TextBox 54">
-            <a:extLst>
-              <a:ext uri="{FF2B5EF4-FFF2-40B4-BE49-F238E27FC236}">
-                <a16:creationId xmlns:a16="http://schemas.microsoft.com/office/drawing/2014/main" id="{13F42DD6-BA8F-4031-9263-9D0A01A515D8}"/>
-              </a:ext>
-            </a:extLst>
-          </p:cNvPr>
-          <p:cNvSpPr txBox="1"/>
-          <p:nvPr/>
-        </p:nvSpPr>
-        <p:spPr>
-          <a:xfrm>
-            <a:off x="8427259" y="4194068"/>
-            <a:ext cx="6534175" cy="2308324"/>
-          </a:xfrm>
-          <a:prstGeom prst="rect">
-            <a:avLst/>
-          </a:prstGeom>
-          <a:ln>
-            <a:noFill/>
-          </a:ln>
-        </p:spPr>
-        <p:style>
-          <a:lnRef idx="2">
-            <a:schemeClr val="dk1"/>
-          </a:lnRef>
-          <a:fillRef idx="1">
-            <a:schemeClr val="lt1"/>
-          </a:fillRef>
-          <a:effectRef idx="0">
-            <a:schemeClr val="dk1"/>
-          </a:effectRef>
-          <a:fontRef idx="minor">
-            <a:schemeClr val="dk1"/>
-          </a:fontRef>
-        </p:style>
-        <p:txBody>
-          <a:bodyPr wrap="square" rtlCol="0">
-            <a:spAutoFit/>
-          </a:bodyPr>
-          <a:lstStyle/>
-          <a:p>
-            <a:pPr marL="342900" indent="-342900">
-              <a:buFont typeface="Arial" panose="020B0604020202020204" pitchFamily="34" charset="0"/>
-              <a:buChar char="•"/>
-            </a:pPr>
-            <a:r>
-              <a:rPr lang="en-US" altLang="zh-CN" sz="2400" dirty="0">
-                <a:latin typeface="Times New Roman" panose="02020603050405020304" pitchFamily="18" charset="0"/>
-                <a:cs typeface="Times New Roman" panose="02020603050405020304" pitchFamily="18" charset="0"/>
-              </a:rPr>
-              <a:t>Implement MATLAB codes for the kinematic configuration of the robot.</a:t>
-            </a:r>
-          </a:p>
-          <a:p>
-            <a:pPr marL="342900" indent="-342900">
-              <a:buFont typeface="Arial" panose="020B0604020202020204" pitchFamily="34" charset="0"/>
-              <a:buChar char="•"/>
-            </a:pPr>
-            <a:r>
-              <a:rPr lang="en-US" altLang="zh-CN" sz="2400" dirty="0">
-                <a:latin typeface="Times New Roman" panose="02020603050405020304" pitchFamily="18" charset="0"/>
-                <a:cs typeface="Times New Roman" panose="02020603050405020304" pitchFamily="18" charset="0"/>
-              </a:rPr>
-              <a:t>Make the end effector move in the expected routine and generate a video demo.</a:t>
-            </a:r>
-          </a:p>
-          <a:p>
-            <a:pPr marL="342900" indent="-342900">
-              <a:buFont typeface="Arial" panose="020B0604020202020204" pitchFamily="34" charset="0"/>
-              <a:buChar char="•"/>
-            </a:pPr>
-            <a:r>
-              <a:rPr lang="en-US" altLang="zh-CN" sz="2400" dirty="0">
-                <a:latin typeface="Times New Roman" panose="02020603050405020304" pitchFamily="18" charset="0"/>
-                <a:cs typeface="Times New Roman" panose="02020603050405020304" pitchFamily="18" charset="0"/>
-              </a:rPr>
-              <a:t>Apply control laws to drive the robot back to expected position. </a:t>
-            </a:r>
-          </a:p>
-        </p:txBody>
-      </p:sp>
-      <p:sp>
-        <p:nvSpPr>
-          <p:cNvPr id="56" name="TextBox 55">
-            <a:extLst>
-              <a:ext uri="{FF2B5EF4-FFF2-40B4-BE49-F238E27FC236}">
-                <a16:creationId xmlns:a16="http://schemas.microsoft.com/office/drawing/2014/main" id="{E34BA8E9-F094-4EC8-A9FB-7D2915471E00}"/>
-              </a:ext>
-            </a:extLst>
-          </p:cNvPr>
-          <p:cNvSpPr txBox="1"/>
-          <p:nvPr/>
-        </p:nvSpPr>
-        <p:spPr>
-          <a:xfrm>
-            <a:off x="8427259" y="3424627"/>
-            <a:ext cx="4532625" cy="646331"/>
-          </a:xfrm>
-          <a:prstGeom prst="rect">
-            <a:avLst/>
-          </a:prstGeom>
-          <a:noFill/>
-        </p:spPr>
-        <p:txBody>
-          <a:bodyPr wrap="square" rtlCol="0">
-            <a:spAutoFit/>
-          </a:bodyPr>
-          <a:lstStyle/>
-          <a:p>
-            <a:r>
-              <a:rPr lang="en-US" altLang="zh-CN" sz="3600" dirty="0">
-                <a:solidFill>
-                  <a:schemeClr val="bg1"/>
-                </a:solidFill>
-                <a:latin typeface="Times New Roman" panose="02020603050405020304" pitchFamily="18" charset="0"/>
-                <a:cs typeface="Times New Roman" panose="02020603050405020304" pitchFamily="18" charset="0"/>
-              </a:rPr>
-              <a:t>Simulation</a:t>
-            </a:r>
-            <a:endParaRPr lang="en-US" sz="3600" dirty="0">
-              <a:solidFill>
-                <a:schemeClr val="bg1"/>
-              </a:solidFill>
+              <a:t> Falcon Solves Pinball Maze</a:t>
+            </a:r>
+            <a:endParaRPr lang="en-US" sz="2400" i="1" dirty="0">
               <a:latin typeface="Times New Roman" panose="02020603050405020304" pitchFamily="18" charset="0"/>
               <a:cs typeface="Times New Roman" panose="02020603050405020304" pitchFamily="18" charset="0"/>
             </a:endParaRPr>
@@ -7048,4 +9827,299 @@
     </a:ext>
   </a:extLst>
 </a:theme>
+</file>
+
+<file path=ppt/theme/theme2.xml><?xml version="1.0" encoding="utf-8"?>
+<a:theme xmlns:a="http://schemas.openxmlformats.org/drawingml/2006/main" name="Office Theme">
+  <a:themeElements>
+    <a:clrScheme name="Office">
+      <a:dk1>
+        <a:sysClr val="windowText" lastClr="000000"/>
+      </a:dk1>
+      <a:lt1>
+        <a:sysClr val="window" lastClr="FFFFFF"/>
+      </a:lt1>
+      <a:dk2>
+        <a:srgbClr val="44546A"/>
+      </a:dk2>
+      <a:lt2>
+        <a:srgbClr val="E7E6E6"/>
+      </a:lt2>
+      <a:accent1>
+        <a:srgbClr val="4472C4"/>
+      </a:accent1>
+      <a:accent2>
+        <a:srgbClr val="ED7D31"/>
+      </a:accent2>
+      <a:accent3>
+        <a:srgbClr val="A5A5A5"/>
+      </a:accent3>
+      <a:accent4>
+        <a:srgbClr val="FFC000"/>
+      </a:accent4>
+      <a:accent5>
+        <a:srgbClr val="5B9BD5"/>
+      </a:accent5>
+      <a:accent6>
+        <a:srgbClr val="70AD47"/>
+      </a:accent6>
+      <a:hlink>
+        <a:srgbClr val="0563C1"/>
+      </a:hlink>
+      <a:folHlink>
+        <a:srgbClr val="954F72"/>
+      </a:folHlink>
+    </a:clrScheme>
+    <a:fontScheme name="Office">
+      <a:majorFont>
+        <a:latin typeface="Calibri Light" panose="020F0302020204030204"/>
+        <a:ea typeface=""/>
+        <a:cs typeface=""/>
+        <a:font script="Jpan" typeface="游ゴシック Light"/>
+        <a:font script="Hang" typeface="맑은 고딕"/>
+        <a:font script="Hans" typeface="等线 Light"/>
+        <a:font script="Hant" typeface="新細明體"/>
+        <a:font script="Arab" typeface="Times New Roman"/>
+        <a:font script="Hebr" typeface="Times New Roman"/>
+        <a:font script="Thai" typeface="Angsana New"/>
+        <a:font script="Ethi" typeface="Nyala"/>
+        <a:font script="Beng" typeface="Vrinda"/>
+        <a:font script="Gujr" typeface="Shruti"/>
+        <a:font script="Khmr" typeface="MoolBoran"/>
+        <a:font script="Knda" typeface="Tunga"/>
+        <a:font script="Guru" typeface="Raavi"/>
+        <a:font script="Cans" typeface="Euphemia"/>
+        <a:font script="Cher" typeface="Plantagenet Cherokee"/>
+        <a:font script="Yiii" typeface="Microsoft Yi Baiti"/>
+        <a:font script="Tibt" typeface="Microsoft Himalaya"/>
+        <a:font script="Thaa" typeface="MV Boli"/>
+        <a:font script="Deva" typeface="Mangal"/>
+        <a:font script="Telu" typeface="Gautami"/>
+        <a:font script="Taml" typeface="Latha"/>
+        <a:font script="Syrc" typeface="Estrangelo Edessa"/>
+        <a:font script="Orya" typeface="Kalinga"/>
+        <a:font script="Mlym" typeface="Kartika"/>
+        <a:font script="Laoo" typeface="DokChampa"/>
+        <a:font script="Sinh" typeface="Iskoola Pota"/>
+        <a:font script="Mong" typeface="Mongolian Baiti"/>
+        <a:font script="Viet" typeface="Times New Roman"/>
+        <a:font script="Uigh" typeface="Microsoft Uighur"/>
+        <a:font script="Geor" typeface="Sylfaen"/>
+        <a:font script="Armn" typeface="Arial"/>
+        <a:font script="Bugi" typeface="Leelawadee UI"/>
+        <a:font script="Bopo" typeface="Microsoft JhengHei"/>
+        <a:font script="Java" typeface="Javanese Text"/>
+        <a:font script="Lisu" typeface="Segoe UI"/>
+        <a:font script="Mymr" typeface="Myanmar Text"/>
+        <a:font script="Nkoo" typeface="Ebrima"/>
+        <a:font script="Olck" typeface="Nirmala UI"/>
+        <a:font script="Osma" typeface="Ebrima"/>
+        <a:font script="Phag" typeface="Phagspa"/>
+        <a:font script="Syrn" typeface="Estrangelo Edessa"/>
+        <a:font script="Syrj" typeface="Estrangelo Edessa"/>
+        <a:font script="Syre" typeface="Estrangelo Edessa"/>
+        <a:font script="Sora" typeface="Nirmala UI"/>
+        <a:font script="Tale" typeface="Microsoft Tai Le"/>
+        <a:font script="Talu" typeface="Microsoft New Tai Lue"/>
+        <a:font script="Tfng" typeface="Ebrima"/>
+      </a:majorFont>
+      <a:minorFont>
+        <a:latin typeface="Calibri" panose="020F0502020204030204"/>
+        <a:ea typeface=""/>
+        <a:cs typeface=""/>
+        <a:font script="Jpan" typeface="游ゴシック"/>
+        <a:font script="Hang" typeface="맑은 고딕"/>
+        <a:font script="Hans" typeface="等线"/>
+        <a:font script="Hant" typeface="新細明體"/>
+        <a:font script="Arab" typeface="Arial"/>
+        <a:font script="Hebr" typeface="Arial"/>
+        <a:font script="Thai" typeface="Cordia New"/>
+        <a:font script="Ethi" typeface="Nyala"/>
+        <a:font script="Beng" typeface="Vrinda"/>
+        <a:font script="Gujr" typeface="Shruti"/>
+        <a:font script="Khmr" typeface="DaunPenh"/>
+        <a:font script="Knda" typeface="Tunga"/>
+        <a:font script="Guru" typeface="Raavi"/>
+        <a:font script="Cans" typeface="Euphemia"/>
+        <a:font script="Cher" typeface="Plantagenet Cherokee"/>
+        <a:font script="Yiii" typeface="Microsoft Yi Baiti"/>
+        <a:font script="Tibt" typeface="Microsoft Himalaya"/>
+        <a:font script="Thaa" typeface="MV Boli"/>
+        <a:font script="Deva" typeface="Mangal"/>
+        <a:font script="Telu" typeface="Gautami"/>
+        <a:font script="Taml" typeface="Latha"/>
+        <a:font script="Syrc" typeface="Estrangelo Edessa"/>
+        <a:font script="Orya" typeface="Kalinga"/>
+        <a:font script="Mlym" typeface="Kartika"/>
+        <a:font script="Laoo" typeface="DokChampa"/>
+        <a:font script="Sinh" typeface="Iskoola Pota"/>
+        <a:font script="Mong" typeface="Mongolian Baiti"/>
+        <a:font script="Viet" typeface="Arial"/>
+        <a:font script="Uigh" typeface="Microsoft Uighur"/>
+        <a:font script="Geor" typeface="Sylfaen"/>
+        <a:font script="Armn" typeface="Arial"/>
+        <a:font script="Bugi" typeface="Leelawadee UI"/>
+        <a:font script="Bopo" typeface="Microsoft JhengHei"/>
+        <a:font script="Java" typeface="Javanese Text"/>
+        <a:font script="Lisu" typeface="Segoe UI"/>
+        <a:font script="Mymr" typeface="Myanmar Text"/>
+        <a:font script="Nkoo" typeface="Ebrima"/>
+        <a:font script="Olck" typeface="Nirmala UI"/>
+        <a:font script="Osma" typeface="Ebrima"/>
+        <a:font script="Phag" typeface="Phagspa"/>
+        <a:font script="Syrn" typeface="Estrangelo Edessa"/>
+        <a:font script="Syrj" typeface="Estrangelo Edessa"/>
+        <a:font script="Syre" typeface="Estrangelo Edessa"/>
+        <a:font script="Sora" typeface="Nirmala UI"/>
+        <a:font script="Tale" typeface="Microsoft Tai Le"/>
+        <a:font script="Talu" typeface="Microsoft New Tai Lue"/>
+        <a:font script="Tfng" typeface="Ebrima"/>
+      </a:minorFont>
+    </a:fontScheme>
+    <a:fmtScheme name="Office">
+      <a:fillStyleLst>
+        <a:solidFill>
+          <a:schemeClr val="phClr"/>
+        </a:solidFill>
+        <a:gradFill rotWithShape="1">
+          <a:gsLst>
+            <a:gs pos="0">
+              <a:schemeClr val="phClr">
+                <a:lumMod val="110000"/>
+                <a:satMod val="105000"/>
+                <a:tint val="67000"/>
+              </a:schemeClr>
+            </a:gs>
+            <a:gs pos="50000">
+              <a:schemeClr val="phClr">
+                <a:lumMod val="105000"/>
+                <a:satMod val="103000"/>
+                <a:tint val="73000"/>
+              </a:schemeClr>
+            </a:gs>
+            <a:gs pos="100000">
+              <a:schemeClr val="phClr">
+                <a:lumMod val="105000"/>
+                <a:satMod val="109000"/>
+                <a:tint val="81000"/>
+              </a:schemeClr>
+            </a:gs>
+          </a:gsLst>
+          <a:lin ang="5400000" scaled="0"/>
+        </a:gradFill>
+        <a:gradFill rotWithShape="1">
+          <a:gsLst>
+            <a:gs pos="0">
+              <a:schemeClr val="phClr">
+                <a:satMod val="103000"/>
+                <a:lumMod val="102000"/>
+                <a:tint val="94000"/>
+              </a:schemeClr>
+            </a:gs>
+            <a:gs pos="50000">
+              <a:schemeClr val="phClr">
+                <a:satMod val="110000"/>
+                <a:lumMod val="100000"/>
+                <a:shade val="100000"/>
+              </a:schemeClr>
+            </a:gs>
+            <a:gs pos="100000">
+              <a:schemeClr val="phClr">
+                <a:lumMod val="99000"/>
+                <a:satMod val="120000"/>
+                <a:shade val="78000"/>
+              </a:schemeClr>
+            </a:gs>
+          </a:gsLst>
+          <a:lin ang="5400000" scaled="0"/>
+        </a:gradFill>
+      </a:fillStyleLst>
+      <a:lnStyleLst>
+        <a:ln w="6350" cap="flat" cmpd="sng" algn="ctr">
+          <a:solidFill>
+            <a:schemeClr val="phClr"/>
+          </a:solidFill>
+          <a:prstDash val="solid"/>
+          <a:miter lim="800000"/>
+        </a:ln>
+        <a:ln w="12700" cap="flat" cmpd="sng" algn="ctr">
+          <a:solidFill>
+            <a:schemeClr val="phClr"/>
+          </a:solidFill>
+          <a:prstDash val="solid"/>
+          <a:miter lim="800000"/>
+        </a:ln>
+        <a:ln w="19050" cap="flat" cmpd="sng" algn="ctr">
+          <a:solidFill>
+            <a:schemeClr val="phClr"/>
+          </a:solidFill>
+          <a:prstDash val="solid"/>
+          <a:miter lim="800000"/>
+        </a:ln>
+      </a:lnStyleLst>
+      <a:effectStyleLst>
+        <a:effectStyle>
+          <a:effectLst/>
+        </a:effectStyle>
+        <a:effectStyle>
+          <a:effectLst/>
+        </a:effectStyle>
+        <a:effectStyle>
+          <a:effectLst>
+            <a:outerShdw blurRad="57150" dist="19050" dir="5400000" algn="ctr" rotWithShape="0">
+              <a:srgbClr val="000000">
+                <a:alpha val="63000"/>
+              </a:srgbClr>
+            </a:outerShdw>
+          </a:effectLst>
+        </a:effectStyle>
+      </a:effectStyleLst>
+      <a:bgFillStyleLst>
+        <a:solidFill>
+          <a:schemeClr val="phClr"/>
+        </a:solidFill>
+        <a:solidFill>
+          <a:schemeClr val="phClr">
+            <a:tint val="95000"/>
+            <a:satMod val="170000"/>
+          </a:schemeClr>
+        </a:solidFill>
+        <a:gradFill rotWithShape="1">
+          <a:gsLst>
+            <a:gs pos="0">
+              <a:schemeClr val="phClr">
+                <a:tint val="93000"/>
+                <a:satMod val="150000"/>
+                <a:shade val="98000"/>
+                <a:lumMod val="102000"/>
+              </a:schemeClr>
+            </a:gs>
+            <a:gs pos="50000">
+              <a:schemeClr val="phClr">
+                <a:tint val="98000"/>
+                <a:satMod val="130000"/>
+                <a:shade val="90000"/>
+                <a:lumMod val="103000"/>
+              </a:schemeClr>
+            </a:gs>
+            <a:gs pos="100000">
+              <a:schemeClr val="phClr">
+                <a:shade val="63000"/>
+                <a:satMod val="120000"/>
+              </a:schemeClr>
+            </a:gs>
+          </a:gsLst>
+          <a:lin ang="5400000" scaled="0"/>
+        </a:gradFill>
+      </a:bgFillStyleLst>
+    </a:fmtScheme>
+  </a:themeElements>
+  <a:objectDefaults/>
+  <a:extraClrSchemeLst/>
+  <a:extLst>
+    <a:ext uri="{05A4C25C-085E-4340-85A3-A5531E510DB2}">
+      <thm15:themeFamily xmlns:thm15="http://schemas.microsoft.com/office/thememl/2012/main" name="Office Theme" id="{62F939B6-93AF-4DB8-9C6B-D6C7DFDC589F}" vid="{4A3C46E8-61CC-4603-A589-7422A47A8E4A}"/>
+    </a:ext>
+  </a:extLst>
+</a:theme>
 </file>